--- a/공유문서/수정요청/수정요청_1215_1030/화면점검_수정신창호.pptx
+++ b/공유문서/수정요청/수정요청_1215_1030/화면점검_수정신창호.pptx
@@ -5,25 +5,27 @@
     <p:sldMasterId id="2147483660" r:id="rId1"/>
   </p:sldMasterIdLst>
   <p:notesMasterIdLst>
-    <p:notesMasterId r:id="rId10"/>
+    <p:notesMasterId r:id="rId12"/>
   </p:notesMasterIdLst>
   <p:handoutMasterIdLst>
-    <p:handoutMasterId r:id="rId11"/>
+    <p:handoutMasterId r:id="rId13"/>
   </p:handoutMasterIdLst>
   <p:sldIdLst>
     <p:sldId id="305" r:id="rId2"/>
-    <p:sldId id="310" r:id="rId3"/>
-    <p:sldId id="312" r:id="rId4"/>
-    <p:sldId id="337" r:id="rId5"/>
-    <p:sldId id="338" r:id="rId6"/>
-    <p:sldId id="340" r:id="rId7"/>
-    <p:sldId id="341" r:id="rId8"/>
-    <p:sldId id="342" r:id="rId9"/>
+    <p:sldId id="308" r:id="rId3"/>
+    <p:sldId id="309" r:id="rId4"/>
+    <p:sldId id="310" r:id="rId5"/>
+    <p:sldId id="312" r:id="rId6"/>
+    <p:sldId id="337" r:id="rId7"/>
+    <p:sldId id="338" r:id="rId8"/>
+    <p:sldId id="340" r:id="rId9"/>
+    <p:sldId id="341" r:id="rId10"/>
+    <p:sldId id="342" r:id="rId11"/>
   </p:sldIdLst>
   <p:sldSz cx="9144000" cy="6858000" type="screen4x3"/>
   <p:notesSz cx="6858000" cy="9144000"/>
   <p:custDataLst>
-    <p:tags r:id="rId12"/>
+    <p:tags r:id="rId14"/>
   </p:custDataLst>
   <p:defaultTextStyle>
     <a:defPPr>
@@ -7838,8 +7840,8 @@
         </p:nvSpPr>
         <p:spPr bwMode="auto">
           <a:xfrm>
-            <a:off x="8001024" y="714356"/>
-            <a:ext cx="2928958" cy="2143140"/>
+            <a:off x="6572264" y="1000108"/>
+            <a:ext cx="4500594" cy="2857520"/>
           </a:xfrm>
           <a:prstGeom prst="rect">
             <a:avLst/>
@@ -7894,12 +7896,17 @@
               <a:tabLst/>
             </a:pPr>
             <a:r>
-              <a:rPr lang="ko-KR" altLang="en-US" sz="8800" dirty="0" smtClean="0"/>
-              <a:t>완</a:t>
-            </a:r>
-            <a:r>
-              <a:rPr lang="ko-KR" altLang="en-US" sz="8800" dirty="0" smtClean="0"/>
-              <a:t>료</a:t>
+              <a:rPr kumimoji="0" lang="ko-KR" altLang="en-US" sz="8800" b="0" i="0" u="none" strike="noStrike" cap="none" normalizeH="0" baseline="0" dirty="0" smtClean="0">
+                <a:ln>
+                  <a:noFill/>
+                </a:ln>
+                <a:solidFill>
+                  <a:schemeClr val="tx1"/>
+                </a:solidFill>
+                <a:effectLst/>
+                <a:latin typeface="Arial" charset="0"/>
+              </a:rPr>
+              <a:t>완료</a:t>
             </a:r>
             <a:endParaRPr kumimoji="0" lang="ko-KR" altLang="en-US" sz="8800" b="0" i="0" u="none" strike="noStrike" cap="none" normalizeH="0" baseline="0" dirty="0" smtClean="0">
               <a:ln>
@@ -7918,6 +7925,1035 @@
     <p:extLst>
       <p:ext uri="{BB962C8B-B14F-4D97-AF65-F5344CB8AC3E}">
         <p14:creationId xmlns:p14="http://schemas.microsoft.com/office/powerpoint/2010/main" xmlns="" val="621323672"/>
+      </p:ext>
+    </p:extLst>
+  </p:cSld>
+  <p:clrMapOvr>
+    <a:masterClrMapping/>
+  </p:clrMapOvr>
+  <p:transition spd="med">
+    <p:blinds dir="vert"/>
+  </p:transition>
+</p:sld>
+</file>
+
+<file path=ppt/slides/slide10.xml><?xml version="1.0" encoding="utf-8"?>
+<p:sld xmlns:a="http://schemas.openxmlformats.org/drawingml/2006/main" xmlns:r="http://schemas.openxmlformats.org/officeDocument/2006/relationships" xmlns:p="http://schemas.openxmlformats.org/presentationml/2006/main">
+  <p:cSld>
+    <p:spTree>
+      <p:nvGrpSpPr>
+        <p:cNvPr id="1" name=""/>
+        <p:cNvGrpSpPr/>
+        <p:nvPr/>
+      </p:nvGrpSpPr>
+      <p:grpSpPr>
+        <a:xfrm>
+          <a:off x="0" y="0"/>
+          <a:ext cx="0" cy="0"/>
+          <a:chOff x="0" y="0"/>
+          <a:chExt cx="0" cy="0"/>
+        </a:xfrm>
+      </p:grpSpPr>
+      <p:grpSp>
+        <p:nvGrpSpPr>
+          <p:cNvPr id="16" name="그룹 15"/>
+          <p:cNvGrpSpPr/>
+          <p:nvPr/>
+        </p:nvGrpSpPr>
+        <p:grpSpPr>
+          <a:xfrm>
+            <a:off x="179512" y="692696"/>
+            <a:ext cx="8784976" cy="5912652"/>
+            <a:chOff x="179512" y="692696"/>
+            <a:chExt cx="8784976" cy="5912652"/>
+          </a:xfrm>
+        </p:grpSpPr>
+        <p:sp>
+          <p:nvSpPr>
+            <p:cNvPr id="3" name="직사각형 2"/>
+            <p:cNvSpPr/>
+            <p:nvPr/>
+          </p:nvSpPr>
+          <p:spPr bwMode="auto">
+            <a:xfrm>
+              <a:off x="179512" y="692696"/>
+              <a:ext cx="8784976" cy="432048"/>
+            </a:xfrm>
+            <a:prstGeom prst="rect">
+              <a:avLst/>
+            </a:prstGeom>
+            <a:noFill/>
+            <a:ln w="9525" cap="flat" cmpd="sng" algn="ctr">
+              <a:solidFill>
+                <a:schemeClr val="tx1"/>
+              </a:solidFill>
+              <a:prstDash val="solid"/>
+              <a:round/>
+              <a:headEnd type="none" w="med" len="med"/>
+              <a:tailEnd type="none" w="med" len="med"/>
+            </a:ln>
+            <a:effectLst/>
+            <a:extLst/>
+          </p:spPr>
+          <p:txBody>
+            <a:bodyPr vert="horz" wrap="none" lIns="91440" tIns="45720" rIns="91440" bIns="45720" numCol="1" rtlCol="0" anchor="ctr" anchorCtr="0" compatLnSpc="1">
+              <a:prstTxWarp prst="textNoShape">
+                <a:avLst/>
+              </a:prstTxWarp>
+            </a:bodyPr>
+            <a:lstStyle/>
+            <a:p>
+              <a:pPr marL="0" marR="0" indent="0" algn="l" defTabSz="914400" rtl="0" eaLnBrk="0" fontAlgn="base" latinLnBrk="0" hangingPunct="0">
+                <a:lnSpc>
+                  <a:spcPct val="100000"/>
+                </a:lnSpc>
+                <a:spcBef>
+                  <a:spcPct val="0"/>
+                </a:spcBef>
+                <a:spcAft>
+                  <a:spcPct val="0"/>
+                </a:spcAft>
+                <a:buClrTx/>
+                <a:buSzTx/>
+                <a:buFontTx/>
+                <a:buNone/>
+                <a:tabLst/>
+              </a:pPr>
+              <a:endParaRPr kumimoji="0" lang="ko-KR" altLang="en-US" sz="1800" b="0" i="0" u="none" strike="noStrike" cap="none" normalizeH="0" baseline="0" smtClean="0">
+                <a:ln>
+                  <a:noFill/>
+                </a:ln>
+                <a:solidFill>
+                  <a:schemeClr val="tx1"/>
+                </a:solidFill>
+                <a:effectLst/>
+                <a:latin typeface="Arial" charset="0"/>
+              </a:endParaRPr>
+            </a:p>
+          </p:txBody>
+        </p:sp>
+        <p:sp>
+          <p:nvSpPr>
+            <p:cNvPr id="5" name="직사각형 4"/>
+            <p:cNvSpPr/>
+            <p:nvPr/>
+          </p:nvSpPr>
+          <p:spPr bwMode="auto">
+            <a:xfrm>
+              <a:off x="179512" y="1124744"/>
+              <a:ext cx="8784976" cy="4608512"/>
+            </a:xfrm>
+            <a:prstGeom prst="rect">
+              <a:avLst/>
+            </a:prstGeom>
+            <a:noFill/>
+            <a:ln w="9525" cap="flat" cmpd="sng" algn="ctr">
+              <a:solidFill>
+                <a:schemeClr val="tx1"/>
+              </a:solidFill>
+              <a:prstDash val="solid"/>
+              <a:round/>
+              <a:headEnd type="none" w="med" len="med"/>
+              <a:tailEnd type="none" w="med" len="med"/>
+            </a:ln>
+            <a:effectLst/>
+            <a:extLst/>
+          </p:spPr>
+          <p:txBody>
+            <a:bodyPr vert="horz" wrap="none" lIns="91440" tIns="45720" rIns="91440" bIns="45720" numCol="1" rtlCol="0" anchor="ctr" anchorCtr="0" compatLnSpc="1">
+              <a:prstTxWarp prst="textNoShape">
+                <a:avLst/>
+              </a:prstTxWarp>
+            </a:bodyPr>
+            <a:lstStyle/>
+            <a:p>
+              <a:pPr marL="0" marR="0" indent="0" algn="l" defTabSz="914400" rtl="0" eaLnBrk="0" fontAlgn="base" latinLnBrk="0" hangingPunct="0">
+                <a:lnSpc>
+                  <a:spcPct val="100000"/>
+                </a:lnSpc>
+                <a:spcBef>
+                  <a:spcPct val="0"/>
+                </a:spcBef>
+                <a:spcAft>
+                  <a:spcPct val="0"/>
+                </a:spcAft>
+                <a:buClrTx/>
+                <a:buSzTx/>
+                <a:buFontTx/>
+                <a:buNone/>
+                <a:tabLst/>
+              </a:pPr>
+              <a:endParaRPr kumimoji="0" lang="ko-KR" altLang="en-US" sz="1800" b="0" i="0" u="none" strike="noStrike" cap="none" normalizeH="0" baseline="0" smtClean="0">
+                <a:ln>
+                  <a:noFill/>
+                </a:ln>
+                <a:solidFill>
+                  <a:schemeClr val="tx1"/>
+                </a:solidFill>
+                <a:effectLst/>
+                <a:latin typeface="Arial" charset="0"/>
+              </a:endParaRPr>
+            </a:p>
+          </p:txBody>
+        </p:sp>
+        <p:sp>
+          <p:nvSpPr>
+            <p:cNvPr id="6" name="직사각형 5"/>
+            <p:cNvSpPr/>
+            <p:nvPr/>
+          </p:nvSpPr>
+          <p:spPr bwMode="auto">
+            <a:xfrm>
+              <a:off x="179512" y="5749636"/>
+              <a:ext cx="8784976" cy="855712"/>
+            </a:xfrm>
+            <a:prstGeom prst="rect">
+              <a:avLst/>
+            </a:prstGeom>
+            <a:noFill/>
+            <a:ln w="9525" cap="flat" cmpd="sng" algn="ctr">
+              <a:solidFill>
+                <a:schemeClr val="tx1"/>
+              </a:solidFill>
+              <a:prstDash val="solid"/>
+              <a:round/>
+              <a:headEnd type="none" w="med" len="med"/>
+              <a:tailEnd type="none" w="med" len="med"/>
+            </a:ln>
+            <a:effectLst/>
+            <a:extLst/>
+          </p:spPr>
+          <p:txBody>
+            <a:bodyPr vert="horz" wrap="none" lIns="91440" tIns="45720" rIns="91440" bIns="45720" numCol="1" rtlCol="0" anchor="ctr" anchorCtr="0" compatLnSpc="1">
+              <a:prstTxWarp prst="textNoShape">
+                <a:avLst/>
+              </a:prstTxWarp>
+            </a:bodyPr>
+            <a:lstStyle/>
+            <a:p>
+              <a:pPr marL="0" marR="0" indent="0" algn="l" defTabSz="914400" rtl="0" eaLnBrk="0" fontAlgn="base" latinLnBrk="0" hangingPunct="0">
+                <a:lnSpc>
+                  <a:spcPct val="100000"/>
+                </a:lnSpc>
+                <a:spcBef>
+                  <a:spcPct val="0"/>
+                </a:spcBef>
+                <a:spcAft>
+                  <a:spcPct val="0"/>
+                </a:spcAft>
+                <a:buClrTx/>
+                <a:buSzTx/>
+                <a:buFontTx/>
+                <a:buNone/>
+                <a:tabLst/>
+              </a:pPr>
+              <a:endParaRPr kumimoji="0" lang="ko-KR" altLang="en-US" sz="1800" b="0" i="0" u="none" strike="noStrike" cap="none" normalizeH="0" baseline="0" smtClean="0">
+                <a:ln>
+                  <a:noFill/>
+                </a:ln>
+                <a:solidFill>
+                  <a:schemeClr val="tx1"/>
+                </a:solidFill>
+                <a:effectLst/>
+                <a:latin typeface="Arial" charset="0"/>
+              </a:endParaRPr>
+            </a:p>
+          </p:txBody>
+        </p:sp>
+        <p:cxnSp>
+          <p:nvCxnSpPr>
+            <p:cNvPr id="7" name="직선 연결선 6"/>
+            <p:cNvCxnSpPr/>
+            <p:nvPr/>
+          </p:nvCxnSpPr>
+          <p:spPr bwMode="auto">
+            <a:xfrm>
+              <a:off x="1331640" y="5749636"/>
+              <a:ext cx="0" cy="855712"/>
+            </a:xfrm>
+            <a:prstGeom prst="line">
+              <a:avLst/>
+            </a:prstGeom>
+            <a:solidFill>
+              <a:schemeClr val="accent1"/>
+            </a:solidFill>
+            <a:ln w="9525" cap="flat" cmpd="sng" algn="ctr">
+              <a:solidFill>
+                <a:schemeClr val="tx1"/>
+              </a:solidFill>
+              <a:prstDash val="solid"/>
+              <a:round/>
+              <a:headEnd type="none" w="med" len="med"/>
+              <a:tailEnd type="none" w="med" len="med"/>
+            </a:ln>
+            <a:effectLst/>
+            <a:extLst>
+              <a:ext uri="{AF507438-7753-43E0-B8FC-AC1667EBCBE1}">
+                <a14:hiddenEffects xmlns:a14="http://schemas.microsoft.com/office/drawing/2010/main" xmlns="">
+                  <a:effectLst>
+                    <a:outerShdw dist="35921" dir="2700000" algn="ctr" rotWithShape="0">
+                      <a:schemeClr val="bg2"/>
+                    </a:outerShdw>
+                  </a:effectLst>
+                </a14:hiddenEffects>
+              </a:ext>
+            </a:extLst>
+          </p:spPr>
+        </p:cxnSp>
+        <p:cxnSp>
+          <p:nvCxnSpPr>
+            <p:cNvPr id="9" name="직선 연결선 8"/>
+            <p:cNvCxnSpPr/>
+            <p:nvPr/>
+          </p:nvCxnSpPr>
+          <p:spPr bwMode="auto">
+            <a:xfrm>
+              <a:off x="1331640" y="692696"/>
+              <a:ext cx="0" cy="432048"/>
+            </a:xfrm>
+            <a:prstGeom prst="line">
+              <a:avLst/>
+            </a:prstGeom>
+            <a:solidFill>
+              <a:schemeClr val="accent1"/>
+            </a:solidFill>
+            <a:ln w="9525" cap="flat" cmpd="sng" algn="ctr">
+              <a:solidFill>
+                <a:schemeClr val="tx1"/>
+              </a:solidFill>
+              <a:prstDash val="solid"/>
+              <a:round/>
+              <a:headEnd type="none" w="med" len="med"/>
+              <a:tailEnd type="none" w="med" len="med"/>
+            </a:ln>
+            <a:effectLst/>
+            <a:extLst>
+              <a:ext uri="{AF507438-7753-43E0-B8FC-AC1667EBCBE1}">
+                <a14:hiddenEffects xmlns:a14="http://schemas.microsoft.com/office/drawing/2010/main" xmlns="">
+                  <a:effectLst>
+                    <a:outerShdw dist="35921" dir="2700000" algn="ctr" rotWithShape="0">
+                      <a:schemeClr val="bg2"/>
+                    </a:outerShdw>
+                  </a:effectLst>
+                </a14:hiddenEffects>
+              </a:ext>
+            </a:extLst>
+          </p:spPr>
+        </p:cxnSp>
+        <p:cxnSp>
+          <p:nvCxnSpPr>
+            <p:cNvPr id="11" name="직선 연결선 10"/>
+            <p:cNvCxnSpPr/>
+            <p:nvPr/>
+          </p:nvCxnSpPr>
+          <p:spPr bwMode="auto">
+            <a:xfrm>
+              <a:off x="3419872" y="692696"/>
+              <a:ext cx="0" cy="432048"/>
+            </a:xfrm>
+            <a:prstGeom prst="line">
+              <a:avLst/>
+            </a:prstGeom>
+            <a:solidFill>
+              <a:schemeClr val="accent1"/>
+            </a:solidFill>
+            <a:ln w="9525" cap="flat" cmpd="sng" algn="ctr">
+              <a:solidFill>
+                <a:schemeClr val="tx1"/>
+              </a:solidFill>
+              <a:prstDash val="solid"/>
+              <a:round/>
+              <a:headEnd type="none" w="med" len="med"/>
+              <a:tailEnd type="none" w="med" len="med"/>
+            </a:ln>
+            <a:effectLst/>
+            <a:extLst>
+              <a:ext uri="{AF507438-7753-43E0-B8FC-AC1667EBCBE1}">
+                <a14:hiddenEffects xmlns:a14="http://schemas.microsoft.com/office/drawing/2010/main" xmlns="">
+                  <a:effectLst>
+                    <a:outerShdw dist="35921" dir="2700000" algn="ctr" rotWithShape="0">
+                      <a:schemeClr val="bg2"/>
+                    </a:outerShdw>
+                  </a:effectLst>
+                </a14:hiddenEffects>
+              </a:ext>
+            </a:extLst>
+          </p:spPr>
+        </p:cxnSp>
+        <p:cxnSp>
+          <p:nvCxnSpPr>
+            <p:cNvPr id="13" name="직선 연결선 12"/>
+            <p:cNvCxnSpPr>
+              <a:stCxn id="3" idx="0"/>
+              <a:endCxn id="3" idx="2"/>
+            </p:cNvCxnSpPr>
+            <p:nvPr/>
+          </p:nvCxnSpPr>
+          <p:spPr bwMode="auto">
+            <a:xfrm>
+              <a:off x="4572000" y="692696"/>
+              <a:ext cx="0" cy="432048"/>
+            </a:xfrm>
+            <a:prstGeom prst="line">
+              <a:avLst/>
+            </a:prstGeom>
+            <a:solidFill>
+              <a:schemeClr val="accent1"/>
+            </a:solidFill>
+            <a:ln w="9525" cap="flat" cmpd="sng" algn="ctr">
+              <a:solidFill>
+                <a:schemeClr val="tx1"/>
+              </a:solidFill>
+              <a:prstDash val="solid"/>
+              <a:round/>
+              <a:headEnd type="none" w="med" len="med"/>
+              <a:tailEnd type="none" w="med" len="med"/>
+            </a:ln>
+            <a:effectLst/>
+            <a:extLst>
+              <a:ext uri="{AF507438-7753-43E0-B8FC-AC1667EBCBE1}">
+                <a14:hiddenEffects xmlns:a14="http://schemas.microsoft.com/office/drawing/2010/main" xmlns="">
+                  <a:effectLst>
+                    <a:outerShdw dist="35921" dir="2700000" algn="ctr" rotWithShape="0">
+                      <a:schemeClr val="bg2"/>
+                    </a:outerShdw>
+                  </a:effectLst>
+                </a14:hiddenEffects>
+              </a:ext>
+            </a:extLst>
+          </p:spPr>
+        </p:cxnSp>
+      </p:grpSp>
+      <p:sp>
+        <p:nvSpPr>
+          <p:cNvPr id="15" name="TextBox 14"/>
+          <p:cNvSpPr txBox="1"/>
+          <p:nvPr/>
+        </p:nvSpPr>
+        <p:spPr>
+          <a:xfrm>
+            <a:off x="223644" y="763586"/>
+            <a:ext cx="1027845" cy="307777"/>
+          </a:xfrm>
+          <a:prstGeom prst="rect">
+            <a:avLst/>
+          </a:prstGeom>
+          <a:noFill/>
+        </p:spPr>
+        <p:txBody>
+          <a:bodyPr wrap="none" rtlCol="0">
+            <a:spAutoFit/>
+          </a:bodyPr>
+          <a:lstStyle/>
+          <a:p>
+            <a:r>
+              <a:rPr lang="ko-KR" altLang="en-US" sz="1400" b="1" dirty="0" smtClean="0">
+                <a:latin typeface="맑은 고딕" panose="020B0503020000020004" pitchFamily="50" charset="-127"/>
+                <a:ea typeface="맑은 고딕" panose="020B0503020000020004" pitchFamily="50" charset="-127"/>
+              </a:rPr>
+              <a:t>요청 일자</a:t>
+            </a:r>
+            <a:r>
+              <a:rPr lang="en-US" altLang="ko-KR" sz="1400" b="1" dirty="0" smtClean="0">
+                <a:latin typeface="맑은 고딕" panose="020B0503020000020004" pitchFamily="50" charset="-127"/>
+                <a:ea typeface="맑은 고딕" panose="020B0503020000020004" pitchFamily="50" charset="-127"/>
+              </a:rPr>
+              <a:t> </a:t>
+            </a:r>
+            <a:endParaRPr lang="ko-KR" altLang="en-US" sz="1400" b="1" dirty="0">
+              <a:latin typeface="맑은 고딕" panose="020B0503020000020004" pitchFamily="50" charset="-127"/>
+              <a:ea typeface="맑은 고딕" panose="020B0503020000020004" pitchFamily="50" charset="-127"/>
+            </a:endParaRPr>
+          </a:p>
+        </p:txBody>
+      </p:sp>
+      <p:sp>
+        <p:nvSpPr>
+          <p:cNvPr id="17" name="TextBox 16"/>
+          <p:cNvSpPr txBox="1"/>
+          <p:nvPr/>
+        </p:nvSpPr>
+        <p:spPr>
+          <a:xfrm>
+            <a:off x="1450377" y="763586"/>
+            <a:ext cx="1969495" cy="307777"/>
+          </a:xfrm>
+          <a:prstGeom prst="rect">
+            <a:avLst/>
+          </a:prstGeom>
+          <a:noFill/>
+        </p:spPr>
+        <p:txBody>
+          <a:bodyPr wrap="square" rtlCol="0">
+            <a:spAutoFit/>
+          </a:bodyPr>
+          <a:lstStyle/>
+          <a:p>
+            <a:r>
+              <a:rPr lang="en-US" altLang="ko-KR" sz="1400" b="1" dirty="0" smtClean="0">
+                <a:latin typeface="맑은 고딕" panose="020B0503020000020004" pitchFamily="50" charset="-127"/>
+                <a:ea typeface="맑은 고딕" panose="020B0503020000020004" pitchFamily="50" charset="-127"/>
+              </a:rPr>
+              <a:t>2016 – 12 - 15</a:t>
+            </a:r>
+            <a:endParaRPr lang="ko-KR" altLang="en-US" sz="1400" b="1" dirty="0">
+              <a:latin typeface="맑은 고딕" panose="020B0503020000020004" pitchFamily="50" charset="-127"/>
+              <a:ea typeface="맑은 고딕" panose="020B0503020000020004" pitchFamily="50" charset="-127"/>
+            </a:endParaRPr>
+          </a:p>
+        </p:txBody>
+      </p:sp>
+      <p:sp>
+        <p:nvSpPr>
+          <p:cNvPr id="18" name="TextBox 17"/>
+          <p:cNvSpPr txBox="1"/>
+          <p:nvPr/>
+        </p:nvSpPr>
+        <p:spPr>
+          <a:xfrm>
+            <a:off x="3491880" y="744959"/>
+            <a:ext cx="965329" cy="307777"/>
+          </a:xfrm>
+          <a:prstGeom prst="rect">
+            <a:avLst/>
+          </a:prstGeom>
+          <a:noFill/>
+        </p:spPr>
+        <p:txBody>
+          <a:bodyPr wrap="none" rtlCol="0">
+            <a:spAutoFit/>
+          </a:bodyPr>
+          <a:lstStyle/>
+          <a:p>
+            <a:r>
+              <a:rPr lang="ko-KR" altLang="en-US" sz="1400" b="1" dirty="0" smtClean="0">
+                <a:latin typeface="맑은 고딕" panose="020B0503020000020004" pitchFamily="50" charset="-127"/>
+                <a:ea typeface="맑은 고딕" panose="020B0503020000020004" pitchFamily="50" charset="-127"/>
+              </a:rPr>
+              <a:t>요청 구분</a:t>
+            </a:r>
+            <a:endParaRPr lang="ko-KR" altLang="en-US" sz="1400" b="1" dirty="0">
+              <a:latin typeface="맑은 고딕" panose="020B0503020000020004" pitchFamily="50" charset="-127"/>
+              <a:ea typeface="맑은 고딕" panose="020B0503020000020004" pitchFamily="50" charset="-127"/>
+            </a:endParaRPr>
+          </a:p>
+        </p:txBody>
+      </p:sp>
+      <p:sp>
+        <p:nvSpPr>
+          <p:cNvPr id="19" name="TextBox 18"/>
+          <p:cNvSpPr txBox="1"/>
+          <p:nvPr/>
+        </p:nvSpPr>
+        <p:spPr>
+          <a:xfrm>
+            <a:off x="4572001" y="744959"/>
+            <a:ext cx="4248472" cy="307777"/>
+          </a:xfrm>
+          <a:prstGeom prst="rect">
+            <a:avLst/>
+          </a:prstGeom>
+          <a:noFill/>
+        </p:spPr>
+        <p:txBody>
+          <a:bodyPr wrap="square" rtlCol="0">
+            <a:spAutoFit/>
+          </a:bodyPr>
+          <a:lstStyle/>
+          <a:p>
+            <a:r>
+              <a:rPr lang="ko-KR" altLang="en-US" sz="1400" b="1" smtClean="0">
+                <a:latin typeface="맑은 고딕" panose="020B0503020000020004" pitchFamily="50" charset="-127"/>
+                <a:ea typeface="맑은 고딕" panose="020B0503020000020004" pitchFamily="50" charset="-127"/>
+              </a:rPr>
+              <a:t>화면</a:t>
+            </a:r>
+            <a:endParaRPr lang="ko-KR" altLang="en-US" sz="1400" b="1" dirty="0">
+              <a:latin typeface="맑은 고딕" panose="020B0503020000020004" pitchFamily="50" charset="-127"/>
+              <a:ea typeface="맑은 고딕" panose="020B0503020000020004" pitchFamily="50" charset="-127"/>
+            </a:endParaRPr>
+          </a:p>
+        </p:txBody>
+      </p:sp>
+      <p:sp>
+        <p:nvSpPr>
+          <p:cNvPr id="20" name="TextBox 19"/>
+          <p:cNvSpPr txBox="1"/>
+          <p:nvPr/>
+        </p:nvSpPr>
+        <p:spPr>
+          <a:xfrm>
+            <a:off x="223644" y="5912986"/>
+            <a:ext cx="1172116" cy="523220"/>
+          </a:xfrm>
+          <a:prstGeom prst="rect">
+            <a:avLst/>
+          </a:prstGeom>
+          <a:noFill/>
+        </p:spPr>
+        <p:txBody>
+          <a:bodyPr wrap="none" rtlCol="0">
+            <a:spAutoFit/>
+          </a:bodyPr>
+          <a:lstStyle/>
+          <a:p>
+            <a:r>
+              <a:rPr lang="ko-KR" altLang="en-US" sz="1400" b="1" dirty="0" smtClean="0">
+                <a:latin typeface="맑은 고딕" panose="020B0503020000020004" pitchFamily="50" charset="-127"/>
+                <a:ea typeface="맑은 고딕" panose="020B0503020000020004" pitchFamily="50" charset="-127"/>
+              </a:rPr>
+              <a:t>요청 내용</a:t>
+            </a:r>
+            <a:endParaRPr lang="en-US" altLang="ko-KR" sz="1400" b="1" dirty="0">
+              <a:latin typeface="맑은 고딕" panose="020B0503020000020004" pitchFamily="50" charset="-127"/>
+              <a:ea typeface="맑은 고딕" panose="020B0503020000020004" pitchFamily="50" charset="-127"/>
+            </a:endParaRPr>
+          </a:p>
+          <a:p>
+            <a:r>
+              <a:rPr lang="en-US" altLang="ko-KR" sz="1400" b="1" dirty="0" smtClean="0">
+                <a:latin typeface="맑은 고딕" panose="020B0503020000020004" pitchFamily="50" charset="-127"/>
+                <a:ea typeface="맑은 고딕" panose="020B0503020000020004" pitchFamily="50" charset="-127"/>
+              </a:rPr>
+              <a:t>[</a:t>
+            </a:r>
+            <a:r>
+              <a:rPr lang="ko-KR" altLang="en-US" sz="1400" b="1" dirty="0" smtClean="0">
+                <a:latin typeface="맑은 고딕" panose="020B0503020000020004" pitchFamily="50" charset="-127"/>
+                <a:ea typeface="맑은 고딕" panose="020B0503020000020004" pitchFamily="50" charset="-127"/>
+              </a:rPr>
+              <a:t>변경</a:t>
+            </a:r>
+            <a:r>
+              <a:rPr lang="en-US" altLang="ko-KR" sz="1400" b="1" dirty="0" smtClean="0">
+                <a:latin typeface="맑은 고딕" panose="020B0503020000020004" pitchFamily="50" charset="-127"/>
+                <a:ea typeface="맑은 고딕" panose="020B0503020000020004" pitchFamily="50" charset="-127"/>
+              </a:rPr>
+              <a:t>/</a:t>
+            </a:r>
+            <a:r>
+              <a:rPr lang="ko-KR" altLang="en-US" sz="1400" b="1" dirty="0" smtClean="0">
+                <a:latin typeface="맑은 고딕" panose="020B0503020000020004" pitchFamily="50" charset="-127"/>
+                <a:ea typeface="맑은 고딕" panose="020B0503020000020004" pitchFamily="50" charset="-127"/>
+              </a:rPr>
+              <a:t>신규</a:t>
+            </a:r>
+            <a:r>
+              <a:rPr lang="en-US" altLang="ko-KR" sz="1400" b="1" dirty="0" smtClean="0">
+                <a:latin typeface="맑은 고딕" panose="020B0503020000020004" pitchFamily="50" charset="-127"/>
+                <a:ea typeface="맑은 고딕" panose="020B0503020000020004" pitchFamily="50" charset="-127"/>
+              </a:rPr>
+              <a:t>] </a:t>
+            </a:r>
+            <a:endParaRPr lang="ko-KR" altLang="en-US" sz="1400" b="1" dirty="0">
+              <a:latin typeface="맑은 고딕" panose="020B0503020000020004" pitchFamily="50" charset="-127"/>
+              <a:ea typeface="맑은 고딕" panose="020B0503020000020004" pitchFamily="50" charset="-127"/>
+            </a:endParaRPr>
+          </a:p>
+        </p:txBody>
+      </p:sp>
+      <p:sp>
+        <p:nvSpPr>
+          <p:cNvPr id="21" name="TextBox 20"/>
+          <p:cNvSpPr txBox="1"/>
+          <p:nvPr/>
+        </p:nvSpPr>
+        <p:spPr>
+          <a:xfrm>
+            <a:off x="1357505" y="5805264"/>
+            <a:ext cx="7606983" cy="307777"/>
+          </a:xfrm>
+          <a:prstGeom prst="rect">
+            <a:avLst/>
+          </a:prstGeom>
+          <a:noFill/>
+        </p:spPr>
+        <p:txBody>
+          <a:bodyPr wrap="square" rtlCol="0">
+            <a:spAutoFit/>
+          </a:bodyPr>
+          <a:lstStyle/>
+          <a:p>
+            <a:r>
+              <a:rPr lang="ko-KR" altLang="en-US" sz="1400" b="1" dirty="0" err="1">
+                <a:latin typeface="맑은 고딕" panose="020B0503020000020004" pitchFamily="50" charset="-127"/>
+                <a:ea typeface="맑은 고딕" panose="020B0503020000020004" pitchFamily="50" charset="-127"/>
+              </a:rPr>
+              <a:t>재고조정량</a:t>
+            </a:r>
+            <a:r>
+              <a:rPr lang="en-US" altLang="ko-KR" sz="1400" b="1" dirty="0">
+                <a:latin typeface="맑은 고딕" panose="020B0503020000020004" pitchFamily="50" charset="-127"/>
+                <a:ea typeface="맑은 고딕" panose="020B0503020000020004" pitchFamily="50" charset="-127"/>
+              </a:rPr>
+              <a:t>, </a:t>
+            </a:r>
+            <a:r>
+              <a:rPr lang="ko-KR" altLang="en-US" sz="1400" b="1" dirty="0">
+                <a:latin typeface="맑은 고딕" panose="020B0503020000020004" pitchFamily="50" charset="-127"/>
+                <a:ea typeface="맑은 고딕" panose="020B0503020000020004" pitchFamily="50" charset="-127"/>
+              </a:rPr>
+              <a:t>비고</a:t>
+            </a:r>
+            <a:r>
+              <a:rPr lang="en-US" altLang="ko-KR" sz="1400" b="1" dirty="0">
+                <a:latin typeface="맑은 고딕" panose="020B0503020000020004" pitchFamily="50" charset="-127"/>
+                <a:ea typeface="맑은 고딕" panose="020B0503020000020004" pitchFamily="50" charset="-127"/>
+              </a:rPr>
+              <a:t>, </a:t>
+            </a:r>
+            <a:r>
+              <a:rPr lang="ko-KR" altLang="en-US" sz="1400" b="1" dirty="0" smtClean="0">
+                <a:latin typeface="맑은 고딕" panose="020B0503020000020004" pitchFamily="50" charset="-127"/>
+                <a:ea typeface="맑은 고딕" panose="020B0503020000020004" pitchFamily="50" charset="-127"/>
+              </a:rPr>
+              <a:t>자재불출수량 </a:t>
+            </a:r>
+            <a:r>
+              <a:rPr lang="en-US" altLang="ko-KR" sz="1400" b="1" dirty="0" smtClean="0">
+                <a:latin typeface="맑은 고딕" panose="020B0503020000020004" pitchFamily="50" charset="-127"/>
+                <a:ea typeface="맑은 고딕" panose="020B0503020000020004" pitchFamily="50" charset="-127"/>
+                <a:sym typeface="Wingdings" panose="05000000000000000000" pitchFamily="2" charset="2"/>
+              </a:rPr>
+              <a:t> edit </a:t>
+            </a:r>
+            <a:r>
+              <a:rPr lang="ko-KR" altLang="en-US" sz="1400" b="1" dirty="0">
+                <a:latin typeface="맑은 고딕" panose="020B0503020000020004" pitchFamily="50" charset="-127"/>
+                <a:ea typeface="맑은 고딕" panose="020B0503020000020004" pitchFamily="50" charset="-127"/>
+                <a:sym typeface="Wingdings" panose="05000000000000000000" pitchFamily="2" charset="2"/>
+              </a:rPr>
+              <a:t>가능하게</a:t>
+            </a:r>
+            <a:r>
+              <a:rPr lang="ko-KR" altLang="en-US" sz="1400" b="1" dirty="0" smtClean="0">
+                <a:latin typeface="맑은 고딕" panose="020B0503020000020004" pitchFamily="50" charset="-127"/>
+                <a:ea typeface="맑은 고딕" panose="020B0503020000020004" pitchFamily="50" charset="-127"/>
+              </a:rPr>
+              <a:t> </a:t>
+            </a:r>
+            <a:endParaRPr lang="en-US" altLang="ko-KR" sz="1400" b="1" dirty="0" smtClean="0">
+              <a:latin typeface="맑은 고딕" panose="020B0503020000020004" pitchFamily="50" charset="-127"/>
+              <a:ea typeface="맑은 고딕" panose="020B0503020000020004" pitchFamily="50" charset="-127"/>
+            </a:endParaRPr>
+          </a:p>
+        </p:txBody>
+      </p:sp>
+      <p:sp>
+        <p:nvSpPr>
+          <p:cNvPr id="2" name="직사각형 1"/>
+          <p:cNvSpPr/>
+          <p:nvPr/>
+        </p:nvSpPr>
+        <p:spPr>
+          <a:xfrm>
+            <a:off x="3491880" y="1146907"/>
+            <a:ext cx="2223686" cy="369332"/>
+          </a:xfrm>
+          <a:prstGeom prst="rect">
+            <a:avLst/>
+          </a:prstGeom>
+        </p:spPr>
+        <p:txBody>
+          <a:bodyPr wrap="none">
+            <a:spAutoFit/>
+          </a:bodyPr>
+          <a:lstStyle/>
+          <a:p>
+            <a:r>
+              <a:rPr lang="en-US" altLang="ko-KR" dirty="0" smtClean="0"/>
+              <a:t>/</a:t>
+            </a:r>
+            <a:r>
+              <a:rPr lang="en-US" altLang="ko-KR" dirty="0" smtClean="0">
+                <a:hlinkClick r:id="rId6"/>
+              </a:rPr>
+              <a:t>e_mat_mng_6.html</a:t>
+            </a:r>
+            <a:endParaRPr lang="ko-KR" altLang="en-US" dirty="0"/>
+          </a:p>
+        </p:txBody>
+      </p:sp>
+      <p:pic>
+        <p:nvPicPr>
+          <p:cNvPr id="55301" name="Picture 5"/>
+          <p:cNvPicPr>
+            <a:picLocks noChangeAspect="1" noChangeArrowheads="1"/>
+          </p:cNvPicPr>
+          <p:nvPr/>
+        </p:nvPicPr>
+        <p:blipFill>
+          <a:blip r:embed="rId7" cstate="print">
+            <a:extLst>
+              <a:ext uri="{28A0092B-C50C-407E-A947-70E740481C1C}">
+                <a14:useLocalDpi xmlns:a14="http://schemas.microsoft.com/office/drawing/2010/main" xmlns="" val="0"/>
+              </a:ext>
+            </a:extLst>
+          </a:blip>
+          <a:srcRect/>
+          <a:stretch>
+            <a:fillRect/>
+          </a:stretch>
+        </p:blipFill>
+        <p:spPr bwMode="auto">
+          <a:xfrm>
+            <a:off x="697543" y="1753899"/>
+            <a:ext cx="7812360" cy="2827229"/>
+          </a:xfrm>
+          <a:prstGeom prst="rect">
+            <a:avLst/>
+          </a:prstGeom>
+          <a:noFill/>
+          <a:ln>
+            <a:noFill/>
+          </a:ln>
+          <a:extLst>
+            <a:ext uri="{909E8E84-426E-40DD-AFC4-6F175D3DCCD1}">
+              <a14:hiddenFill xmlns:a14="http://schemas.microsoft.com/office/drawing/2010/main" xmlns="">
+                <a:solidFill>
+                  <a:schemeClr val="accent1"/>
+                </a:solidFill>
+              </a14:hiddenFill>
+            </a:ext>
+            <a:ext uri="{91240B29-F687-4F45-9708-019B960494DF}">
+              <a14:hiddenLine xmlns:a14="http://schemas.microsoft.com/office/drawing/2010/main" xmlns="" w="9525">
+                <a:solidFill>
+                  <a:schemeClr val="tx1"/>
+                </a:solidFill>
+                <a:miter lim="800000"/>
+                <a:headEnd/>
+                <a:tailEnd/>
+              </a14:hiddenLine>
+            </a:ext>
+          </a:extLst>
+        </p:spPr>
+      </p:pic>
+      <p:sp>
+        <p:nvSpPr>
+          <p:cNvPr id="23" name="직사각형 22"/>
+          <p:cNvSpPr/>
+          <p:nvPr/>
+        </p:nvSpPr>
+        <p:spPr bwMode="auto">
+          <a:xfrm>
+            <a:off x="1907704" y="2816080"/>
+            <a:ext cx="1224136" cy="1449306"/>
+          </a:xfrm>
+          <a:prstGeom prst="rect">
+            <a:avLst/>
+          </a:prstGeom>
+          <a:noFill/>
+          <a:ln w="57150" cap="flat" cmpd="sng" algn="ctr">
+            <a:solidFill>
+              <a:srgbClr val="FF3300"/>
+            </a:solidFill>
+            <a:prstDash val="solid"/>
+            <a:round/>
+            <a:headEnd type="none" w="med" len="med"/>
+            <a:tailEnd type="none" w="med" len="med"/>
+          </a:ln>
+          <a:effectLst/>
+          <a:extLst/>
+        </p:spPr>
+        <p:txBody>
+          <a:bodyPr vert="horz" wrap="none" lIns="91440" tIns="45720" rIns="91440" bIns="45720" numCol="1" rtlCol="0" anchor="ctr" anchorCtr="0" compatLnSpc="1">
+            <a:prstTxWarp prst="textNoShape">
+              <a:avLst/>
+            </a:prstTxWarp>
+          </a:bodyPr>
+          <a:lstStyle/>
+          <a:p>
+            <a:pPr marL="0" marR="0" indent="0" algn="l" defTabSz="914400" rtl="0" eaLnBrk="0" fontAlgn="base" latinLnBrk="0" hangingPunct="0">
+              <a:lnSpc>
+                <a:spcPct val="100000"/>
+              </a:lnSpc>
+              <a:spcBef>
+                <a:spcPct val="0"/>
+              </a:spcBef>
+              <a:spcAft>
+                <a:spcPct val="0"/>
+              </a:spcAft>
+              <a:buClrTx/>
+              <a:buSzTx/>
+              <a:buFontTx/>
+              <a:buNone/>
+              <a:tabLst/>
+            </a:pPr>
+            <a:endParaRPr kumimoji="0" lang="ko-KR" altLang="en-US" sz="1800" b="0" i="0" u="none" strike="noStrike" cap="none" normalizeH="0" baseline="0" dirty="0" smtClean="0">
+              <a:ln>
+                <a:noFill/>
+              </a:ln>
+              <a:solidFill>
+                <a:schemeClr val="tx1"/>
+              </a:solidFill>
+              <a:effectLst/>
+              <a:latin typeface="Arial" charset="0"/>
+            </a:endParaRPr>
+          </a:p>
+        </p:txBody>
+      </p:sp>
+      <p:sp>
+        <p:nvSpPr>
+          <p:cNvPr id="24" name="직사각형 23"/>
+          <p:cNvSpPr/>
+          <p:nvPr/>
+        </p:nvSpPr>
+        <p:spPr bwMode="auto">
+          <a:xfrm>
+            <a:off x="6372200" y="2442860"/>
+            <a:ext cx="720080" cy="1097873"/>
+          </a:xfrm>
+          <a:prstGeom prst="rect">
+            <a:avLst/>
+          </a:prstGeom>
+          <a:noFill/>
+          <a:ln w="57150" cap="flat" cmpd="sng" algn="ctr">
+            <a:solidFill>
+              <a:srgbClr val="FF3300"/>
+            </a:solidFill>
+            <a:prstDash val="solid"/>
+            <a:round/>
+            <a:headEnd type="none" w="med" len="med"/>
+            <a:tailEnd type="none" w="med" len="med"/>
+          </a:ln>
+          <a:effectLst/>
+          <a:extLst/>
+        </p:spPr>
+        <p:txBody>
+          <a:bodyPr vert="horz" wrap="none" lIns="91440" tIns="45720" rIns="91440" bIns="45720" numCol="1" rtlCol="0" anchor="ctr" anchorCtr="0" compatLnSpc="1">
+            <a:prstTxWarp prst="textNoShape">
+              <a:avLst/>
+            </a:prstTxWarp>
+          </a:bodyPr>
+          <a:lstStyle/>
+          <a:p>
+            <a:pPr marL="0" marR="0" indent="0" algn="l" defTabSz="914400" rtl="0" eaLnBrk="0" fontAlgn="base" latinLnBrk="0" hangingPunct="0">
+              <a:lnSpc>
+                <a:spcPct val="100000"/>
+              </a:lnSpc>
+              <a:spcBef>
+                <a:spcPct val="0"/>
+              </a:spcBef>
+              <a:spcAft>
+                <a:spcPct val="0"/>
+              </a:spcAft>
+              <a:buClrTx/>
+              <a:buSzTx/>
+              <a:buFontTx/>
+              <a:buNone/>
+              <a:tabLst/>
+            </a:pPr>
+            <a:endParaRPr kumimoji="0" lang="ko-KR" altLang="en-US" sz="1800" b="0" i="0" u="none" strike="noStrike" cap="none" normalizeH="0" baseline="0" dirty="0" smtClean="0">
+              <a:ln>
+                <a:noFill/>
+              </a:ln>
+              <a:solidFill>
+                <a:schemeClr val="tx1"/>
+              </a:solidFill>
+              <a:effectLst/>
+              <a:latin typeface="Arial" charset="0"/>
+            </a:endParaRPr>
+          </a:p>
+        </p:txBody>
+      </p:sp>
+      <p:sp>
+        <p:nvSpPr>
+          <p:cNvPr id="22" name="직사각형 21"/>
+          <p:cNvSpPr/>
+          <p:nvPr/>
+        </p:nvSpPr>
+        <p:spPr bwMode="auto">
+          <a:xfrm>
+            <a:off x="6572264" y="1000108"/>
+            <a:ext cx="4500594" cy="2857520"/>
+          </a:xfrm>
+          <a:prstGeom prst="rect">
+            <a:avLst/>
+          </a:prstGeom>
+          <a:solidFill>
+            <a:schemeClr val="accent1"/>
+          </a:solidFill>
+          <a:ln w="9525" cap="flat" cmpd="sng" algn="ctr">
+            <a:solidFill>
+              <a:schemeClr val="tx1"/>
+            </a:solidFill>
+            <a:prstDash val="solid"/>
+            <a:round/>
+            <a:headEnd type="none" w="med" len="med"/>
+            <a:tailEnd type="none" w="med" len="med"/>
+          </a:ln>
+          <a:effectLst/>
+          <a:extLst>
+            <a:ext uri="{AF507438-7753-43E0-B8FC-AC1667EBCBE1}">
+              <a14:hiddenEffects xmlns:a14="http://schemas.microsoft.com/office/drawing/2010/main" xmlns="">
+                <a:effectLst>
+                  <a:outerShdw dist="35921" dir="2700000" algn="ctr" rotWithShape="0">
+                    <a:schemeClr val="bg2"/>
+                  </a:outerShdw>
+                </a:effectLst>
+              </a14:hiddenEffects>
+            </a:ext>
+          </a:extLst>
+        </p:spPr>
+        <p:txBody>
+          <a:bodyPr vert="horz" wrap="none" lIns="91440" tIns="45720" rIns="91440" bIns="45720" numCol="1" rtlCol="0" anchor="ctr" anchorCtr="0" compatLnSpc="1">
+            <a:prstTxWarp prst="textNoShape">
+              <a:avLst/>
+            </a:prstTxWarp>
+          </a:bodyPr>
+          <a:lstStyle/>
+          <a:p>
+            <a:pPr marL="0" marR="0" indent="0" algn="ctr" defTabSz="914400" rtl="0" eaLnBrk="0" fontAlgn="base" latinLnBrk="0" hangingPunct="0">
+              <a:lnSpc>
+                <a:spcPct val="100000"/>
+              </a:lnSpc>
+              <a:spcBef>
+                <a:spcPct val="0"/>
+              </a:spcBef>
+              <a:spcAft>
+                <a:spcPct val="0"/>
+              </a:spcAft>
+              <a:buClrTx/>
+              <a:buSzTx/>
+              <a:buFontTx/>
+              <a:buNone/>
+              <a:tabLst/>
+            </a:pPr>
+            <a:r>
+              <a:rPr kumimoji="0" lang="ko-KR" altLang="en-US" sz="8800" b="0" i="0" u="none" strike="noStrike" cap="none" normalizeH="0" baseline="0" dirty="0" smtClean="0">
+                <a:ln>
+                  <a:noFill/>
+                </a:ln>
+                <a:solidFill>
+                  <a:schemeClr val="tx1"/>
+                </a:solidFill>
+                <a:effectLst/>
+                <a:latin typeface="Arial" charset="0"/>
+              </a:rPr>
+              <a:t>완료</a:t>
+            </a:r>
+            <a:endParaRPr kumimoji="0" lang="ko-KR" altLang="en-US" sz="8800" b="0" i="0" u="none" strike="noStrike" cap="none" normalizeH="0" baseline="0" dirty="0" smtClean="0">
+              <a:ln>
+                <a:noFill/>
+              </a:ln>
+              <a:solidFill>
+                <a:schemeClr val="tx1"/>
+              </a:solidFill>
+              <a:effectLst/>
+              <a:latin typeface="Arial" charset="0"/>
+            </a:endParaRPr>
+          </a:p>
+        </p:txBody>
+      </p:sp>
+    </p:spTree>
+    <p:controls>
+      <p:control spid="55298" name="DefaultOcx" r:id="rId2" imgW="257040" imgH="276120"/>
+      <p:control spid="55299" name="HTMLOption1" r:id="rId3" imgW="257040" imgH="276120"/>
+      <p:control spid="55300" name="HTMLOption2" r:id="rId4" imgW="257040" imgH="276120"/>
+    </p:controls>
+    <p:extLst>
+      <p:ext uri="{BB962C8B-B14F-4D97-AF65-F5344CB8AC3E}">
+        <p14:creationId xmlns:p14="http://schemas.microsoft.com/office/powerpoint/2010/main" xmlns="" val="2672065129"/>
       </p:ext>
     </p:extLst>
   </p:cSld>
@@ -8480,14 +9516,14 @@
                 <a:latin typeface="맑은 고딕" panose="020B0503020000020004" pitchFamily="50" charset="-127"/>
                 <a:ea typeface="맑은 고딕" panose="020B0503020000020004" pitchFamily="50" charset="-127"/>
               </a:rPr>
-              <a:t>_ST1012.php_</a:t>
+              <a:t>_ST1006.php_</a:t>
             </a:r>
             <a:r>
               <a:rPr lang="ko-KR" altLang="en-US" sz="1400" b="1" dirty="0">
                 <a:latin typeface="맑은 고딕" panose="020B0503020000020004" pitchFamily="50" charset="-127"/>
                 <a:ea typeface="맑은 고딕" panose="020B0503020000020004" pitchFamily="50" charset="-127"/>
               </a:rPr>
-              <a:t>자재</a:t>
+              <a:t>생산</a:t>
             </a:r>
             <a:r>
               <a:rPr lang="en-US" altLang="ko-KR" sz="1400" b="1" dirty="0">
@@ -8631,7 +9667,7 @@
         <p:spPr>
           <a:xfrm>
             <a:off x="1357505" y="5805264"/>
-            <a:ext cx="7606983" cy="738664"/>
+            <a:ext cx="7606983" cy="307777"/>
           </a:xfrm>
           <a:prstGeom prst="rect">
             <a:avLst/>
@@ -8645,42 +9681,52 @@
           <a:lstStyle/>
           <a:p>
             <a:r>
+              <a:rPr lang="en-US" altLang="ko-KR" sz="1400" b="1" dirty="0">
+                <a:latin typeface="맑은 고딕" panose="020B0503020000020004" pitchFamily="50" charset="-127"/>
+                <a:ea typeface="맑은 고딕" panose="020B0503020000020004" pitchFamily="50" charset="-127"/>
+                <a:sym typeface="Wingdings" panose="05000000000000000000" pitchFamily="2" charset="2"/>
+              </a:rPr>
+              <a:t>1~12</a:t>
+            </a:r>
+            <a:r>
+              <a:rPr lang="ko-KR" altLang="en-US" sz="1400" b="1" dirty="0">
+                <a:latin typeface="맑은 고딕" panose="020B0503020000020004" pitchFamily="50" charset="-127"/>
+                <a:ea typeface="맑은 고딕" panose="020B0503020000020004" pitchFamily="50" charset="-127"/>
+                <a:sym typeface="Wingdings" panose="05000000000000000000" pitchFamily="2" charset="2"/>
+              </a:rPr>
+              <a:t>월 </a:t>
+            </a:r>
+            <a:r>
               <a:rPr lang="ko-KR" altLang="en-US" sz="1400" b="1" dirty="0" smtClean="0">
                 <a:latin typeface="맑은 고딕" panose="020B0503020000020004" pitchFamily="50" charset="-127"/>
                 <a:ea typeface="맑은 고딕" panose="020B0503020000020004" pitchFamily="50" charset="-127"/>
-              </a:rPr>
-              <a:t>년 </a:t>
-            </a:r>
-            <a:r>
-              <a:rPr lang="en-US" altLang="ko-KR" sz="1400" b="1" dirty="0" smtClean="0">
-                <a:latin typeface="맑은 고딕" panose="020B0503020000020004" pitchFamily="50" charset="-127"/>
-                <a:ea typeface="맑은 고딕" panose="020B0503020000020004" pitchFamily="50" charset="-127"/>
                 <a:sym typeface="Wingdings" panose="05000000000000000000" pitchFamily="2" charset="2"/>
               </a:rPr>
-              <a:t> </a:t>
-            </a:r>
-            <a:r>
-              <a:rPr lang="ko-KR" altLang="en-US" sz="1400" b="1" dirty="0" smtClean="0">
+              <a:t>다 </a:t>
+            </a:r>
+            <a:r>
+              <a:rPr lang="en-US" altLang="ko-KR" sz="1400" b="1" dirty="0">
                 <a:latin typeface="맑은 고딕" panose="020B0503020000020004" pitchFamily="50" charset="-127"/>
                 <a:ea typeface="맑은 고딕" panose="020B0503020000020004" pitchFamily="50" charset="-127"/>
                 <a:sym typeface="Wingdings" panose="05000000000000000000" pitchFamily="2" charset="2"/>
               </a:rPr>
-              <a:t>합계</a:t>
-            </a:r>
-            <a:endParaRPr lang="en-US" altLang="ko-KR" sz="1400" b="1" dirty="0" smtClean="0">
-              <a:latin typeface="맑은 고딕" panose="020B0503020000020004" pitchFamily="50" charset="-127"/>
-              <a:ea typeface="맑은 고딕" panose="020B0503020000020004" pitchFamily="50" charset="-127"/>
-              <a:sym typeface="Wingdings" panose="05000000000000000000" pitchFamily="2" charset="2"/>
-            </a:endParaRPr>
-          </a:p>
-          <a:p>
+              <a:t>edit(</a:t>
+            </a:r>
+            <a:r>
+              <a:rPr lang="ko-KR" altLang="en-US" sz="1400" b="1" dirty="0">
+                <a:latin typeface="맑은 고딕" panose="020B0503020000020004" pitchFamily="50" charset="-127"/>
+                <a:ea typeface="맑은 고딕" panose="020B0503020000020004" pitchFamily="50" charset="-127"/>
+                <a:sym typeface="Wingdings" panose="05000000000000000000" pitchFamily="2" charset="2"/>
+              </a:rPr>
+              <a:t>입력</a:t>
+            </a:r>
             <a:r>
               <a:rPr lang="en-US" altLang="ko-KR" sz="1400" b="1" dirty="0">
                 <a:latin typeface="맑은 고딕" panose="020B0503020000020004" pitchFamily="50" charset="-127"/>
                 <a:ea typeface="맑은 고딕" panose="020B0503020000020004" pitchFamily="50" charset="-127"/>
                 <a:sym typeface="Wingdings" panose="05000000000000000000" pitchFamily="2" charset="2"/>
               </a:rPr>
-              <a:t>1~12</a:t>
+              <a:t>) </a:t>
             </a:r>
             <a:r>
               <a:rPr lang="ko-KR" altLang="en-US" sz="1400" b="1" dirty="0">
@@ -8688,7 +9734,7 @@
                 <a:ea typeface="맑은 고딕" panose="020B0503020000020004" pitchFamily="50" charset="-127"/>
                 <a:sym typeface="Wingdings" panose="05000000000000000000" pitchFamily="2" charset="2"/>
               </a:rPr>
-              <a:t>월 다 </a:t>
+              <a:t>하는 내용입니다</a:t>
             </a:r>
             <a:r>
               <a:rPr lang="en-US" altLang="ko-KR" sz="1400" b="1" dirty="0">
@@ -8696,46 +9742,8 @@
                 <a:ea typeface="맑은 고딕" panose="020B0503020000020004" pitchFamily="50" charset="-127"/>
                 <a:sym typeface="Wingdings" panose="05000000000000000000" pitchFamily="2" charset="2"/>
               </a:rPr>
-              <a:t>edit(</a:t>
-            </a:r>
-            <a:r>
-              <a:rPr lang="ko-KR" altLang="en-US" sz="1400" b="1" dirty="0">
-                <a:latin typeface="맑은 고딕" panose="020B0503020000020004" pitchFamily="50" charset="-127"/>
-                <a:ea typeface="맑은 고딕" panose="020B0503020000020004" pitchFamily="50" charset="-127"/>
-                <a:sym typeface="Wingdings" panose="05000000000000000000" pitchFamily="2" charset="2"/>
-              </a:rPr>
-              <a:t>입력</a:t>
-            </a:r>
-            <a:r>
-              <a:rPr lang="en-US" altLang="ko-KR" sz="1400" b="1" dirty="0">
-                <a:latin typeface="맑은 고딕" panose="020B0503020000020004" pitchFamily="50" charset="-127"/>
-                <a:ea typeface="맑은 고딕" panose="020B0503020000020004" pitchFamily="50" charset="-127"/>
-                <a:sym typeface="Wingdings" panose="05000000000000000000" pitchFamily="2" charset="2"/>
-              </a:rPr>
-              <a:t>) </a:t>
-            </a:r>
-            <a:r>
-              <a:rPr lang="ko-KR" altLang="en-US" sz="1400" b="1" dirty="0">
-                <a:latin typeface="맑은 고딕" panose="020B0503020000020004" pitchFamily="50" charset="-127"/>
-                <a:ea typeface="맑은 고딕" panose="020B0503020000020004" pitchFamily="50" charset="-127"/>
-                <a:sym typeface="Wingdings" panose="05000000000000000000" pitchFamily="2" charset="2"/>
-              </a:rPr>
-              <a:t>하는 내용입니다</a:t>
-            </a:r>
-            <a:r>
-              <a:rPr lang="en-US" altLang="ko-KR" sz="1400" b="1" dirty="0">
-                <a:latin typeface="맑은 고딕" panose="020B0503020000020004" pitchFamily="50" charset="-127"/>
-                <a:ea typeface="맑은 고딕" panose="020B0503020000020004" pitchFamily="50" charset="-127"/>
-                <a:sym typeface="Wingdings" panose="05000000000000000000" pitchFamily="2" charset="2"/>
-              </a:rPr>
               <a:t>.</a:t>
             </a:r>
-            <a:endParaRPr lang="ko-KR" altLang="en-US" sz="1400" b="1" dirty="0">
-              <a:latin typeface="맑은 고딕" panose="020B0503020000020004" pitchFamily="50" charset="-127"/>
-              <a:ea typeface="맑은 고딕" panose="020B0503020000020004" pitchFamily="50" charset="-127"/>
-            </a:endParaRPr>
-          </a:p>
-          <a:p>
             <a:endParaRPr lang="ko-KR" altLang="en-US" sz="1400" b="1" dirty="0">
               <a:latin typeface="맑은 고딕" panose="020B0503020000020004" pitchFamily="50" charset="-127"/>
               <a:ea typeface="맑은 고딕" panose="020B0503020000020004" pitchFamily="50" charset="-127"/>
@@ -8752,7 +9760,7 @@
         <p:spPr>
           <a:xfrm>
             <a:off x="3491880" y="1146907"/>
-            <a:ext cx="2027030" cy="369332"/>
+            <a:ext cx="1915909" cy="369332"/>
           </a:xfrm>
           <a:prstGeom prst="rect">
             <a:avLst/>
@@ -8766,7 +9774,7 @@
           <a:p>
             <a:r>
               <a:rPr lang="en-US" altLang="ko-KR" dirty="0"/>
-              <a:t>i_stat_als_11.html</a:t>
+              <a:t>i_stat_als_1.html</a:t>
             </a:r>
             <a:endParaRPr lang="ko-KR" altLang="en-US" dirty="0"/>
           </a:p>
@@ -8774,7 +9782,7 @@
       </p:sp>
       <p:pic>
         <p:nvPicPr>
-          <p:cNvPr id="22530" name="Picture 2"/>
+          <p:cNvPr id="20482" name="Picture 2"/>
           <p:cNvPicPr>
             <a:picLocks noChangeAspect="1" noChangeArrowheads="1"/>
           </p:cNvPicPr>
@@ -8795,8 +9803,8 @@
         </p:blipFill>
         <p:spPr bwMode="auto">
           <a:xfrm>
-            <a:off x="1395760" y="1516239"/>
-            <a:ext cx="6675107" cy="4005064"/>
+            <a:off x="1450377" y="1525502"/>
+            <a:ext cx="6795120" cy="4077072"/>
           </a:xfrm>
           <a:prstGeom prst="rect">
             <a:avLst/>
@@ -8828,14 +9836,14 @@
       </p:pic>
       <p:sp>
         <p:nvSpPr>
-          <p:cNvPr id="23" name="직사각형 22"/>
+          <p:cNvPr id="27" name="직사각형 26"/>
           <p:cNvSpPr/>
           <p:nvPr/>
         </p:nvSpPr>
         <p:spPr bwMode="auto">
           <a:xfrm>
-            <a:off x="2987824" y="3490973"/>
-            <a:ext cx="4752528" cy="648072"/>
+            <a:off x="3491880" y="3421360"/>
+            <a:ext cx="4608512" cy="799728"/>
           </a:xfrm>
           <a:prstGeom prst="rect">
             <a:avLst/>
@@ -8892,78 +9900,14 @@
       </p:sp>
       <p:sp>
         <p:nvSpPr>
-          <p:cNvPr id="24" name="직사각형 23"/>
+          <p:cNvPr id="23" name="직사각형 22"/>
           <p:cNvSpPr/>
           <p:nvPr/>
         </p:nvSpPr>
         <p:spPr bwMode="auto">
           <a:xfrm>
-            <a:off x="2708176" y="3166653"/>
-            <a:ext cx="279648" cy="324036"/>
-          </a:xfrm>
-          <a:prstGeom prst="rect">
-            <a:avLst/>
-          </a:prstGeom>
-          <a:noFill/>
-          <a:ln w="57150" cap="flat" cmpd="sng" algn="ctr">
-            <a:solidFill>
-              <a:srgbClr val="FF3300"/>
-            </a:solidFill>
-            <a:prstDash val="solid"/>
-            <a:round/>
-            <a:headEnd type="none" w="med" len="med"/>
-            <a:tailEnd type="none" w="med" len="med"/>
-          </a:ln>
-          <a:effectLst/>
-          <a:extLst/>
-        </p:spPr>
-        <p:txBody>
-          <a:bodyPr vert="horz" wrap="none" lIns="91440" tIns="45720" rIns="91440" bIns="45720" numCol="1" rtlCol="0" anchor="ctr" anchorCtr="0" compatLnSpc="1">
-            <a:prstTxWarp prst="textNoShape">
-              <a:avLst/>
-            </a:prstTxWarp>
-          </a:bodyPr>
-          <a:lstStyle/>
-          <a:p>
-            <a:pPr marL="0" marR="0" indent="0" algn="l" defTabSz="914400" rtl="0" eaLnBrk="0" fontAlgn="base" latinLnBrk="0" hangingPunct="0">
-              <a:lnSpc>
-                <a:spcPct val="100000"/>
-              </a:lnSpc>
-              <a:spcBef>
-                <a:spcPct val="0"/>
-              </a:spcBef>
-              <a:spcAft>
-                <a:spcPct val="0"/>
-              </a:spcAft>
-              <a:buClrTx/>
-              <a:buSzTx/>
-              <a:buFontTx/>
-              <a:buNone/>
-              <a:tabLst/>
-            </a:pPr>
-            <a:endParaRPr kumimoji="0" lang="ko-KR" altLang="en-US" sz="1800" b="0" i="0" u="none" strike="noStrike" cap="none" normalizeH="0" baseline="0" smtClean="0">
-              <a:ln>
-                <a:noFill/>
-              </a:ln>
-              <a:solidFill>
-                <a:schemeClr val="tx1"/>
-              </a:solidFill>
-              <a:effectLst/>
-              <a:latin typeface="Arial" charset="0"/>
-            </a:endParaRPr>
-          </a:p>
-        </p:txBody>
-      </p:sp>
-      <p:sp>
-        <p:nvSpPr>
-          <p:cNvPr id="22" name="직사각형 21"/>
-          <p:cNvSpPr/>
-          <p:nvPr/>
-        </p:nvSpPr>
-        <p:spPr bwMode="auto">
-          <a:xfrm>
-            <a:off x="8001024" y="714356"/>
-            <a:ext cx="2928958" cy="2143140"/>
+            <a:off x="6572264" y="1071546"/>
+            <a:ext cx="4500594" cy="2857520"/>
           </a:xfrm>
           <a:prstGeom prst="rect">
             <a:avLst/>
@@ -9018,12 +9962,17 @@
               <a:tabLst/>
             </a:pPr>
             <a:r>
-              <a:rPr lang="ko-KR" altLang="en-US" sz="8800" dirty="0" smtClean="0"/>
-              <a:t>완</a:t>
-            </a:r>
-            <a:r>
-              <a:rPr lang="ko-KR" altLang="en-US" sz="8800" dirty="0" smtClean="0"/>
-              <a:t>료</a:t>
+              <a:rPr kumimoji="0" lang="ko-KR" altLang="en-US" sz="8800" b="0" i="0" u="none" strike="noStrike" cap="none" normalizeH="0" baseline="0" dirty="0" smtClean="0">
+                <a:ln>
+                  <a:noFill/>
+                </a:ln>
+                <a:solidFill>
+                  <a:schemeClr val="tx1"/>
+                </a:solidFill>
+                <a:effectLst/>
+                <a:latin typeface="Arial" charset="0"/>
+              </a:rPr>
+              <a:t>완료</a:t>
             </a:r>
             <a:endParaRPr kumimoji="0" lang="ko-KR" altLang="en-US" sz="8800" b="0" i="0" u="none" strike="noStrike" cap="none" normalizeH="0" baseline="0" dirty="0" smtClean="0">
               <a:ln>
@@ -9041,7 +9990,7 @@
     </p:spTree>
     <p:extLst>
       <p:ext uri="{BB962C8B-B14F-4D97-AF65-F5344CB8AC3E}">
-        <p14:creationId xmlns:p14="http://schemas.microsoft.com/office/powerpoint/2010/main" xmlns="" val="37536880"/>
+        <p14:creationId xmlns:p14="http://schemas.microsoft.com/office/powerpoint/2010/main" xmlns="" val="4145301125"/>
       </p:ext>
     </p:extLst>
   </p:cSld>
@@ -9604,14 +10553,14 @@
                 <a:latin typeface="맑은 고딕" panose="020B0503020000020004" pitchFamily="50" charset="-127"/>
                 <a:ea typeface="맑은 고딕" panose="020B0503020000020004" pitchFamily="50" charset="-127"/>
               </a:rPr>
-              <a:t>_ST1015.php_</a:t>
+              <a:t>_ST1007.php_</a:t>
             </a:r>
             <a:r>
               <a:rPr lang="ko-KR" altLang="en-US" sz="1400" b="1" dirty="0">
                 <a:latin typeface="맑은 고딕" panose="020B0503020000020004" pitchFamily="50" charset="-127"/>
                 <a:ea typeface="맑은 고딕" panose="020B0503020000020004" pitchFamily="50" charset="-127"/>
               </a:rPr>
-              <a:t>자재</a:t>
+              <a:t>생산</a:t>
             </a:r>
             <a:r>
               <a:rPr lang="en-US" altLang="ko-KR" sz="1400" b="1" dirty="0">
@@ -9639,7 +10588,7 @@
                 <a:latin typeface="맑은 고딕" panose="020B0503020000020004" pitchFamily="50" charset="-127"/>
                 <a:ea typeface="맑은 고딕" panose="020B0503020000020004" pitchFamily="50" charset="-127"/>
               </a:rPr>
-              <a:t>년도부품별</a:t>
+              <a:t>년도별전체</a:t>
             </a:r>
             <a:r>
               <a:rPr lang="en-US" altLang="ko-KR" sz="1400" b="1" dirty="0">
@@ -9755,7 +10704,7 @@
         <p:spPr>
           <a:xfrm>
             <a:off x="1357505" y="5805264"/>
-            <a:ext cx="7606983" cy="738664"/>
+            <a:ext cx="7606983" cy="307777"/>
           </a:xfrm>
           <a:prstGeom prst="rect">
             <a:avLst/>
@@ -9769,266 +10718,20 @@
           <a:lstStyle/>
           <a:p>
             <a:r>
-              <a:rPr lang="en-US" altLang="ko-KR" sz="1400" b="1" dirty="0">
+              <a:rPr lang="en-US" altLang="ko-KR" sz="1400" b="1" dirty="0" smtClean="0">
                 <a:latin typeface="맑은 고딕" panose="020B0503020000020004" pitchFamily="50" charset="-127"/>
                 <a:ea typeface="맑은 고딕" panose="020B0503020000020004" pitchFamily="50" charset="-127"/>
                 <a:sym typeface="Wingdings" panose="05000000000000000000" pitchFamily="2" charset="2"/>
               </a:rPr>
-              <a:t>12</a:t>
-            </a:r>
-            <a:r>
-              <a:rPr lang="ko-KR" altLang="en-US" sz="1400" b="1" dirty="0">
+              <a:t>Line</a:t>
+            </a:r>
+            <a:r>
+              <a:rPr lang="ko-KR" altLang="en-US" sz="1400" b="1" dirty="0" smtClean="0">
                 <a:latin typeface="맑은 고딕" panose="020B0503020000020004" pitchFamily="50" charset="-127"/>
                 <a:ea typeface="맑은 고딕" panose="020B0503020000020004" pitchFamily="50" charset="-127"/>
                 <a:sym typeface="Wingdings" panose="05000000000000000000" pitchFamily="2" charset="2"/>
               </a:rPr>
-              <a:t>개월 인데</a:t>
-            </a:r>
-            <a:r>
-              <a:rPr lang="en-US" altLang="ko-KR" sz="1400" b="1" dirty="0">
-                <a:latin typeface="맑은 고딕" panose="020B0503020000020004" pitchFamily="50" charset="-127"/>
-                <a:ea typeface="맑은 고딕" panose="020B0503020000020004" pitchFamily="50" charset="-127"/>
-                <a:sym typeface="Wingdings" panose="05000000000000000000" pitchFamily="2" charset="2"/>
-              </a:rPr>
-              <a:t>…  3</a:t>
-            </a:r>
-            <a:r>
-              <a:rPr lang="ko-KR" altLang="en-US" sz="1400" b="1" dirty="0">
-                <a:latin typeface="맑은 고딕" panose="020B0503020000020004" pitchFamily="50" charset="-127"/>
-                <a:ea typeface="맑은 고딕" panose="020B0503020000020004" pitchFamily="50" charset="-127"/>
-                <a:sym typeface="Wingdings" panose="05000000000000000000" pitchFamily="2" charset="2"/>
-              </a:rPr>
-              <a:t>개월까지만 나옴</a:t>
-            </a:r>
-            <a:endParaRPr lang="en-US" altLang="ko-KR" sz="1400" b="1" dirty="0">
-              <a:latin typeface="맑은 고딕" panose="020B0503020000020004" pitchFamily="50" charset="-127"/>
-              <a:ea typeface="맑은 고딕" panose="020B0503020000020004" pitchFamily="50" charset="-127"/>
-              <a:sym typeface="Wingdings" panose="05000000000000000000" pitchFamily="2" charset="2"/>
-            </a:endParaRPr>
-          </a:p>
-          <a:p>
-            <a:r>
-              <a:rPr lang="en-US" altLang="ko-KR" sz="1400" b="1" dirty="0">
-                <a:latin typeface="맑은 고딕" panose="020B0503020000020004" pitchFamily="50" charset="-127"/>
-                <a:ea typeface="맑은 고딕" panose="020B0503020000020004" pitchFamily="50" charset="-127"/>
-                <a:sym typeface="Wingdings" panose="05000000000000000000" pitchFamily="2" charset="2"/>
-              </a:rPr>
-              <a:t>Grid </a:t>
-            </a:r>
-            <a:r>
-              <a:rPr lang="ko-KR" altLang="en-US" sz="1400" b="1" dirty="0">
-                <a:latin typeface="맑은 고딕" panose="020B0503020000020004" pitchFamily="50" charset="-127"/>
-                <a:ea typeface="맑은 고딕" panose="020B0503020000020004" pitchFamily="50" charset="-127"/>
-                <a:sym typeface="Wingdings" panose="05000000000000000000" pitchFamily="2" charset="2"/>
-              </a:rPr>
-              <a:t>내용은 </a:t>
-            </a:r>
-            <a:r>
-              <a:rPr lang="en-US" altLang="ko-KR" sz="1400" b="1" dirty="0">
-                <a:latin typeface="맑은 고딕" panose="020B0503020000020004" pitchFamily="50" charset="-127"/>
-                <a:ea typeface="맑은 고딕" panose="020B0503020000020004" pitchFamily="50" charset="-127"/>
-                <a:sym typeface="Wingdings" panose="05000000000000000000" pitchFamily="2" charset="2"/>
-              </a:rPr>
-              <a:t>display</a:t>
-            </a:r>
-            <a:r>
-              <a:rPr lang="ko-KR" altLang="en-US" sz="1400" b="1" dirty="0">
-                <a:latin typeface="맑은 고딕" panose="020B0503020000020004" pitchFamily="50" charset="-127"/>
-                <a:ea typeface="맑은 고딕" panose="020B0503020000020004" pitchFamily="50" charset="-127"/>
-                <a:sym typeface="Wingdings" panose="05000000000000000000" pitchFamily="2" charset="2"/>
-              </a:rPr>
-              <a:t>라 </a:t>
-            </a:r>
-            <a:r>
-              <a:rPr lang="ko-KR" altLang="en-US" sz="1400" b="1" dirty="0" err="1">
-                <a:latin typeface="맑은 고딕" panose="020B0503020000020004" pitchFamily="50" charset="-127"/>
-                <a:ea typeface="맑은 고딕" panose="020B0503020000020004" pitchFamily="50" charset="-127"/>
-                <a:sym typeface="Wingdings" panose="05000000000000000000" pitchFamily="2" charset="2"/>
-              </a:rPr>
-              <a:t>다른것과</a:t>
-            </a:r>
-            <a:r>
-              <a:rPr lang="ko-KR" altLang="en-US" sz="1400" b="1" dirty="0">
-                <a:latin typeface="맑은 고딕" panose="020B0503020000020004" pitchFamily="50" charset="-127"/>
-                <a:ea typeface="맑은 고딕" panose="020B0503020000020004" pitchFamily="50" charset="-127"/>
-                <a:sym typeface="Wingdings" panose="05000000000000000000" pitchFamily="2" charset="2"/>
-              </a:rPr>
-              <a:t> 바탕색이 </a:t>
-            </a:r>
-            <a:r>
-              <a:rPr lang="ko-KR" altLang="en-US" sz="1400" b="1" dirty="0" err="1">
-                <a:latin typeface="맑은 고딕" panose="020B0503020000020004" pitchFamily="50" charset="-127"/>
-                <a:ea typeface="맑은 고딕" panose="020B0503020000020004" pitchFamily="50" charset="-127"/>
-                <a:sym typeface="Wingdings" panose="05000000000000000000" pitchFamily="2" charset="2"/>
-              </a:rPr>
-              <a:t>맞지않음</a:t>
-            </a:r>
-            <a:endParaRPr lang="en-US" altLang="ko-KR" sz="1400" b="1" dirty="0">
-              <a:latin typeface="맑은 고딕" panose="020B0503020000020004" pitchFamily="50" charset="-127"/>
-              <a:ea typeface="맑은 고딕" panose="020B0503020000020004" pitchFamily="50" charset="-127"/>
-              <a:sym typeface="Wingdings" panose="05000000000000000000" pitchFamily="2" charset="2"/>
-            </a:endParaRPr>
-          </a:p>
-          <a:p>
-            <a:r>
-              <a:rPr lang="en-US" altLang="ko-KR" sz="1400" b="1" dirty="0" smtClean="0">
-                <a:latin typeface="맑은 고딕" panose="020B0503020000020004" pitchFamily="50" charset="-127"/>
-                <a:ea typeface="맑은 고딕" panose="020B0503020000020004" pitchFamily="50" charset="-127"/>
-                <a:sym typeface="Wingdings" panose="05000000000000000000" pitchFamily="2" charset="2"/>
-              </a:rPr>
-              <a:t>2</a:t>
-            </a:r>
-            <a:r>
-              <a:rPr lang="ko-KR" altLang="en-US" sz="1400" b="1" dirty="0" smtClean="0">
-                <a:latin typeface="맑은 고딕" panose="020B0503020000020004" pitchFamily="50" charset="-127"/>
-                <a:ea typeface="맑은 고딕" panose="020B0503020000020004" pitchFamily="50" charset="-127"/>
-                <a:sym typeface="Wingdings" panose="05000000000000000000" pitchFamily="2" charset="2"/>
-              </a:rPr>
-              <a:t>개는 </a:t>
-            </a:r>
-            <a:r>
-              <a:rPr lang="ko-KR" altLang="en-US" sz="1400" b="1" dirty="0">
-                <a:latin typeface="맑은 고딕" panose="020B0503020000020004" pitchFamily="50" charset="-127"/>
-                <a:ea typeface="맑은 고딕" panose="020B0503020000020004" pitchFamily="50" charset="-127"/>
-                <a:sym typeface="Wingdings" panose="05000000000000000000" pitchFamily="2" charset="2"/>
-              </a:rPr>
-              <a:t>탭 화면입니다</a:t>
-            </a:r>
-            <a:r>
-              <a:rPr lang="en-US" altLang="ko-KR" sz="1400" b="1" dirty="0" smtClean="0">
-                <a:latin typeface="맑은 고딕" panose="020B0503020000020004" pitchFamily="50" charset="-127"/>
-                <a:ea typeface="맑은 고딕" panose="020B0503020000020004" pitchFamily="50" charset="-127"/>
-                <a:sym typeface="Wingdings" panose="05000000000000000000" pitchFamily="2" charset="2"/>
-              </a:rPr>
-              <a:t>. </a:t>
-            </a:r>
-            <a:r>
-              <a:rPr lang="ko-KR" altLang="en-US" sz="1400" b="1" dirty="0">
-                <a:latin typeface="맑은 고딕" panose="020B0503020000020004" pitchFamily="50" charset="-127"/>
-                <a:ea typeface="맑은 고딕" panose="020B0503020000020004" pitchFamily="50" charset="-127"/>
-                <a:sym typeface="Wingdings" panose="05000000000000000000" pitchFamily="2" charset="2"/>
-              </a:rPr>
-              <a:t>날짜</a:t>
-            </a:r>
-            <a:r>
-              <a:rPr lang="en-US" altLang="ko-KR" sz="1400" b="1" dirty="0">
-                <a:latin typeface="맑은 고딕" panose="020B0503020000020004" pitchFamily="50" charset="-127"/>
-                <a:ea typeface="맑은 고딕" panose="020B0503020000020004" pitchFamily="50" charset="-127"/>
-                <a:sym typeface="Wingdings" panose="05000000000000000000" pitchFamily="2" charset="2"/>
-              </a:rPr>
-              <a:t>(</a:t>
-            </a:r>
-            <a:r>
-              <a:rPr lang="ko-KR" altLang="en-US" sz="1400" b="1" dirty="0">
-                <a:latin typeface="맑은 고딕" panose="020B0503020000020004" pitchFamily="50" charset="-127"/>
-                <a:ea typeface="맑은 고딕" panose="020B0503020000020004" pitchFamily="50" charset="-127"/>
-                <a:sym typeface="Wingdings" panose="05000000000000000000" pitchFamily="2" charset="2"/>
-              </a:rPr>
-              <a:t>년</a:t>
-            </a:r>
-            <a:r>
-              <a:rPr lang="en-US" altLang="ko-KR" sz="1400" b="1" dirty="0">
-                <a:latin typeface="맑은 고딕" panose="020B0503020000020004" pitchFamily="50" charset="-127"/>
-                <a:ea typeface="맑은 고딕" panose="020B0503020000020004" pitchFamily="50" charset="-127"/>
-                <a:sym typeface="Wingdings" panose="05000000000000000000" pitchFamily="2" charset="2"/>
-              </a:rPr>
-              <a:t>/</a:t>
-            </a:r>
-            <a:r>
-              <a:rPr lang="ko-KR" altLang="en-US" sz="1400" b="1" dirty="0">
-                <a:latin typeface="맑은 고딕" panose="020B0503020000020004" pitchFamily="50" charset="-127"/>
-                <a:ea typeface="맑은 고딕" panose="020B0503020000020004" pitchFamily="50" charset="-127"/>
-                <a:sym typeface="Wingdings" panose="05000000000000000000" pitchFamily="2" charset="2"/>
-              </a:rPr>
-              <a:t>월</a:t>
-            </a:r>
-            <a:r>
-              <a:rPr lang="en-US" altLang="ko-KR" sz="1400" b="1" dirty="0">
-                <a:latin typeface="맑은 고딕" panose="020B0503020000020004" pitchFamily="50" charset="-127"/>
-                <a:ea typeface="맑은 고딕" panose="020B0503020000020004" pitchFamily="50" charset="-127"/>
-                <a:sym typeface="Wingdings" panose="05000000000000000000" pitchFamily="2" charset="2"/>
-              </a:rPr>
-              <a:t>/</a:t>
-            </a:r>
-            <a:r>
-              <a:rPr lang="ko-KR" altLang="en-US" sz="1400" b="1" dirty="0">
-                <a:latin typeface="맑은 고딕" panose="020B0503020000020004" pitchFamily="50" charset="-127"/>
-                <a:ea typeface="맑은 고딕" panose="020B0503020000020004" pitchFamily="50" charset="-127"/>
-                <a:sym typeface="Wingdings" panose="05000000000000000000" pitchFamily="2" charset="2"/>
-              </a:rPr>
-              <a:t>일</a:t>
-            </a:r>
-            <a:r>
-              <a:rPr lang="en-US" altLang="ko-KR" sz="1400" b="1" dirty="0">
-                <a:latin typeface="맑은 고딕" panose="020B0503020000020004" pitchFamily="50" charset="-127"/>
-                <a:ea typeface="맑은 고딕" panose="020B0503020000020004" pitchFamily="50" charset="-127"/>
-                <a:sym typeface="Wingdings" panose="05000000000000000000" pitchFamily="2" charset="2"/>
-              </a:rPr>
-              <a:t>) </a:t>
-            </a:r>
-            <a:r>
-              <a:rPr lang="ko-KR" altLang="en-US" sz="1400" b="1" dirty="0">
-                <a:latin typeface="맑은 고딕" panose="020B0503020000020004" pitchFamily="50" charset="-127"/>
-                <a:ea typeface="맑은 고딕" panose="020B0503020000020004" pitchFamily="50" charset="-127"/>
-                <a:sym typeface="Wingdings" panose="05000000000000000000" pitchFamily="2" charset="2"/>
-              </a:rPr>
-              <a:t>나와 </a:t>
-            </a:r>
-            <a:r>
-              <a:rPr lang="ko-KR" altLang="en-US" sz="1400" b="1" dirty="0" err="1">
-                <a:latin typeface="맑은 고딕" panose="020B0503020000020004" pitchFamily="50" charset="-127"/>
-                <a:ea typeface="맑은 고딕" panose="020B0503020000020004" pitchFamily="50" charset="-127"/>
-                <a:sym typeface="Wingdings" panose="05000000000000000000" pitchFamily="2" charset="2"/>
-              </a:rPr>
-              <a:t>있는것은</a:t>
-            </a:r>
-            <a:r>
-              <a:rPr lang="ko-KR" altLang="en-US" sz="1400" b="1" dirty="0">
-                <a:latin typeface="맑은 고딕" panose="020B0503020000020004" pitchFamily="50" charset="-127"/>
-                <a:ea typeface="맑은 고딕" panose="020B0503020000020004" pitchFamily="50" charset="-127"/>
-                <a:sym typeface="Wingdings" panose="05000000000000000000" pitchFamily="2" charset="2"/>
-              </a:rPr>
-              <a:t> </a:t>
-            </a:r>
-            <a:r>
-              <a:rPr lang="en-US" altLang="ko-KR" sz="1400" b="1" dirty="0">
-                <a:latin typeface="맑은 고딕" panose="020B0503020000020004" pitchFamily="50" charset="-127"/>
-                <a:ea typeface="맑은 고딕" panose="020B0503020000020004" pitchFamily="50" charset="-127"/>
-                <a:sym typeface="Wingdings" panose="05000000000000000000" pitchFamily="2" charset="2"/>
-              </a:rPr>
-              <a:t>1</a:t>
-            </a:r>
-            <a:r>
-              <a:rPr lang="ko-KR" altLang="en-US" sz="1400" b="1" dirty="0">
-                <a:latin typeface="맑은 고딕" panose="020B0503020000020004" pitchFamily="50" charset="-127"/>
-                <a:ea typeface="맑은 고딕" panose="020B0503020000020004" pitchFamily="50" charset="-127"/>
-                <a:sym typeface="Wingdings" panose="05000000000000000000" pitchFamily="2" charset="2"/>
-              </a:rPr>
-              <a:t>일</a:t>
-            </a:r>
-            <a:r>
-              <a:rPr lang="en-US" altLang="ko-KR" sz="1400" b="1" dirty="0">
-                <a:latin typeface="맑은 고딕" panose="020B0503020000020004" pitchFamily="50" charset="-127"/>
-                <a:ea typeface="맑은 고딕" panose="020B0503020000020004" pitchFamily="50" charset="-127"/>
-                <a:sym typeface="Wingdings" panose="05000000000000000000" pitchFamily="2" charset="2"/>
-              </a:rPr>
-              <a:t>~31</a:t>
-            </a:r>
-            <a:r>
-              <a:rPr lang="ko-KR" altLang="en-US" sz="1400" b="1" dirty="0">
-                <a:latin typeface="맑은 고딕" panose="020B0503020000020004" pitchFamily="50" charset="-127"/>
-                <a:ea typeface="맑은 고딕" panose="020B0503020000020004" pitchFamily="50" charset="-127"/>
-                <a:sym typeface="Wingdings" panose="05000000000000000000" pitchFamily="2" charset="2"/>
-              </a:rPr>
-              <a:t>일 있어야 합니다</a:t>
-            </a:r>
-            <a:r>
-              <a:rPr lang="en-US" altLang="ko-KR" sz="1400" b="1" dirty="0">
-                <a:latin typeface="맑은 고딕" panose="020B0503020000020004" pitchFamily="50" charset="-127"/>
-                <a:ea typeface="맑은 고딕" panose="020B0503020000020004" pitchFamily="50" charset="-127"/>
-                <a:sym typeface="Wingdings" panose="05000000000000000000" pitchFamily="2" charset="2"/>
-              </a:rPr>
-              <a:t>.</a:t>
+              <a:t>선 구분 필요함</a:t>
             </a:r>
             <a:endParaRPr lang="ko-KR" altLang="en-US" sz="1400" b="1" dirty="0">
               <a:latin typeface="맑은 고딕" panose="020B0503020000020004" pitchFamily="50" charset="-127"/>
@@ -10046,7 +10749,7 @@
         <p:spPr>
           <a:xfrm>
             <a:off x="3491880" y="1146907"/>
-            <a:ext cx="2027030" cy="369332"/>
+            <a:ext cx="1915909" cy="369332"/>
           </a:xfrm>
           <a:prstGeom prst="rect">
             <a:avLst/>
@@ -10060,7 +10763,7 @@
           <a:p>
             <a:r>
               <a:rPr lang="en-US" altLang="ko-KR" dirty="0"/>
-              <a:t>i_stat_als_14.html</a:t>
+              <a:t>i_stat_als_3.html</a:t>
             </a:r>
             <a:endParaRPr lang="ko-KR" altLang="en-US" dirty="0"/>
           </a:p>
@@ -10068,7 +10771,7 @@
       </p:sp>
       <p:pic>
         <p:nvPicPr>
-          <p:cNvPr id="24578" name="Picture 2"/>
+          <p:cNvPr id="21506" name="Picture 2"/>
           <p:cNvPicPr>
             <a:picLocks noChangeAspect="1" noChangeArrowheads="1"/>
           </p:cNvPicPr>
@@ -10089,8 +10792,8 @@
         </p:blipFill>
         <p:spPr bwMode="auto">
           <a:xfrm>
-            <a:off x="999642" y="1484784"/>
-            <a:ext cx="7453605" cy="2880320"/>
+            <a:off x="394353" y="1512168"/>
+            <a:ext cx="8355293" cy="4005064"/>
           </a:xfrm>
           <a:prstGeom prst="rect">
             <a:avLst/>
@@ -10122,14 +10825,14 @@
       </p:pic>
       <p:sp>
         <p:nvSpPr>
-          <p:cNvPr id="27" name="직사각형 26"/>
+          <p:cNvPr id="22" name="직사각형 21"/>
           <p:cNvSpPr/>
           <p:nvPr/>
         </p:nvSpPr>
         <p:spPr bwMode="auto">
           <a:xfrm>
-            <a:off x="6444208" y="2805070"/>
-            <a:ext cx="2009039" cy="343212"/>
+            <a:off x="1007603" y="3020202"/>
+            <a:ext cx="7128792" cy="648072"/>
           </a:xfrm>
           <a:prstGeom prst="rect">
             <a:avLst/>
@@ -10186,368 +10889,14 @@
       </p:sp>
       <p:sp>
         <p:nvSpPr>
-          <p:cNvPr id="28" name="직사각형 27"/>
+          <p:cNvPr id="23" name="직사각형 22"/>
           <p:cNvSpPr/>
           <p:nvPr/>
         </p:nvSpPr>
         <p:spPr bwMode="auto">
           <a:xfrm>
-            <a:off x="1043608" y="3356992"/>
-            <a:ext cx="7128792" cy="648072"/>
-          </a:xfrm>
-          <a:prstGeom prst="rect">
-            <a:avLst/>
-          </a:prstGeom>
-          <a:noFill/>
-          <a:ln w="57150" cap="flat" cmpd="sng" algn="ctr">
-            <a:solidFill>
-              <a:srgbClr val="FF3300"/>
-            </a:solidFill>
-            <a:prstDash val="solid"/>
-            <a:round/>
-            <a:headEnd type="none" w="med" len="med"/>
-            <a:tailEnd type="none" w="med" len="med"/>
-          </a:ln>
-          <a:effectLst/>
-          <a:extLst/>
-        </p:spPr>
-        <p:txBody>
-          <a:bodyPr vert="horz" wrap="none" lIns="91440" tIns="45720" rIns="91440" bIns="45720" numCol="1" rtlCol="0" anchor="ctr" anchorCtr="0" compatLnSpc="1">
-            <a:prstTxWarp prst="textNoShape">
-              <a:avLst/>
-            </a:prstTxWarp>
-          </a:bodyPr>
-          <a:lstStyle/>
-          <a:p>
-            <a:pPr marL="0" marR="0" indent="0" algn="l" defTabSz="914400" rtl="0" eaLnBrk="0" fontAlgn="base" latinLnBrk="0" hangingPunct="0">
-              <a:lnSpc>
-                <a:spcPct val="100000"/>
-              </a:lnSpc>
-              <a:spcBef>
-                <a:spcPct val="0"/>
-              </a:spcBef>
-              <a:spcAft>
-                <a:spcPct val="0"/>
-              </a:spcAft>
-              <a:buClrTx/>
-              <a:buSzTx/>
-              <a:buFontTx/>
-              <a:buNone/>
-              <a:tabLst/>
-            </a:pPr>
-            <a:endParaRPr kumimoji="0" lang="ko-KR" altLang="en-US" sz="1800" b="0" i="0" u="none" strike="noStrike" cap="none" normalizeH="0" baseline="0" smtClean="0">
-              <a:ln>
-                <a:noFill/>
-              </a:ln>
-              <a:solidFill>
-                <a:schemeClr val="tx1"/>
-              </a:solidFill>
-              <a:effectLst/>
-              <a:latin typeface="Arial" charset="0"/>
-            </a:endParaRPr>
-          </a:p>
-        </p:txBody>
-      </p:sp>
-      <p:sp>
-        <p:nvSpPr>
-          <p:cNvPr id="29" name="직사각형 28"/>
-          <p:cNvSpPr/>
-          <p:nvPr/>
-        </p:nvSpPr>
-        <p:spPr bwMode="auto">
-          <a:xfrm>
-            <a:off x="515058" y="4869160"/>
-            <a:ext cx="2904814" cy="647700"/>
-          </a:xfrm>
-          <a:prstGeom prst="rect">
-            <a:avLst/>
-          </a:prstGeom>
-          <a:noFill/>
-          <a:ln w="57150" cap="flat" cmpd="sng" algn="ctr">
-            <a:solidFill>
-              <a:srgbClr val="FF3300"/>
-            </a:solidFill>
-            <a:prstDash val="solid"/>
-            <a:round/>
-            <a:headEnd type="none" w="med" len="med"/>
-            <a:tailEnd type="none" w="med" len="med"/>
-          </a:ln>
-          <a:effectLst/>
-          <a:extLst/>
-        </p:spPr>
-        <p:txBody>
-          <a:bodyPr vert="horz" wrap="none" lIns="91440" tIns="45720" rIns="91440" bIns="45720" numCol="1" rtlCol="0" anchor="ctr" anchorCtr="0" compatLnSpc="1">
-            <a:prstTxWarp prst="textNoShape">
-              <a:avLst/>
-            </a:prstTxWarp>
-          </a:bodyPr>
-          <a:lstStyle/>
-          <a:p>
-            <a:pPr marL="0" marR="0" indent="0" algn="l" defTabSz="914400" rtl="0" eaLnBrk="0" fontAlgn="base" latinLnBrk="0" hangingPunct="0">
-              <a:lnSpc>
-                <a:spcPct val="100000"/>
-              </a:lnSpc>
-              <a:spcBef>
-                <a:spcPct val="0"/>
-              </a:spcBef>
-              <a:spcAft>
-                <a:spcPct val="0"/>
-              </a:spcAft>
-              <a:buClrTx/>
-              <a:buSzTx/>
-              <a:buFontTx/>
-              <a:buNone/>
-              <a:tabLst/>
-            </a:pPr>
-            <a:endParaRPr kumimoji="0" lang="ko-KR" altLang="en-US" sz="1800" b="0" i="0" u="none" strike="noStrike" cap="none" normalizeH="0" baseline="0" smtClean="0">
-              <a:ln>
-                <a:noFill/>
-              </a:ln>
-              <a:solidFill>
-                <a:schemeClr val="tx1"/>
-              </a:solidFill>
-              <a:effectLst/>
-              <a:latin typeface="Arial" charset="0"/>
-            </a:endParaRPr>
-          </a:p>
-        </p:txBody>
-      </p:sp>
-      <p:pic>
-        <p:nvPicPr>
-          <p:cNvPr id="24579" name="Picture 3"/>
-          <p:cNvPicPr>
-            <a:picLocks noChangeAspect="1" noChangeArrowheads="1"/>
-          </p:cNvPicPr>
-          <p:nvPr/>
-        </p:nvPicPr>
-        <p:blipFill>
-          <a:blip r:embed="rId3" cstate="print">
-            <a:extLst>
-              <a:ext uri="{28A0092B-C50C-407E-A947-70E740481C1C}">
-                <a14:useLocalDpi xmlns:a14="http://schemas.microsoft.com/office/drawing/2010/main" xmlns="" val="0"/>
-              </a:ext>
-            </a:extLst>
-          </a:blip>
-          <a:srcRect/>
-          <a:stretch>
-            <a:fillRect/>
-          </a:stretch>
-        </p:blipFill>
-        <p:spPr bwMode="auto">
-          <a:xfrm>
-            <a:off x="515058" y="4945360"/>
-            <a:ext cx="1323975" cy="495300"/>
-          </a:xfrm>
-          <a:prstGeom prst="rect">
-            <a:avLst/>
-          </a:prstGeom>
-          <a:noFill/>
-          <a:ln>
-            <a:noFill/>
-          </a:ln>
-          <a:extLst>
-            <a:ext uri="{909E8E84-426E-40DD-AFC4-6F175D3DCCD1}">
-              <a14:hiddenFill xmlns:a14="http://schemas.microsoft.com/office/drawing/2010/main" xmlns="">
-                <a:solidFill>
-                  <a:schemeClr val="accent1"/>
-                </a:solidFill>
-              </a14:hiddenFill>
-            </a:ext>
-            <a:ext uri="{91240B29-F687-4F45-9708-019B960494DF}">
-              <a14:hiddenLine xmlns:a14="http://schemas.microsoft.com/office/drawing/2010/main" xmlns="" w="9525">
-                <a:solidFill>
-                  <a:schemeClr val="tx1"/>
-                </a:solidFill>
-                <a:miter lim="800000"/>
-                <a:headEnd/>
-                <a:tailEnd/>
-              </a14:hiddenLine>
-            </a:ext>
-          </a:extLst>
-        </p:spPr>
-      </p:pic>
-      <p:pic>
-        <p:nvPicPr>
-          <p:cNvPr id="24580" name="Picture 4"/>
-          <p:cNvPicPr>
-            <a:picLocks noChangeAspect="1" noChangeArrowheads="1"/>
-          </p:cNvPicPr>
-          <p:nvPr/>
-        </p:nvPicPr>
-        <p:blipFill>
-          <a:blip r:embed="rId4" cstate="print">
-            <a:extLst>
-              <a:ext uri="{28A0092B-C50C-407E-A947-70E740481C1C}">
-                <a14:useLocalDpi xmlns:a14="http://schemas.microsoft.com/office/drawing/2010/main" xmlns="" val="0"/>
-              </a:ext>
-            </a:extLst>
-          </a:blip>
-          <a:srcRect/>
-          <a:stretch>
-            <a:fillRect/>
-          </a:stretch>
-        </p:blipFill>
-        <p:spPr bwMode="auto">
-          <a:xfrm>
-            <a:off x="1914089" y="4984697"/>
-            <a:ext cx="1247775" cy="504825"/>
-          </a:xfrm>
-          <a:prstGeom prst="rect">
-            <a:avLst/>
-          </a:prstGeom>
-          <a:noFill/>
-          <a:ln>
-            <a:noFill/>
-          </a:ln>
-          <a:extLst>
-            <a:ext uri="{909E8E84-426E-40DD-AFC4-6F175D3DCCD1}">
-              <a14:hiddenFill xmlns:a14="http://schemas.microsoft.com/office/drawing/2010/main" xmlns="">
-                <a:solidFill>
-                  <a:schemeClr val="accent1"/>
-                </a:solidFill>
-              </a14:hiddenFill>
-            </a:ext>
-            <a:ext uri="{91240B29-F687-4F45-9708-019B960494DF}">
-              <a14:hiddenLine xmlns:a14="http://schemas.microsoft.com/office/drawing/2010/main" xmlns="" w="9525">
-                <a:solidFill>
-                  <a:schemeClr val="tx1"/>
-                </a:solidFill>
-                <a:miter lim="800000"/>
-                <a:headEnd/>
-                <a:tailEnd/>
-              </a14:hiddenLine>
-            </a:ext>
-          </a:extLst>
-        </p:spPr>
-      </p:pic>
-      <p:pic>
-        <p:nvPicPr>
-          <p:cNvPr id="24581" name="Picture 5"/>
-          <p:cNvPicPr>
-            <a:picLocks noChangeAspect="1" noChangeArrowheads="1"/>
-          </p:cNvPicPr>
-          <p:nvPr/>
-        </p:nvPicPr>
-        <p:blipFill>
-          <a:blip r:embed="rId5" cstate="print">
-            <a:extLst>
-              <a:ext uri="{28A0092B-C50C-407E-A947-70E740481C1C}">
-                <a14:useLocalDpi xmlns:a14="http://schemas.microsoft.com/office/drawing/2010/main" xmlns="" val="0"/>
-              </a:ext>
-            </a:extLst>
-          </a:blip>
-          <a:srcRect/>
-          <a:stretch>
-            <a:fillRect/>
-          </a:stretch>
-        </p:blipFill>
-        <p:spPr bwMode="auto">
-          <a:xfrm>
-            <a:off x="3638727" y="4581128"/>
-            <a:ext cx="3810000" cy="1076325"/>
-          </a:xfrm>
-          <a:prstGeom prst="rect">
-            <a:avLst/>
-          </a:prstGeom>
-          <a:noFill/>
-          <a:ln>
-            <a:noFill/>
-          </a:ln>
-          <a:extLst>
-            <a:ext uri="{909E8E84-426E-40DD-AFC4-6F175D3DCCD1}">
-              <a14:hiddenFill xmlns:a14="http://schemas.microsoft.com/office/drawing/2010/main" xmlns="">
-                <a:solidFill>
-                  <a:schemeClr val="accent1"/>
-                </a:solidFill>
-              </a14:hiddenFill>
-            </a:ext>
-            <a:ext uri="{91240B29-F687-4F45-9708-019B960494DF}">
-              <a14:hiddenLine xmlns:a14="http://schemas.microsoft.com/office/drawing/2010/main" xmlns="" w="9525">
-                <a:solidFill>
-                  <a:schemeClr val="tx1"/>
-                </a:solidFill>
-                <a:miter lim="800000"/>
-                <a:headEnd/>
-                <a:tailEnd/>
-              </a14:hiddenLine>
-            </a:ext>
-          </a:extLst>
-        </p:spPr>
-      </p:pic>
-      <p:sp>
-        <p:nvSpPr>
-          <p:cNvPr id="31" name="직사각형 30"/>
-          <p:cNvSpPr/>
-          <p:nvPr/>
-        </p:nvSpPr>
-        <p:spPr bwMode="auto">
-          <a:xfrm>
-            <a:off x="5662070" y="4642820"/>
-            <a:ext cx="2009039" cy="1090436"/>
-          </a:xfrm>
-          <a:prstGeom prst="rect">
-            <a:avLst/>
-          </a:prstGeom>
-          <a:noFill/>
-          <a:ln w="57150" cap="flat" cmpd="sng" algn="ctr">
-            <a:solidFill>
-              <a:srgbClr val="FF3300"/>
-            </a:solidFill>
-            <a:prstDash val="solid"/>
-            <a:round/>
-            <a:headEnd type="none" w="med" len="med"/>
-            <a:tailEnd type="none" w="med" len="med"/>
-          </a:ln>
-          <a:effectLst/>
-          <a:extLst/>
-        </p:spPr>
-        <p:txBody>
-          <a:bodyPr vert="horz" wrap="none" lIns="91440" tIns="45720" rIns="91440" bIns="45720" numCol="1" rtlCol="0" anchor="ctr" anchorCtr="0" compatLnSpc="1">
-            <a:prstTxWarp prst="textNoShape">
-              <a:avLst/>
-            </a:prstTxWarp>
-          </a:bodyPr>
-          <a:lstStyle/>
-          <a:p>
-            <a:pPr marL="0" marR="0" indent="0" algn="l" defTabSz="914400" rtl="0" eaLnBrk="0" fontAlgn="base" latinLnBrk="0" hangingPunct="0">
-              <a:lnSpc>
-                <a:spcPct val="100000"/>
-              </a:lnSpc>
-              <a:spcBef>
-                <a:spcPct val="0"/>
-              </a:spcBef>
-              <a:spcAft>
-                <a:spcPct val="0"/>
-              </a:spcAft>
-              <a:buClrTx/>
-              <a:buSzTx/>
-              <a:buFontTx/>
-              <a:buNone/>
-              <a:tabLst/>
-            </a:pPr>
-            <a:endParaRPr kumimoji="0" lang="ko-KR" altLang="en-US" sz="1800" b="0" i="0" u="none" strike="noStrike" cap="none" normalizeH="0" baseline="0" smtClean="0">
-              <a:ln>
-                <a:noFill/>
-              </a:ln>
-              <a:solidFill>
-                <a:schemeClr val="tx1"/>
-              </a:solidFill>
-              <a:effectLst/>
-              <a:latin typeface="Arial" charset="0"/>
-            </a:endParaRPr>
-          </a:p>
-        </p:txBody>
-      </p:sp>
-      <p:sp>
-        <p:nvSpPr>
-          <p:cNvPr id="26" name="직사각형 25"/>
-          <p:cNvSpPr/>
-          <p:nvPr/>
-        </p:nvSpPr>
-        <p:spPr bwMode="auto">
-          <a:xfrm>
-            <a:off x="8001024" y="714356"/>
-            <a:ext cx="2928958" cy="2143140"/>
+            <a:off x="6572264" y="1000108"/>
+            <a:ext cx="4500594" cy="2857520"/>
           </a:xfrm>
           <a:prstGeom prst="rect">
             <a:avLst/>
@@ -10602,12 +10951,17 @@
               <a:tabLst/>
             </a:pPr>
             <a:r>
-              <a:rPr lang="ko-KR" altLang="en-US" sz="8800" dirty="0" smtClean="0"/>
-              <a:t>완</a:t>
-            </a:r>
-            <a:r>
-              <a:rPr lang="ko-KR" altLang="en-US" sz="8800" dirty="0" smtClean="0"/>
-              <a:t>료</a:t>
+              <a:rPr kumimoji="0" lang="ko-KR" altLang="en-US" sz="8800" b="0" i="0" u="none" strike="noStrike" cap="none" normalizeH="0" baseline="0" dirty="0" smtClean="0">
+                <a:ln>
+                  <a:noFill/>
+                </a:ln>
+                <a:solidFill>
+                  <a:schemeClr val="tx1"/>
+                </a:solidFill>
+                <a:effectLst/>
+                <a:latin typeface="Arial" charset="0"/>
+              </a:rPr>
+              <a:t>완료</a:t>
             </a:r>
             <a:endParaRPr kumimoji="0" lang="ko-KR" altLang="en-US" sz="8800" b="0" i="0" u="none" strike="noStrike" cap="none" normalizeH="0" baseline="0" dirty="0" smtClean="0">
               <a:ln>
@@ -10625,7 +10979,7 @@
     </p:spTree>
     <p:extLst>
       <p:ext uri="{BB962C8B-B14F-4D97-AF65-F5344CB8AC3E}">
-        <p14:creationId xmlns:p14="http://schemas.microsoft.com/office/powerpoint/2010/main" xmlns="" val="899654787"/>
+        <p14:creationId xmlns:p14="http://schemas.microsoft.com/office/powerpoint/2010/main" xmlns="" val="3793957292"/>
       </p:ext>
     </p:extLst>
   </p:cSld>
@@ -11148,8 +11502,8 @@
         </p:nvSpPr>
         <p:spPr>
           <a:xfrm>
-            <a:off x="4572001" y="744959"/>
-            <a:ext cx="4248472" cy="307777"/>
+            <a:off x="4572000" y="744959"/>
+            <a:ext cx="4749931" cy="307777"/>
           </a:xfrm>
           <a:prstGeom prst="rect">
             <a:avLst/>
@@ -11163,11 +11517,88 @@
           <a:lstStyle/>
           <a:p>
             <a:r>
-              <a:rPr lang="ko-KR" altLang="en-US" sz="1400" b="1" smtClean="0">
-                <a:latin typeface="맑은 고딕" panose="020B0503020000020004" pitchFamily="50" charset="-127"/>
-                <a:ea typeface="맑은 고딕" panose="020B0503020000020004" pitchFamily="50" charset="-127"/>
-              </a:rPr>
-              <a:t>화면</a:t>
+              <a:rPr lang="ko-KR" altLang="en-US" sz="1400" b="1" dirty="0" smtClean="0">
+                <a:latin typeface="맑은 고딕" panose="020B0503020000020004" pitchFamily="50" charset="-127"/>
+                <a:ea typeface="맑은 고딕" panose="020B0503020000020004" pitchFamily="50" charset="-127"/>
+              </a:rPr>
+              <a:t>화면 </a:t>
+            </a:r>
+            <a:r>
+              <a:rPr lang="en-US" altLang="ko-KR" sz="1400" b="1" dirty="0" smtClean="0">
+                <a:latin typeface="맑은 고딕" panose="020B0503020000020004" pitchFamily="50" charset="-127"/>
+                <a:ea typeface="맑은 고딕" panose="020B0503020000020004" pitchFamily="50" charset="-127"/>
+              </a:rPr>
+              <a:t>[</a:t>
+            </a:r>
+            <a:r>
+              <a:rPr lang="ko-KR" altLang="en-US" sz="1400" b="1" dirty="0">
+                <a:latin typeface="맑은 고딕" panose="020B0503020000020004" pitchFamily="50" charset="-127"/>
+                <a:ea typeface="맑은 고딕" panose="020B0503020000020004" pitchFamily="50" charset="-127"/>
+              </a:rPr>
+              <a:t>통계</a:t>
+            </a:r>
+            <a:r>
+              <a:rPr lang="en-US" altLang="ko-KR" sz="1400" b="1" dirty="0">
+                <a:latin typeface="맑은 고딕" panose="020B0503020000020004" pitchFamily="50" charset="-127"/>
+                <a:ea typeface="맑은 고딕" panose="020B0503020000020004" pitchFamily="50" charset="-127"/>
+              </a:rPr>
+              <a:t>_ST1012.php_</a:t>
+            </a:r>
+            <a:r>
+              <a:rPr lang="ko-KR" altLang="en-US" sz="1400" b="1" dirty="0">
+                <a:latin typeface="맑은 고딕" panose="020B0503020000020004" pitchFamily="50" charset="-127"/>
+                <a:ea typeface="맑은 고딕" panose="020B0503020000020004" pitchFamily="50" charset="-127"/>
+              </a:rPr>
+              <a:t>자재</a:t>
+            </a:r>
+            <a:r>
+              <a:rPr lang="en-US" altLang="ko-KR" sz="1400" b="1" dirty="0">
+                <a:latin typeface="맑은 고딕" panose="020B0503020000020004" pitchFamily="50" charset="-127"/>
+                <a:ea typeface="맑은 고딕" panose="020B0503020000020004" pitchFamily="50" charset="-127"/>
+              </a:rPr>
+              <a:t>-</a:t>
+            </a:r>
+            <a:r>
+              <a:rPr lang="ko-KR" altLang="en-US" sz="1400" b="1" dirty="0">
+                <a:latin typeface="맑은 고딕" panose="020B0503020000020004" pitchFamily="50" charset="-127"/>
+                <a:ea typeface="맑은 고딕" panose="020B0503020000020004" pitchFamily="50" charset="-127"/>
+              </a:rPr>
+              <a:t>목표</a:t>
+            </a:r>
+            <a:r>
+              <a:rPr lang="en-US" altLang="ko-KR" sz="1400" b="1" dirty="0">
+                <a:latin typeface="맑은 고딕" panose="020B0503020000020004" pitchFamily="50" charset="-127"/>
+                <a:ea typeface="맑은 고딕" panose="020B0503020000020004" pitchFamily="50" charset="-127"/>
+              </a:rPr>
+              <a:t>(</a:t>
+            </a:r>
+            <a:r>
+              <a:rPr lang="ko-KR" altLang="en-US" sz="1400" b="1" dirty="0" err="1">
+                <a:latin typeface="맑은 고딕" panose="020B0503020000020004" pitchFamily="50" charset="-127"/>
+                <a:ea typeface="맑은 고딕" panose="020B0503020000020004" pitchFamily="50" charset="-127"/>
+              </a:rPr>
+              <a:t>년도별</a:t>
+            </a:r>
+            <a:r>
+              <a:rPr lang="en-US" altLang="ko-KR" sz="1400" b="1" dirty="0">
+                <a:latin typeface="맑은 고딕" panose="020B0503020000020004" pitchFamily="50" charset="-127"/>
+                <a:ea typeface="맑은 고딕" panose="020B0503020000020004" pitchFamily="50" charset="-127"/>
+              </a:rPr>
+              <a:t>)</a:t>
+            </a:r>
+            <a:r>
+              <a:rPr lang="ko-KR" altLang="en-US" sz="1400" b="1" dirty="0">
+                <a:latin typeface="맑은 고딕" panose="020B0503020000020004" pitchFamily="50" charset="-127"/>
+                <a:ea typeface="맑은 고딕" panose="020B0503020000020004" pitchFamily="50" charset="-127"/>
+              </a:rPr>
+              <a:t>등록</a:t>
+            </a:r>
+            <a:r>
+              <a:rPr lang="en-US" altLang="ko-KR" sz="1400" b="1" dirty="0" smtClean="0">
+                <a:latin typeface="맑은 고딕" panose="020B0503020000020004" pitchFamily="50" charset="-127"/>
+                <a:ea typeface="맑은 고딕" panose="020B0503020000020004" pitchFamily="50" charset="-127"/>
+              </a:rPr>
+              <a:t>] </a:t>
             </a:r>
             <a:endParaRPr lang="ko-KR" altLang="en-US" sz="1400" b="1" dirty="0">
               <a:latin typeface="맑은 고딕" panose="020B0503020000020004" pitchFamily="50" charset="-127"/>
@@ -11262,7 +11693,7 @@
         <p:spPr>
           <a:xfrm>
             <a:off x="1357505" y="5805264"/>
-            <a:ext cx="7606983" cy="307777"/>
+            <a:ext cx="7606983" cy="738664"/>
           </a:xfrm>
           <a:prstGeom prst="rect">
             <a:avLst/>
@@ -11277,64 +11708,100 @@
           <a:p>
             <a:r>
               <a:rPr lang="ko-KR" altLang="en-US" sz="1400" b="1" dirty="0" smtClean="0">
-                <a:solidFill>
-                  <a:srgbClr val="FF0000"/>
-                </a:solidFill>
-                <a:latin typeface="맑은 고딕" panose="020B0503020000020004" pitchFamily="50" charset="-127"/>
-                <a:ea typeface="맑은 고딕" panose="020B0503020000020004" pitchFamily="50" charset="-127"/>
-              </a:rPr>
-              <a:t>공지사항조회 화면인데</a:t>
+                <a:latin typeface="맑은 고딕" panose="020B0503020000020004" pitchFamily="50" charset="-127"/>
+                <a:ea typeface="맑은 고딕" panose="020B0503020000020004" pitchFamily="50" charset="-127"/>
+              </a:rPr>
+              <a:t>년 </a:t>
             </a:r>
             <a:r>
               <a:rPr lang="en-US" altLang="ko-KR" sz="1400" b="1" dirty="0" smtClean="0">
-                <a:solidFill>
-                  <a:srgbClr val="FF0000"/>
-                </a:solidFill>
-                <a:latin typeface="맑은 고딕" panose="020B0503020000020004" pitchFamily="50" charset="-127"/>
-                <a:ea typeface="맑은 고딕" panose="020B0503020000020004" pitchFamily="50" charset="-127"/>
-              </a:rPr>
-              <a:t>……….</a:t>
+                <a:latin typeface="맑은 고딕" panose="020B0503020000020004" pitchFamily="50" charset="-127"/>
+                <a:ea typeface="맑은 고딕" panose="020B0503020000020004" pitchFamily="50" charset="-127"/>
+                <a:sym typeface="Wingdings" panose="05000000000000000000" pitchFamily="2" charset="2"/>
+              </a:rPr>
+              <a:t> </a:t>
             </a:r>
             <a:r>
               <a:rPr lang="ko-KR" altLang="en-US" sz="1400" b="1" dirty="0" smtClean="0">
-                <a:solidFill>
-                  <a:srgbClr val="FF0000"/>
-                </a:solidFill>
-                <a:latin typeface="맑은 고딕" panose="020B0503020000020004" pitchFamily="50" charset="-127"/>
-                <a:ea typeface="맑은 고딕" panose="020B0503020000020004" pitchFamily="50" charset="-127"/>
-              </a:rPr>
-              <a:t>뭔가 다른 화면에 연결 </a:t>
-            </a:r>
-            <a:r>
-              <a:rPr lang="ko-KR" altLang="en-US" sz="1400" b="1" dirty="0" err="1" smtClean="0">
-                <a:solidFill>
-                  <a:srgbClr val="FF0000"/>
-                </a:solidFill>
-                <a:latin typeface="맑은 고딕" panose="020B0503020000020004" pitchFamily="50" charset="-127"/>
-                <a:ea typeface="맑은 고딕" panose="020B0503020000020004" pitchFamily="50" charset="-127"/>
-              </a:rPr>
-              <a:t>된거</a:t>
-            </a:r>
-            <a:r>
-              <a:rPr lang="ko-KR" altLang="en-US" sz="1400" b="1" dirty="0" smtClean="0">
-                <a:solidFill>
-                  <a:srgbClr val="FF0000"/>
-                </a:solidFill>
-                <a:latin typeface="맑은 고딕" panose="020B0503020000020004" pitchFamily="50" charset="-127"/>
-                <a:ea typeface="맑은 고딕" panose="020B0503020000020004" pitchFamily="50" charset="-127"/>
-              </a:rPr>
-              <a:t> 같은데</a:t>
-            </a:r>
-            <a:r>
-              <a:rPr lang="en-US" altLang="ko-KR" sz="1400" b="1" dirty="0" smtClean="0">
-                <a:solidFill>
-                  <a:srgbClr val="FF0000"/>
-                </a:solidFill>
-                <a:latin typeface="맑은 고딕" panose="020B0503020000020004" pitchFamily="50" charset="-127"/>
-                <a:ea typeface="맑은 고딕" panose="020B0503020000020004" pitchFamily="50" charset="-127"/>
-              </a:rPr>
-              <a:t>….</a:t>
-            </a:r>
+                <a:latin typeface="맑은 고딕" panose="020B0503020000020004" pitchFamily="50" charset="-127"/>
+                <a:ea typeface="맑은 고딕" panose="020B0503020000020004" pitchFamily="50" charset="-127"/>
+                <a:sym typeface="Wingdings" panose="05000000000000000000" pitchFamily="2" charset="2"/>
+              </a:rPr>
+              <a:t>합계</a:t>
+            </a:r>
+            <a:endParaRPr lang="en-US" altLang="ko-KR" sz="1400" b="1" dirty="0" smtClean="0">
+              <a:latin typeface="맑은 고딕" panose="020B0503020000020004" pitchFamily="50" charset="-127"/>
+              <a:ea typeface="맑은 고딕" panose="020B0503020000020004" pitchFamily="50" charset="-127"/>
+              <a:sym typeface="Wingdings" panose="05000000000000000000" pitchFamily="2" charset="2"/>
+            </a:endParaRPr>
+          </a:p>
+          <a:p>
+            <a:r>
+              <a:rPr lang="en-US" altLang="ko-KR" sz="1400" b="1" dirty="0">
+                <a:latin typeface="맑은 고딕" panose="020B0503020000020004" pitchFamily="50" charset="-127"/>
+                <a:ea typeface="맑은 고딕" panose="020B0503020000020004" pitchFamily="50" charset="-127"/>
+                <a:sym typeface="Wingdings" panose="05000000000000000000" pitchFamily="2" charset="2"/>
+              </a:rPr>
+              <a:t>1~12</a:t>
+            </a:r>
+            <a:r>
+              <a:rPr lang="ko-KR" altLang="en-US" sz="1400" b="1" dirty="0">
+                <a:latin typeface="맑은 고딕" panose="020B0503020000020004" pitchFamily="50" charset="-127"/>
+                <a:ea typeface="맑은 고딕" panose="020B0503020000020004" pitchFamily="50" charset="-127"/>
+                <a:sym typeface="Wingdings" panose="05000000000000000000" pitchFamily="2" charset="2"/>
+              </a:rPr>
+              <a:t>월 다 </a:t>
+            </a:r>
+            <a:r>
+              <a:rPr lang="en-US" altLang="ko-KR" sz="1400" b="1" dirty="0">
+                <a:latin typeface="맑은 고딕" panose="020B0503020000020004" pitchFamily="50" charset="-127"/>
+                <a:ea typeface="맑은 고딕" panose="020B0503020000020004" pitchFamily="50" charset="-127"/>
+                <a:sym typeface="Wingdings" panose="05000000000000000000" pitchFamily="2" charset="2"/>
+              </a:rPr>
+              <a:t>edit(</a:t>
+            </a:r>
+            <a:r>
+              <a:rPr lang="ko-KR" altLang="en-US" sz="1400" b="1" dirty="0">
+                <a:latin typeface="맑은 고딕" panose="020B0503020000020004" pitchFamily="50" charset="-127"/>
+                <a:ea typeface="맑은 고딕" panose="020B0503020000020004" pitchFamily="50" charset="-127"/>
+                <a:sym typeface="Wingdings" panose="05000000000000000000" pitchFamily="2" charset="2"/>
+              </a:rPr>
+              <a:t>입력</a:t>
+            </a:r>
+            <a:r>
+              <a:rPr lang="en-US" altLang="ko-KR" sz="1400" b="1" dirty="0">
+                <a:latin typeface="맑은 고딕" panose="020B0503020000020004" pitchFamily="50" charset="-127"/>
+                <a:ea typeface="맑은 고딕" panose="020B0503020000020004" pitchFamily="50" charset="-127"/>
+                <a:sym typeface="Wingdings" panose="05000000000000000000" pitchFamily="2" charset="2"/>
+              </a:rPr>
+              <a:t>) </a:t>
+            </a:r>
+            <a:r>
+              <a:rPr lang="ko-KR" altLang="en-US" sz="1400" b="1" dirty="0">
+                <a:latin typeface="맑은 고딕" panose="020B0503020000020004" pitchFamily="50" charset="-127"/>
+                <a:ea typeface="맑은 고딕" panose="020B0503020000020004" pitchFamily="50" charset="-127"/>
+                <a:sym typeface="Wingdings" panose="05000000000000000000" pitchFamily="2" charset="2"/>
+              </a:rPr>
+              <a:t>하는 내용입니다</a:t>
+            </a:r>
+            <a:r>
+              <a:rPr lang="en-US" altLang="ko-KR" sz="1400" b="1" dirty="0">
+                <a:latin typeface="맑은 고딕" panose="020B0503020000020004" pitchFamily="50" charset="-127"/>
+                <a:ea typeface="맑은 고딕" panose="020B0503020000020004" pitchFamily="50" charset="-127"/>
+                <a:sym typeface="Wingdings" panose="05000000000000000000" pitchFamily="2" charset="2"/>
+              </a:rPr>
+              <a:t>.</a:t>
+            </a:r>
+            <a:endParaRPr lang="ko-KR" altLang="en-US" sz="1400" b="1" dirty="0">
+              <a:latin typeface="맑은 고딕" panose="020B0503020000020004" pitchFamily="50" charset="-127"/>
+              <a:ea typeface="맑은 고딕" panose="020B0503020000020004" pitchFamily="50" charset="-127"/>
+            </a:endParaRPr>
+          </a:p>
+          <a:p>
+            <a:endParaRPr lang="ko-KR" altLang="en-US" sz="1400" b="1" dirty="0">
+              <a:latin typeface="맑은 고딕" panose="020B0503020000020004" pitchFamily="50" charset="-127"/>
+              <a:ea typeface="맑은 고딕" panose="020B0503020000020004" pitchFamily="50" charset="-127"/>
+            </a:endParaRPr>
           </a:p>
         </p:txBody>
       </p:sp>
@@ -11347,7 +11814,7 @@
         <p:spPr>
           <a:xfrm>
             <a:off x="3491880" y="1146907"/>
-            <a:ext cx="2274982" cy="369332"/>
+            <a:ext cx="2027030" cy="369332"/>
           </a:xfrm>
           <a:prstGeom prst="rect">
             <a:avLst/>
@@ -11361,7 +11828,7 @@
           <a:p>
             <a:r>
               <a:rPr lang="en-US" altLang="ko-KR" dirty="0"/>
-              <a:t>/h_cmm_pop_7.html</a:t>
+              <a:t>i_stat_als_11.html</a:t>
             </a:r>
             <a:endParaRPr lang="ko-KR" altLang="en-US" dirty="0"/>
           </a:p>
@@ -11369,14 +11836,14 @@
       </p:sp>
       <p:pic>
         <p:nvPicPr>
-          <p:cNvPr id="51205" name="Picture 5"/>
+          <p:cNvPr id="22530" name="Picture 2"/>
           <p:cNvPicPr>
             <a:picLocks noChangeAspect="1" noChangeArrowheads="1"/>
           </p:cNvPicPr>
           <p:nvPr/>
         </p:nvPicPr>
         <p:blipFill>
-          <a:blip r:embed="rId6" cstate="print">
+          <a:blip r:embed="rId2" cstate="print">
             <a:extLst>
               <a:ext uri="{28A0092B-C50C-407E-A947-70E740481C1C}">
                 <a14:useLocalDpi xmlns:a14="http://schemas.microsoft.com/office/drawing/2010/main" xmlns="" val="0"/>
@@ -11390,8 +11857,8 @@
         </p:blipFill>
         <p:spPr bwMode="auto">
           <a:xfrm>
-            <a:off x="1524000" y="1828800"/>
-            <a:ext cx="6096000" cy="3657600"/>
+            <a:off x="1395760" y="1516239"/>
+            <a:ext cx="6675107" cy="4005064"/>
           </a:xfrm>
           <a:prstGeom prst="rect">
             <a:avLst/>
@@ -11423,14 +11890,142 @@
       </p:pic>
       <p:sp>
         <p:nvSpPr>
+          <p:cNvPr id="23" name="직사각형 22"/>
+          <p:cNvSpPr/>
+          <p:nvPr/>
+        </p:nvSpPr>
+        <p:spPr bwMode="auto">
+          <a:xfrm>
+            <a:off x="2987824" y="3490973"/>
+            <a:ext cx="4752528" cy="648072"/>
+          </a:xfrm>
+          <a:prstGeom prst="rect">
+            <a:avLst/>
+          </a:prstGeom>
+          <a:noFill/>
+          <a:ln w="57150" cap="flat" cmpd="sng" algn="ctr">
+            <a:solidFill>
+              <a:srgbClr val="FF3300"/>
+            </a:solidFill>
+            <a:prstDash val="solid"/>
+            <a:round/>
+            <a:headEnd type="none" w="med" len="med"/>
+            <a:tailEnd type="none" w="med" len="med"/>
+          </a:ln>
+          <a:effectLst/>
+          <a:extLst/>
+        </p:spPr>
+        <p:txBody>
+          <a:bodyPr vert="horz" wrap="none" lIns="91440" tIns="45720" rIns="91440" bIns="45720" numCol="1" rtlCol="0" anchor="ctr" anchorCtr="0" compatLnSpc="1">
+            <a:prstTxWarp prst="textNoShape">
+              <a:avLst/>
+            </a:prstTxWarp>
+          </a:bodyPr>
+          <a:lstStyle/>
+          <a:p>
+            <a:pPr marL="0" marR="0" indent="0" algn="l" defTabSz="914400" rtl="0" eaLnBrk="0" fontAlgn="base" latinLnBrk="0" hangingPunct="0">
+              <a:lnSpc>
+                <a:spcPct val="100000"/>
+              </a:lnSpc>
+              <a:spcBef>
+                <a:spcPct val="0"/>
+              </a:spcBef>
+              <a:spcAft>
+                <a:spcPct val="0"/>
+              </a:spcAft>
+              <a:buClrTx/>
+              <a:buSzTx/>
+              <a:buFontTx/>
+              <a:buNone/>
+              <a:tabLst/>
+            </a:pPr>
+            <a:endParaRPr kumimoji="0" lang="ko-KR" altLang="en-US" sz="1800" b="0" i="0" u="none" strike="noStrike" cap="none" normalizeH="0" baseline="0" smtClean="0">
+              <a:ln>
+                <a:noFill/>
+              </a:ln>
+              <a:solidFill>
+                <a:schemeClr val="tx1"/>
+              </a:solidFill>
+              <a:effectLst/>
+              <a:latin typeface="Arial" charset="0"/>
+            </a:endParaRPr>
+          </a:p>
+        </p:txBody>
+      </p:sp>
+      <p:sp>
+        <p:nvSpPr>
+          <p:cNvPr id="24" name="직사각형 23"/>
+          <p:cNvSpPr/>
+          <p:nvPr/>
+        </p:nvSpPr>
+        <p:spPr bwMode="auto">
+          <a:xfrm>
+            <a:off x="2708176" y="3166653"/>
+            <a:ext cx="279648" cy="324036"/>
+          </a:xfrm>
+          <a:prstGeom prst="rect">
+            <a:avLst/>
+          </a:prstGeom>
+          <a:noFill/>
+          <a:ln w="57150" cap="flat" cmpd="sng" algn="ctr">
+            <a:solidFill>
+              <a:srgbClr val="FF3300"/>
+            </a:solidFill>
+            <a:prstDash val="solid"/>
+            <a:round/>
+            <a:headEnd type="none" w="med" len="med"/>
+            <a:tailEnd type="none" w="med" len="med"/>
+          </a:ln>
+          <a:effectLst/>
+          <a:extLst/>
+        </p:spPr>
+        <p:txBody>
+          <a:bodyPr vert="horz" wrap="none" lIns="91440" tIns="45720" rIns="91440" bIns="45720" numCol="1" rtlCol="0" anchor="ctr" anchorCtr="0" compatLnSpc="1">
+            <a:prstTxWarp prst="textNoShape">
+              <a:avLst/>
+            </a:prstTxWarp>
+          </a:bodyPr>
+          <a:lstStyle/>
+          <a:p>
+            <a:pPr marL="0" marR="0" indent="0" algn="l" defTabSz="914400" rtl="0" eaLnBrk="0" fontAlgn="base" latinLnBrk="0" hangingPunct="0">
+              <a:lnSpc>
+                <a:spcPct val="100000"/>
+              </a:lnSpc>
+              <a:spcBef>
+                <a:spcPct val="0"/>
+              </a:spcBef>
+              <a:spcAft>
+                <a:spcPct val="0"/>
+              </a:spcAft>
+              <a:buClrTx/>
+              <a:buSzTx/>
+              <a:buFontTx/>
+              <a:buNone/>
+              <a:tabLst/>
+            </a:pPr>
+            <a:endParaRPr kumimoji="0" lang="ko-KR" altLang="en-US" sz="1800" b="0" i="0" u="none" strike="noStrike" cap="none" normalizeH="0" baseline="0" smtClean="0">
+              <a:ln>
+                <a:noFill/>
+              </a:ln>
+              <a:solidFill>
+                <a:schemeClr val="tx1"/>
+              </a:solidFill>
+              <a:effectLst/>
+              <a:latin typeface="Arial" charset="0"/>
+            </a:endParaRPr>
+          </a:p>
+        </p:txBody>
+      </p:sp>
+      <p:sp>
+        <p:nvSpPr>
           <p:cNvPr id="22" name="직사각형 21"/>
           <p:cNvSpPr/>
           <p:nvPr/>
         </p:nvSpPr>
         <p:spPr bwMode="auto">
           <a:xfrm>
-            <a:off x="8001024" y="714356"/>
-            <a:ext cx="2928958" cy="2143140"/>
+            <a:off x="6572264" y="1000108"/>
+            <a:ext cx="4500594" cy="2857520"/>
           </a:xfrm>
           <a:prstGeom prst="rect">
             <a:avLst/>
@@ -11485,7 +12080,7 @@
               <a:tabLst/>
             </a:pPr>
             <a:r>
-              <a:rPr kumimoji="0" lang="ko-KR" altLang="en-US" sz="5400" b="0" i="0" u="none" strike="noStrike" cap="none" normalizeH="0" baseline="0" dirty="0" smtClean="0">
+              <a:rPr kumimoji="0" lang="ko-KR" altLang="en-US" sz="8800" b="0" i="0" u="none" strike="noStrike" cap="none" normalizeH="0" baseline="0" dirty="0" smtClean="0">
                 <a:ln>
                   <a:noFill/>
                 </a:ln>
@@ -11495,9 +12090,9 @@
                 <a:effectLst/>
                 <a:latin typeface="Arial" charset="0"/>
               </a:rPr>
-              <a:t>확인요망</a:t>
-            </a:r>
-            <a:endParaRPr kumimoji="0" lang="ko-KR" altLang="en-US" sz="5400" b="0" i="0" u="none" strike="noStrike" cap="none" normalizeH="0" baseline="0" dirty="0" smtClean="0">
+              <a:t>완료</a:t>
+            </a:r>
+            <a:endParaRPr kumimoji="0" lang="ko-KR" altLang="en-US" sz="8800" b="0" i="0" u="none" strike="noStrike" cap="none" normalizeH="0" baseline="0" dirty="0" smtClean="0">
               <a:ln>
                 <a:noFill/>
               </a:ln>
@@ -11511,14 +12106,9 @@
         </p:txBody>
       </p:sp>
     </p:spTree>
-    <p:controls>
-      <p:control spid="51202" name="DefaultOcx" r:id="rId2" imgW="257040" imgH="276120"/>
-      <p:control spid="51203" name="HTMLOption1" r:id="rId3" imgW="257040" imgH="276120"/>
-      <p:control spid="51204" name="HTMLOption2" r:id="rId4" imgW="257040" imgH="276120"/>
-    </p:controls>
     <p:extLst>
       <p:ext uri="{BB962C8B-B14F-4D97-AF65-F5344CB8AC3E}">
-        <p14:creationId xmlns:p14="http://schemas.microsoft.com/office/powerpoint/2010/main" xmlns="" val="1805691756"/>
+        <p14:creationId xmlns:p14="http://schemas.microsoft.com/office/powerpoint/2010/main" xmlns="" val="37536880"/>
       </p:ext>
     </p:extLst>
   </p:cSld>
@@ -12041,8 +12631,8 @@
         </p:nvSpPr>
         <p:spPr>
           <a:xfrm>
-            <a:off x="4572001" y="744959"/>
-            <a:ext cx="4248472" cy="307777"/>
+            <a:off x="4572000" y="744959"/>
+            <a:ext cx="4749931" cy="307777"/>
           </a:xfrm>
           <a:prstGeom prst="rect">
             <a:avLst/>
@@ -12056,11 +12646,88 @@
           <a:lstStyle/>
           <a:p>
             <a:r>
-              <a:rPr lang="ko-KR" altLang="en-US" sz="1400" b="1" smtClean="0">
-                <a:latin typeface="맑은 고딕" panose="020B0503020000020004" pitchFamily="50" charset="-127"/>
-                <a:ea typeface="맑은 고딕" panose="020B0503020000020004" pitchFamily="50" charset="-127"/>
-              </a:rPr>
-              <a:t>화면</a:t>
+              <a:rPr lang="ko-KR" altLang="en-US" sz="1400" b="1" dirty="0" smtClean="0">
+                <a:latin typeface="맑은 고딕" panose="020B0503020000020004" pitchFamily="50" charset="-127"/>
+                <a:ea typeface="맑은 고딕" panose="020B0503020000020004" pitchFamily="50" charset="-127"/>
+              </a:rPr>
+              <a:t>화면 </a:t>
+            </a:r>
+            <a:r>
+              <a:rPr lang="en-US" altLang="ko-KR" sz="1400" b="1" dirty="0" smtClean="0">
+                <a:latin typeface="맑은 고딕" panose="020B0503020000020004" pitchFamily="50" charset="-127"/>
+                <a:ea typeface="맑은 고딕" panose="020B0503020000020004" pitchFamily="50" charset="-127"/>
+              </a:rPr>
+              <a:t>[</a:t>
+            </a:r>
+            <a:r>
+              <a:rPr lang="ko-KR" altLang="en-US" sz="1400" b="1" dirty="0">
+                <a:latin typeface="맑은 고딕" panose="020B0503020000020004" pitchFamily="50" charset="-127"/>
+                <a:ea typeface="맑은 고딕" panose="020B0503020000020004" pitchFamily="50" charset="-127"/>
+              </a:rPr>
+              <a:t>통계</a:t>
+            </a:r>
+            <a:r>
+              <a:rPr lang="en-US" altLang="ko-KR" sz="1400" b="1" dirty="0">
+                <a:latin typeface="맑은 고딕" panose="020B0503020000020004" pitchFamily="50" charset="-127"/>
+                <a:ea typeface="맑은 고딕" panose="020B0503020000020004" pitchFamily="50" charset="-127"/>
+              </a:rPr>
+              <a:t>_ST1015.php_</a:t>
+            </a:r>
+            <a:r>
+              <a:rPr lang="ko-KR" altLang="en-US" sz="1400" b="1" dirty="0">
+                <a:latin typeface="맑은 고딕" panose="020B0503020000020004" pitchFamily="50" charset="-127"/>
+                <a:ea typeface="맑은 고딕" panose="020B0503020000020004" pitchFamily="50" charset="-127"/>
+              </a:rPr>
+              <a:t>자재</a:t>
+            </a:r>
+            <a:r>
+              <a:rPr lang="en-US" altLang="ko-KR" sz="1400" b="1" dirty="0">
+                <a:latin typeface="맑은 고딕" panose="020B0503020000020004" pitchFamily="50" charset="-127"/>
+                <a:ea typeface="맑은 고딕" panose="020B0503020000020004" pitchFamily="50" charset="-127"/>
+              </a:rPr>
+              <a:t>-</a:t>
+            </a:r>
+            <a:r>
+              <a:rPr lang="ko-KR" altLang="en-US" sz="1400" b="1" dirty="0">
+                <a:latin typeface="맑은 고딕" panose="020B0503020000020004" pitchFamily="50" charset="-127"/>
+                <a:ea typeface="맑은 고딕" panose="020B0503020000020004" pitchFamily="50" charset="-127"/>
+              </a:rPr>
+              <a:t>실적</a:t>
+            </a:r>
+            <a:r>
+              <a:rPr lang="en-US" altLang="ko-KR" sz="1400" b="1" dirty="0">
+                <a:latin typeface="맑은 고딕" panose="020B0503020000020004" pitchFamily="50" charset="-127"/>
+                <a:ea typeface="맑은 고딕" panose="020B0503020000020004" pitchFamily="50" charset="-127"/>
+              </a:rPr>
+              <a:t>(</a:t>
+            </a:r>
+            <a:r>
+              <a:rPr lang="ko-KR" altLang="en-US" sz="1400" b="1" dirty="0" err="1">
+                <a:latin typeface="맑은 고딕" panose="020B0503020000020004" pitchFamily="50" charset="-127"/>
+                <a:ea typeface="맑은 고딕" panose="020B0503020000020004" pitchFamily="50" charset="-127"/>
+              </a:rPr>
+              <a:t>년도부품별</a:t>
+            </a:r>
+            <a:r>
+              <a:rPr lang="en-US" altLang="ko-KR" sz="1400" b="1" dirty="0">
+                <a:latin typeface="맑은 고딕" panose="020B0503020000020004" pitchFamily="50" charset="-127"/>
+                <a:ea typeface="맑은 고딕" panose="020B0503020000020004" pitchFamily="50" charset="-127"/>
+              </a:rPr>
+              <a:t>)</a:t>
+            </a:r>
+            <a:r>
+              <a:rPr lang="ko-KR" altLang="en-US" sz="1400" b="1" dirty="0">
+                <a:latin typeface="맑은 고딕" panose="020B0503020000020004" pitchFamily="50" charset="-127"/>
+                <a:ea typeface="맑은 고딕" panose="020B0503020000020004" pitchFamily="50" charset="-127"/>
+              </a:rPr>
+              <a:t>현황</a:t>
+            </a:r>
+            <a:r>
+              <a:rPr lang="en-US" altLang="ko-KR" sz="1400" b="1" dirty="0" smtClean="0">
+                <a:latin typeface="맑은 고딕" panose="020B0503020000020004" pitchFamily="50" charset="-127"/>
+                <a:ea typeface="맑은 고딕" panose="020B0503020000020004" pitchFamily="50" charset="-127"/>
+              </a:rPr>
+              <a:t>] </a:t>
             </a:r>
             <a:endParaRPr lang="ko-KR" altLang="en-US" sz="1400" b="1" dirty="0">
               <a:latin typeface="맑은 고딕" panose="020B0503020000020004" pitchFamily="50" charset="-127"/>
@@ -12169,49 +12836,38 @@
           <a:lstStyle/>
           <a:p>
             <a:r>
-              <a:rPr lang="ko-KR" altLang="en-US" sz="1400" b="1" dirty="0" smtClean="0">
-                <a:latin typeface="맑은 고딕" panose="020B0503020000020004" pitchFamily="50" charset="-127"/>
-                <a:ea typeface="맑은 고딕" panose="020B0503020000020004" pitchFamily="50" charset="-127"/>
-              </a:rPr>
-              <a:t>조회버튼 삭제</a:t>
-            </a:r>
-            <a:endParaRPr lang="en-US" altLang="ko-KR" sz="1400" b="1" dirty="0" smtClean="0">
-              <a:latin typeface="맑은 고딕" panose="020B0503020000020004" pitchFamily="50" charset="-127"/>
-              <a:ea typeface="맑은 고딕" panose="020B0503020000020004" pitchFamily="50" charset="-127"/>
-            </a:endParaRPr>
-          </a:p>
-          <a:p>
-            <a:r>
-              <a:rPr lang="ko-KR" altLang="en-US" sz="1400" b="1" dirty="0" smtClean="0">
-                <a:latin typeface="맑은 고딕" panose="020B0503020000020004" pitchFamily="50" charset="-127"/>
-                <a:ea typeface="맑은 고딕" panose="020B0503020000020004" pitchFamily="50" charset="-127"/>
-              </a:rPr>
-              <a:t>발주단가</a:t>
-            </a:r>
-            <a:r>
-              <a:rPr lang="en-US" altLang="ko-KR" sz="1400" b="1" dirty="0" smtClean="0">
-                <a:latin typeface="맑은 고딕" panose="020B0503020000020004" pitchFamily="50" charset="-127"/>
-                <a:ea typeface="맑은 고딕" panose="020B0503020000020004" pitchFamily="50" charset="-127"/>
-              </a:rPr>
-              <a:t> </a:t>
-            </a:r>
-            <a:r>
-              <a:rPr lang="en-US" altLang="ko-KR" sz="1400" b="1" dirty="0" smtClean="0">
+              <a:rPr lang="en-US" altLang="ko-KR" sz="1400" b="1" dirty="0">
                 <a:latin typeface="맑은 고딕" panose="020B0503020000020004" pitchFamily="50" charset="-127"/>
                 <a:ea typeface="맑은 고딕" panose="020B0503020000020004" pitchFamily="50" charset="-127"/>
                 <a:sym typeface="Wingdings" panose="05000000000000000000" pitchFamily="2" charset="2"/>
               </a:rPr>
-              <a:t> Grid</a:t>
-            </a:r>
-            <a:r>
-              <a:rPr lang="ko-KR" altLang="en-US" sz="1400" b="1" dirty="0" smtClean="0">
+              <a:t>12</a:t>
+            </a:r>
+            <a:r>
+              <a:rPr lang="ko-KR" altLang="en-US" sz="1400" b="1" dirty="0">
                 <a:latin typeface="맑은 고딕" panose="020B0503020000020004" pitchFamily="50" charset="-127"/>
                 <a:ea typeface="맑은 고딕" panose="020B0503020000020004" pitchFamily="50" charset="-127"/>
                 <a:sym typeface="Wingdings" panose="05000000000000000000" pitchFamily="2" charset="2"/>
               </a:rPr>
-              <a:t>에 빠져있음</a:t>
-            </a:r>
-            <a:endParaRPr lang="en-US" altLang="ko-KR" sz="1400" b="1" dirty="0" smtClean="0">
+              <a:t>개월 인데</a:t>
+            </a:r>
+            <a:r>
+              <a:rPr lang="en-US" altLang="ko-KR" sz="1400" b="1" dirty="0">
+                <a:latin typeface="맑은 고딕" panose="020B0503020000020004" pitchFamily="50" charset="-127"/>
+                <a:ea typeface="맑은 고딕" panose="020B0503020000020004" pitchFamily="50" charset="-127"/>
+                <a:sym typeface="Wingdings" panose="05000000000000000000" pitchFamily="2" charset="2"/>
+              </a:rPr>
+              <a:t>…  3</a:t>
+            </a:r>
+            <a:r>
+              <a:rPr lang="ko-KR" altLang="en-US" sz="1400" b="1" dirty="0">
+                <a:latin typeface="맑은 고딕" panose="020B0503020000020004" pitchFamily="50" charset="-127"/>
+                <a:ea typeface="맑은 고딕" panose="020B0503020000020004" pitchFamily="50" charset="-127"/>
+                <a:sym typeface="Wingdings" panose="05000000000000000000" pitchFamily="2" charset="2"/>
+              </a:rPr>
+              <a:t>개월까지만 나옴</a:t>
+            </a:r>
+            <a:endParaRPr lang="en-US" altLang="ko-KR" sz="1400" b="1" dirty="0">
               <a:latin typeface="맑은 고딕" panose="020B0503020000020004" pitchFamily="50" charset="-127"/>
               <a:ea typeface="맑은 고딕" panose="020B0503020000020004" pitchFamily="50" charset="-127"/>
               <a:sym typeface="Wingdings" panose="05000000000000000000" pitchFamily="2" charset="2"/>
@@ -12219,78 +12875,229 @@
           </a:p>
           <a:p>
             <a:r>
+              <a:rPr lang="en-US" altLang="ko-KR" sz="1400" b="1" dirty="0">
+                <a:latin typeface="맑은 고딕" panose="020B0503020000020004" pitchFamily="50" charset="-127"/>
+                <a:ea typeface="맑은 고딕" panose="020B0503020000020004" pitchFamily="50" charset="-127"/>
+                <a:sym typeface="Wingdings" panose="05000000000000000000" pitchFamily="2" charset="2"/>
+              </a:rPr>
+              <a:t>Grid </a:t>
+            </a:r>
+            <a:r>
+              <a:rPr lang="ko-KR" altLang="en-US" sz="1400" b="1" dirty="0">
+                <a:latin typeface="맑은 고딕" panose="020B0503020000020004" pitchFamily="50" charset="-127"/>
+                <a:ea typeface="맑은 고딕" panose="020B0503020000020004" pitchFamily="50" charset="-127"/>
+                <a:sym typeface="Wingdings" panose="05000000000000000000" pitchFamily="2" charset="2"/>
+              </a:rPr>
+              <a:t>내용은 </a:t>
+            </a:r>
+            <a:r>
+              <a:rPr lang="en-US" altLang="ko-KR" sz="1400" b="1" dirty="0">
+                <a:latin typeface="맑은 고딕" panose="020B0503020000020004" pitchFamily="50" charset="-127"/>
+                <a:ea typeface="맑은 고딕" panose="020B0503020000020004" pitchFamily="50" charset="-127"/>
+                <a:sym typeface="Wingdings" panose="05000000000000000000" pitchFamily="2" charset="2"/>
+              </a:rPr>
+              <a:t>display</a:t>
+            </a:r>
+            <a:r>
+              <a:rPr lang="ko-KR" altLang="en-US" sz="1400" b="1" dirty="0">
+                <a:latin typeface="맑은 고딕" panose="020B0503020000020004" pitchFamily="50" charset="-127"/>
+                <a:ea typeface="맑은 고딕" panose="020B0503020000020004" pitchFamily="50" charset="-127"/>
+                <a:sym typeface="Wingdings" panose="05000000000000000000" pitchFamily="2" charset="2"/>
+              </a:rPr>
+              <a:t>라 </a:t>
+            </a:r>
+            <a:r>
+              <a:rPr lang="ko-KR" altLang="en-US" sz="1400" b="1" dirty="0" err="1">
+                <a:latin typeface="맑은 고딕" panose="020B0503020000020004" pitchFamily="50" charset="-127"/>
+                <a:ea typeface="맑은 고딕" panose="020B0503020000020004" pitchFamily="50" charset="-127"/>
+                <a:sym typeface="Wingdings" panose="05000000000000000000" pitchFamily="2" charset="2"/>
+              </a:rPr>
+              <a:t>다른것과</a:t>
+            </a:r>
+            <a:r>
+              <a:rPr lang="ko-KR" altLang="en-US" sz="1400" b="1" dirty="0">
+                <a:latin typeface="맑은 고딕" panose="020B0503020000020004" pitchFamily="50" charset="-127"/>
+                <a:ea typeface="맑은 고딕" panose="020B0503020000020004" pitchFamily="50" charset="-127"/>
+                <a:sym typeface="Wingdings" panose="05000000000000000000" pitchFamily="2" charset="2"/>
+              </a:rPr>
+              <a:t> 바탕색이 </a:t>
+            </a:r>
+            <a:r>
+              <a:rPr lang="ko-KR" altLang="en-US" sz="1400" b="1" dirty="0" err="1">
+                <a:latin typeface="맑은 고딕" panose="020B0503020000020004" pitchFamily="50" charset="-127"/>
+                <a:ea typeface="맑은 고딕" panose="020B0503020000020004" pitchFamily="50" charset="-127"/>
+                <a:sym typeface="Wingdings" panose="05000000000000000000" pitchFamily="2" charset="2"/>
+              </a:rPr>
+              <a:t>맞지않음</a:t>
+            </a:r>
+            <a:endParaRPr lang="en-US" altLang="ko-KR" sz="1400" b="1" dirty="0">
+              <a:latin typeface="맑은 고딕" panose="020B0503020000020004" pitchFamily="50" charset="-127"/>
+              <a:ea typeface="맑은 고딕" panose="020B0503020000020004" pitchFamily="50" charset="-127"/>
+              <a:sym typeface="Wingdings" panose="05000000000000000000" pitchFamily="2" charset="2"/>
+            </a:endParaRPr>
+          </a:p>
+          <a:p>
+            <a:r>
               <a:rPr lang="en-US" altLang="ko-KR" sz="1400" b="1" dirty="0" smtClean="0">
                 <a:latin typeface="맑은 고딕" panose="020B0503020000020004" pitchFamily="50" charset="-127"/>
                 <a:ea typeface="맑은 고딕" panose="020B0503020000020004" pitchFamily="50" charset="-127"/>
+                <a:sym typeface="Wingdings" panose="05000000000000000000" pitchFamily="2" charset="2"/>
+              </a:rPr>
+              <a:t>2</a:t>
+            </a:r>
+            <a:r>
+              <a:rPr lang="ko-KR" altLang="en-US" sz="1400" b="1" dirty="0" smtClean="0">
+                <a:latin typeface="맑은 고딕" panose="020B0503020000020004" pitchFamily="50" charset="-127"/>
+                <a:ea typeface="맑은 고딕" panose="020B0503020000020004" pitchFamily="50" charset="-127"/>
+                <a:sym typeface="Wingdings" panose="05000000000000000000" pitchFamily="2" charset="2"/>
+              </a:rPr>
+              <a:t>개는 </a:t>
+            </a:r>
+            <a:r>
+              <a:rPr lang="ko-KR" altLang="en-US" sz="1400" b="1" dirty="0">
+                <a:latin typeface="맑은 고딕" panose="020B0503020000020004" pitchFamily="50" charset="-127"/>
+                <a:ea typeface="맑은 고딕" panose="020B0503020000020004" pitchFamily="50" charset="-127"/>
+                <a:sym typeface="Wingdings" panose="05000000000000000000" pitchFamily="2" charset="2"/>
+              </a:rPr>
+              <a:t>탭 화면입니다</a:t>
+            </a:r>
+            <a:r>
+              <a:rPr lang="en-US" altLang="ko-KR" sz="1400" b="1" dirty="0" smtClean="0">
+                <a:latin typeface="맑은 고딕" panose="020B0503020000020004" pitchFamily="50" charset="-127"/>
+                <a:ea typeface="맑은 고딕" panose="020B0503020000020004" pitchFamily="50" charset="-127"/>
+                <a:sym typeface="Wingdings" panose="05000000000000000000" pitchFamily="2" charset="2"/>
+              </a:rPr>
+              <a:t>. </a:t>
+            </a:r>
+            <a:r>
+              <a:rPr lang="ko-KR" altLang="en-US" sz="1400" b="1" dirty="0">
+                <a:latin typeface="맑은 고딕" panose="020B0503020000020004" pitchFamily="50" charset="-127"/>
+                <a:ea typeface="맑은 고딕" panose="020B0503020000020004" pitchFamily="50" charset="-127"/>
+                <a:sym typeface="Wingdings" panose="05000000000000000000" pitchFamily="2" charset="2"/>
+              </a:rPr>
+              <a:t>날짜</a:t>
+            </a:r>
+            <a:r>
+              <a:rPr lang="en-US" altLang="ko-KR" sz="1400" b="1" dirty="0">
+                <a:latin typeface="맑은 고딕" panose="020B0503020000020004" pitchFamily="50" charset="-127"/>
+                <a:ea typeface="맑은 고딕" panose="020B0503020000020004" pitchFamily="50" charset="-127"/>
+                <a:sym typeface="Wingdings" panose="05000000000000000000" pitchFamily="2" charset="2"/>
+              </a:rPr>
+              <a:t>(</a:t>
+            </a:r>
+            <a:r>
+              <a:rPr lang="ko-KR" altLang="en-US" sz="1400" b="1" dirty="0">
+                <a:latin typeface="맑은 고딕" panose="020B0503020000020004" pitchFamily="50" charset="-127"/>
+                <a:ea typeface="맑은 고딕" panose="020B0503020000020004" pitchFamily="50" charset="-127"/>
+                <a:sym typeface="Wingdings" panose="05000000000000000000" pitchFamily="2" charset="2"/>
+              </a:rPr>
+              <a:t>년</a:t>
+            </a:r>
+            <a:r>
+              <a:rPr lang="en-US" altLang="ko-KR" sz="1400" b="1" dirty="0">
+                <a:latin typeface="맑은 고딕" panose="020B0503020000020004" pitchFamily="50" charset="-127"/>
+                <a:ea typeface="맑은 고딕" panose="020B0503020000020004" pitchFamily="50" charset="-127"/>
+                <a:sym typeface="Wingdings" panose="05000000000000000000" pitchFamily="2" charset="2"/>
+              </a:rPr>
+              <a:t>/</a:t>
+            </a:r>
+            <a:r>
+              <a:rPr lang="ko-KR" altLang="en-US" sz="1400" b="1" dirty="0">
+                <a:latin typeface="맑은 고딕" panose="020B0503020000020004" pitchFamily="50" charset="-127"/>
+                <a:ea typeface="맑은 고딕" panose="020B0503020000020004" pitchFamily="50" charset="-127"/>
+                <a:sym typeface="Wingdings" panose="05000000000000000000" pitchFamily="2" charset="2"/>
+              </a:rPr>
+              <a:t>월</a:t>
+            </a:r>
+            <a:r>
+              <a:rPr lang="en-US" altLang="ko-KR" sz="1400" b="1" dirty="0">
+                <a:latin typeface="맑은 고딕" panose="020B0503020000020004" pitchFamily="50" charset="-127"/>
+                <a:ea typeface="맑은 고딕" panose="020B0503020000020004" pitchFamily="50" charset="-127"/>
+                <a:sym typeface="Wingdings" panose="05000000000000000000" pitchFamily="2" charset="2"/>
+              </a:rPr>
+              <a:t>/</a:t>
+            </a:r>
+            <a:r>
+              <a:rPr lang="ko-KR" altLang="en-US" sz="1400" b="1" dirty="0">
+                <a:latin typeface="맑은 고딕" panose="020B0503020000020004" pitchFamily="50" charset="-127"/>
+                <a:ea typeface="맑은 고딕" panose="020B0503020000020004" pitchFamily="50" charset="-127"/>
+                <a:sym typeface="Wingdings" panose="05000000000000000000" pitchFamily="2" charset="2"/>
+              </a:rPr>
+              <a:t>일</a:t>
+            </a:r>
+            <a:r>
+              <a:rPr lang="en-US" altLang="ko-KR" sz="1400" b="1" dirty="0">
+                <a:latin typeface="맑은 고딕" panose="020B0503020000020004" pitchFamily="50" charset="-127"/>
+                <a:ea typeface="맑은 고딕" panose="020B0503020000020004" pitchFamily="50" charset="-127"/>
+                <a:sym typeface="Wingdings" panose="05000000000000000000" pitchFamily="2" charset="2"/>
+              </a:rPr>
+              <a:t>) </a:t>
+            </a:r>
+            <a:r>
+              <a:rPr lang="ko-KR" altLang="en-US" sz="1400" b="1" dirty="0">
+                <a:latin typeface="맑은 고딕" panose="020B0503020000020004" pitchFamily="50" charset="-127"/>
+                <a:ea typeface="맑은 고딕" panose="020B0503020000020004" pitchFamily="50" charset="-127"/>
+                <a:sym typeface="Wingdings" panose="05000000000000000000" pitchFamily="2" charset="2"/>
+              </a:rPr>
+              <a:t>나와 </a:t>
+            </a:r>
+            <a:r>
+              <a:rPr lang="ko-KR" altLang="en-US" sz="1400" b="1" dirty="0" err="1">
+                <a:latin typeface="맑은 고딕" panose="020B0503020000020004" pitchFamily="50" charset="-127"/>
+                <a:ea typeface="맑은 고딕" panose="020B0503020000020004" pitchFamily="50" charset="-127"/>
+                <a:sym typeface="Wingdings" panose="05000000000000000000" pitchFamily="2" charset="2"/>
+              </a:rPr>
+              <a:t>있는것은</a:t>
+            </a:r>
+            <a:r>
+              <a:rPr lang="ko-KR" altLang="en-US" sz="1400" b="1" dirty="0">
+                <a:latin typeface="맑은 고딕" panose="020B0503020000020004" pitchFamily="50" charset="-127"/>
+                <a:ea typeface="맑은 고딕" panose="020B0503020000020004" pitchFamily="50" charset="-127"/>
+                <a:sym typeface="Wingdings" panose="05000000000000000000" pitchFamily="2" charset="2"/>
               </a:rPr>
               <a:t> </a:t>
             </a:r>
             <a:r>
+              <a:rPr lang="en-US" altLang="ko-KR" sz="1400" b="1" dirty="0">
+                <a:latin typeface="맑은 고딕" panose="020B0503020000020004" pitchFamily="50" charset="-127"/>
+                <a:ea typeface="맑은 고딕" panose="020B0503020000020004" pitchFamily="50" charset="-127"/>
+                <a:sym typeface="Wingdings" panose="05000000000000000000" pitchFamily="2" charset="2"/>
+              </a:rPr>
+              <a:t>1</a:t>
+            </a:r>
+            <a:r>
               <a:rPr lang="ko-KR" altLang="en-US" sz="1400" b="1" dirty="0">
                 <a:latin typeface="맑은 고딕" panose="020B0503020000020004" pitchFamily="50" charset="-127"/>
                 <a:ea typeface="맑은 고딕" panose="020B0503020000020004" pitchFamily="50" charset="-127"/>
-              </a:rPr>
-              <a:t>발주수량</a:t>
+                <a:sym typeface="Wingdings" panose="05000000000000000000" pitchFamily="2" charset="2"/>
+              </a:rPr>
+              <a:t>일</a:t>
             </a:r>
             <a:r>
               <a:rPr lang="en-US" altLang="ko-KR" sz="1400" b="1" dirty="0">
                 <a:latin typeface="맑은 고딕" panose="020B0503020000020004" pitchFamily="50" charset="-127"/>
                 <a:ea typeface="맑은 고딕" panose="020B0503020000020004" pitchFamily="50" charset="-127"/>
-              </a:rPr>
-              <a:t>, </a:t>
+                <a:sym typeface="Wingdings" panose="05000000000000000000" pitchFamily="2" charset="2"/>
+              </a:rPr>
+              <a:t>~31</a:t>
             </a:r>
             <a:r>
               <a:rPr lang="ko-KR" altLang="en-US" sz="1400" b="1" dirty="0">
                 <a:latin typeface="맑은 고딕" panose="020B0503020000020004" pitchFamily="50" charset="-127"/>
                 <a:ea typeface="맑은 고딕" panose="020B0503020000020004" pitchFamily="50" charset="-127"/>
-              </a:rPr>
-              <a:t>발주예정일</a:t>
+                <a:sym typeface="Wingdings" panose="05000000000000000000" pitchFamily="2" charset="2"/>
+              </a:rPr>
+              <a:t>일 있어야 합니다</a:t>
             </a:r>
             <a:r>
               <a:rPr lang="en-US" altLang="ko-KR" sz="1400" b="1" dirty="0">
                 <a:latin typeface="맑은 고딕" panose="020B0503020000020004" pitchFamily="50" charset="-127"/>
                 <a:ea typeface="맑은 고딕" panose="020B0503020000020004" pitchFamily="50" charset="-127"/>
-              </a:rPr>
-              <a:t>, </a:t>
-            </a:r>
-            <a:r>
-              <a:rPr lang="ko-KR" altLang="en-US" sz="1400" b="1" dirty="0">
-                <a:latin typeface="맑은 고딕" panose="020B0503020000020004" pitchFamily="50" charset="-127"/>
-                <a:ea typeface="맑은 고딕" panose="020B0503020000020004" pitchFamily="50" charset="-127"/>
-              </a:rPr>
-              <a:t>입고예정일</a:t>
-            </a:r>
-            <a:r>
-              <a:rPr lang="en-US" altLang="ko-KR" sz="1400" b="1" dirty="0">
-                <a:latin typeface="맑은 고딕" panose="020B0503020000020004" pitchFamily="50" charset="-127"/>
-                <a:ea typeface="맑은 고딕" panose="020B0503020000020004" pitchFamily="50" charset="-127"/>
-              </a:rPr>
-              <a:t>, </a:t>
-            </a:r>
-            <a:r>
-              <a:rPr lang="ko-KR" altLang="en-US" sz="1400" b="1" dirty="0" smtClean="0">
-                <a:latin typeface="맑은 고딕" panose="020B0503020000020004" pitchFamily="50" charset="-127"/>
-                <a:ea typeface="맑은 고딕" panose="020B0503020000020004" pitchFamily="50" charset="-127"/>
-              </a:rPr>
-              <a:t>발주거래처 </a:t>
-            </a:r>
-            <a:r>
-              <a:rPr lang="en-US" altLang="ko-KR" sz="1400" b="1" dirty="0" smtClean="0">
-                <a:latin typeface="맑은 고딕" panose="020B0503020000020004" pitchFamily="50" charset="-127"/>
-                <a:ea typeface="맑은 고딕" panose="020B0503020000020004" pitchFamily="50" charset="-127"/>
                 <a:sym typeface="Wingdings" panose="05000000000000000000" pitchFamily="2" charset="2"/>
               </a:rPr>
-              <a:t> edit </a:t>
-            </a:r>
-            <a:r>
-              <a:rPr lang="ko-KR" altLang="en-US" sz="1400" b="1" dirty="0" smtClean="0">
-                <a:latin typeface="맑은 고딕" panose="020B0503020000020004" pitchFamily="50" charset="-127"/>
-                <a:ea typeface="맑은 고딕" panose="020B0503020000020004" pitchFamily="50" charset="-127"/>
-                <a:sym typeface="Wingdings" panose="05000000000000000000" pitchFamily="2" charset="2"/>
-              </a:rPr>
-              <a:t>가능하게</a:t>
-            </a:r>
-            <a:endParaRPr lang="en-US" altLang="ko-KR" sz="1400" b="1" dirty="0" smtClean="0">
+              <a:t>.</a:t>
+            </a:r>
+            <a:endParaRPr lang="ko-KR" altLang="en-US" sz="1400" b="1" dirty="0">
               <a:latin typeface="맑은 고딕" panose="020B0503020000020004" pitchFamily="50" charset="-127"/>
               <a:ea typeface="맑은 고딕" panose="020B0503020000020004" pitchFamily="50" charset="-127"/>
             </a:endParaRPr>
@@ -12306,7 +13113,7 @@
         <p:spPr>
           <a:xfrm>
             <a:off x="3491880" y="1146907"/>
-            <a:ext cx="2274982" cy="369332"/>
+            <a:ext cx="2027030" cy="369332"/>
           </a:xfrm>
           <a:prstGeom prst="rect">
             <a:avLst/>
@@ -12319,14 +13126,8 @@
           <a:lstStyle/>
           <a:p>
             <a:r>
-              <a:rPr lang="en-US" altLang="ko-KR" dirty="0" smtClean="0"/>
-              <a:t>/</a:t>
-            </a:r>
-            <a:r>
-              <a:rPr lang="en-US" altLang="ko-KR" dirty="0">
-                <a:hlinkClick r:id="rId6"/>
-              </a:rPr>
-              <a:t>e_mat_mng_3.html</a:t>
+              <a:rPr lang="en-US" altLang="ko-KR" dirty="0"/>
+              <a:t>i_stat_als_14.html</a:t>
             </a:r>
             <a:endParaRPr lang="ko-KR" altLang="en-US" dirty="0"/>
           </a:p>
@@ -12334,14 +13135,14 @@
       </p:sp>
       <p:pic>
         <p:nvPicPr>
-          <p:cNvPr id="52229" name="Picture 5"/>
+          <p:cNvPr id="24578" name="Picture 2"/>
           <p:cNvPicPr>
             <a:picLocks noChangeAspect="1" noChangeArrowheads="1"/>
           </p:cNvPicPr>
           <p:nvPr/>
         </p:nvPicPr>
         <p:blipFill>
-          <a:blip r:embed="rId7" cstate="print">
+          <a:blip r:embed="rId2" cstate="print">
             <a:extLst>
               <a:ext uri="{28A0092B-C50C-407E-A947-70E740481C1C}">
                 <a14:useLocalDpi xmlns:a14="http://schemas.microsoft.com/office/drawing/2010/main" xmlns="" val="0"/>
@@ -12355,8 +13156,8 @@
         </p:blipFill>
         <p:spPr bwMode="auto">
           <a:xfrm>
-            <a:off x="1475656" y="1625352"/>
-            <a:ext cx="6486467" cy="3891880"/>
+            <a:off x="999642" y="1484784"/>
+            <a:ext cx="7453605" cy="2880320"/>
           </a:xfrm>
           <a:prstGeom prst="rect">
             <a:avLst/>
@@ -12388,14 +13189,14 @@
       </p:pic>
       <p:sp>
         <p:nvSpPr>
-          <p:cNvPr id="22" name="직사각형 21"/>
+          <p:cNvPr id="27" name="직사각형 26"/>
           <p:cNvSpPr/>
           <p:nvPr/>
         </p:nvSpPr>
         <p:spPr bwMode="auto">
           <a:xfrm>
-            <a:off x="7020272" y="3248980"/>
-            <a:ext cx="789063" cy="360040"/>
+            <a:off x="6444208" y="2805070"/>
+            <a:ext cx="2009039" cy="343212"/>
           </a:xfrm>
           <a:prstGeom prst="rect">
             <a:avLst/>
@@ -12437,7 +13238,7 @@
               <a:buNone/>
               <a:tabLst/>
             </a:pPr>
-            <a:endParaRPr kumimoji="0" lang="ko-KR" altLang="en-US" sz="1800" b="0" i="0" u="none" strike="noStrike" cap="none" normalizeH="0" baseline="0" dirty="0" smtClean="0">
+            <a:endParaRPr kumimoji="0" lang="ko-KR" altLang="en-US" sz="1800" b="0" i="0" u="none" strike="noStrike" cap="none" normalizeH="0" baseline="0" smtClean="0">
               <a:ln>
                 <a:noFill/>
               </a:ln>
@@ -12452,14 +13253,14 @@
       </p:sp>
       <p:sp>
         <p:nvSpPr>
-          <p:cNvPr id="23" name="직사각형 22"/>
+          <p:cNvPr id="28" name="직사각형 27"/>
           <p:cNvSpPr/>
           <p:nvPr/>
         </p:nvSpPr>
         <p:spPr bwMode="auto">
           <a:xfrm>
-            <a:off x="3473549" y="3600450"/>
-            <a:ext cx="234355" cy="1124694"/>
+            <a:off x="1043608" y="3356992"/>
+            <a:ext cx="7128792" cy="648072"/>
           </a:xfrm>
           <a:prstGeom prst="rect">
             <a:avLst/>
@@ -12501,7 +13302,7 @@
               <a:buNone/>
               <a:tabLst/>
             </a:pPr>
-            <a:endParaRPr kumimoji="0" lang="ko-KR" altLang="en-US" sz="1800" b="0" i="0" u="none" strike="noStrike" cap="none" normalizeH="0" baseline="0" dirty="0" smtClean="0">
+            <a:endParaRPr kumimoji="0" lang="ko-KR" altLang="en-US" sz="1800" b="0" i="0" u="none" strike="noStrike" cap="none" normalizeH="0" baseline="0" smtClean="0">
               <a:ln>
                 <a:noFill/>
               </a:ln>
@@ -12516,14 +13317,14 @@
       </p:sp>
       <p:sp>
         <p:nvSpPr>
-          <p:cNvPr id="24" name="직사각형 23"/>
+          <p:cNvPr id="29" name="직사각형 28"/>
           <p:cNvSpPr/>
           <p:nvPr/>
         </p:nvSpPr>
         <p:spPr bwMode="auto">
           <a:xfrm>
-            <a:off x="3745805" y="3609020"/>
-            <a:ext cx="1834307" cy="1124694"/>
+            <a:off x="515058" y="4869160"/>
+            <a:ext cx="2904814" cy="647700"/>
           </a:xfrm>
           <a:prstGeom prst="rect">
             <a:avLst/>
@@ -12565,7 +13366,233 @@
               <a:buNone/>
               <a:tabLst/>
             </a:pPr>
-            <a:endParaRPr kumimoji="0" lang="ko-KR" altLang="en-US" sz="1800" b="0" i="0" u="none" strike="noStrike" cap="none" normalizeH="0" baseline="0" dirty="0" smtClean="0">
+            <a:endParaRPr kumimoji="0" lang="ko-KR" altLang="en-US" sz="1800" b="0" i="0" u="none" strike="noStrike" cap="none" normalizeH="0" baseline="0" smtClean="0">
+              <a:ln>
+                <a:noFill/>
+              </a:ln>
+              <a:solidFill>
+                <a:schemeClr val="tx1"/>
+              </a:solidFill>
+              <a:effectLst/>
+              <a:latin typeface="Arial" charset="0"/>
+            </a:endParaRPr>
+          </a:p>
+        </p:txBody>
+      </p:sp>
+      <p:pic>
+        <p:nvPicPr>
+          <p:cNvPr id="24579" name="Picture 3"/>
+          <p:cNvPicPr>
+            <a:picLocks noChangeAspect="1" noChangeArrowheads="1"/>
+          </p:cNvPicPr>
+          <p:nvPr/>
+        </p:nvPicPr>
+        <p:blipFill>
+          <a:blip r:embed="rId3" cstate="print">
+            <a:extLst>
+              <a:ext uri="{28A0092B-C50C-407E-A947-70E740481C1C}">
+                <a14:useLocalDpi xmlns:a14="http://schemas.microsoft.com/office/drawing/2010/main" xmlns="" val="0"/>
+              </a:ext>
+            </a:extLst>
+          </a:blip>
+          <a:srcRect/>
+          <a:stretch>
+            <a:fillRect/>
+          </a:stretch>
+        </p:blipFill>
+        <p:spPr bwMode="auto">
+          <a:xfrm>
+            <a:off x="515058" y="4945360"/>
+            <a:ext cx="1323975" cy="495300"/>
+          </a:xfrm>
+          <a:prstGeom prst="rect">
+            <a:avLst/>
+          </a:prstGeom>
+          <a:noFill/>
+          <a:ln>
+            <a:noFill/>
+          </a:ln>
+          <a:extLst>
+            <a:ext uri="{909E8E84-426E-40DD-AFC4-6F175D3DCCD1}">
+              <a14:hiddenFill xmlns:a14="http://schemas.microsoft.com/office/drawing/2010/main" xmlns="">
+                <a:solidFill>
+                  <a:schemeClr val="accent1"/>
+                </a:solidFill>
+              </a14:hiddenFill>
+            </a:ext>
+            <a:ext uri="{91240B29-F687-4F45-9708-019B960494DF}">
+              <a14:hiddenLine xmlns:a14="http://schemas.microsoft.com/office/drawing/2010/main" xmlns="" w="9525">
+                <a:solidFill>
+                  <a:schemeClr val="tx1"/>
+                </a:solidFill>
+                <a:miter lim="800000"/>
+                <a:headEnd/>
+                <a:tailEnd/>
+              </a14:hiddenLine>
+            </a:ext>
+          </a:extLst>
+        </p:spPr>
+      </p:pic>
+      <p:pic>
+        <p:nvPicPr>
+          <p:cNvPr id="24580" name="Picture 4"/>
+          <p:cNvPicPr>
+            <a:picLocks noChangeAspect="1" noChangeArrowheads="1"/>
+          </p:cNvPicPr>
+          <p:nvPr/>
+        </p:nvPicPr>
+        <p:blipFill>
+          <a:blip r:embed="rId4" cstate="print">
+            <a:extLst>
+              <a:ext uri="{28A0092B-C50C-407E-A947-70E740481C1C}">
+                <a14:useLocalDpi xmlns:a14="http://schemas.microsoft.com/office/drawing/2010/main" xmlns="" val="0"/>
+              </a:ext>
+            </a:extLst>
+          </a:blip>
+          <a:srcRect/>
+          <a:stretch>
+            <a:fillRect/>
+          </a:stretch>
+        </p:blipFill>
+        <p:spPr bwMode="auto">
+          <a:xfrm>
+            <a:off x="1914089" y="4984697"/>
+            <a:ext cx="1247775" cy="504825"/>
+          </a:xfrm>
+          <a:prstGeom prst="rect">
+            <a:avLst/>
+          </a:prstGeom>
+          <a:noFill/>
+          <a:ln>
+            <a:noFill/>
+          </a:ln>
+          <a:extLst>
+            <a:ext uri="{909E8E84-426E-40DD-AFC4-6F175D3DCCD1}">
+              <a14:hiddenFill xmlns:a14="http://schemas.microsoft.com/office/drawing/2010/main" xmlns="">
+                <a:solidFill>
+                  <a:schemeClr val="accent1"/>
+                </a:solidFill>
+              </a14:hiddenFill>
+            </a:ext>
+            <a:ext uri="{91240B29-F687-4F45-9708-019B960494DF}">
+              <a14:hiddenLine xmlns:a14="http://schemas.microsoft.com/office/drawing/2010/main" xmlns="" w="9525">
+                <a:solidFill>
+                  <a:schemeClr val="tx1"/>
+                </a:solidFill>
+                <a:miter lim="800000"/>
+                <a:headEnd/>
+                <a:tailEnd/>
+              </a14:hiddenLine>
+            </a:ext>
+          </a:extLst>
+        </p:spPr>
+      </p:pic>
+      <p:pic>
+        <p:nvPicPr>
+          <p:cNvPr id="24581" name="Picture 5"/>
+          <p:cNvPicPr>
+            <a:picLocks noChangeAspect="1" noChangeArrowheads="1"/>
+          </p:cNvPicPr>
+          <p:nvPr/>
+        </p:nvPicPr>
+        <p:blipFill>
+          <a:blip r:embed="rId5" cstate="print">
+            <a:extLst>
+              <a:ext uri="{28A0092B-C50C-407E-A947-70E740481C1C}">
+                <a14:useLocalDpi xmlns:a14="http://schemas.microsoft.com/office/drawing/2010/main" xmlns="" val="0"/>
+              </a:ext>
+            </a:extLst>
+          </a:blip>
+          <a:srcRect/>
+          <a:stretch>
+            <a:fillRect/>
+          </a:stretch>
+        </p:blipFill>
+        <p:spPr bwMode="auto">
+          <a:xfrm>
+            <a:off x="3638727" y="4581128"/>
+            <a:ext cx="3810000" cy="1076325"/>
+          </a:xfrm>
+          <a:prstGeom prst="rect">
+            <a:avLst/>
+          </a:prstGeom>
+          <a:noFill/>
+          <a:ln>
+            <a:noFill/>
+          </a:ln>
+          <a:extLst>
+            <a:ext uri="{909E8E84-426E-40DD-AFC4-6F175D3DCCD1}">
+              <a14:hiddenFill xmlns:a14="http://schemas.microsoft.com/office/drawing/2010/main" xmlns="">
+                <a:solidFill>
+                  <a:schemeClr val="accent1"/>
+                </a:solidFill>
+              </a14:hiddenFill>
+            </a:ext>
+            <a:ext uri="{91240B29-F687-4F45-9708-019B960494DF}">
+              <a14:hiddenLine xmlns:a14="http://schemas.microsoft.com/office/drawing/2010/main" xmlns="" w="9525">
+                <a:solidFill>
+                  <a:schemeClr val="tx1"/>
+                </a:solidFill>
+                <a:miter lim="800000"/>
+                <a:headEnd/>
+                <a:tailEnd/>
+              </a14:hiddenLine>
+            </a:ext>
+          </a:extLst>
+        </p:spPr>
+      </p:pic>
+      <p:sp>
+        <p:nvSpPr>
+          <p:cNvPr id="31" name="직사각형 30"/>
+          <p:cNvSpPr/>
+          <p:nvPr/>
+        </p:nvSpPr>
+        <p:spPr bwMode="auto">
+          <a:xfrm>
+            <a:off x="5662070" y="4642820"/>
+            <a:ext cx="2009039" cy="1090436"/>
+          </a:xfrm>
+          <a:prstGeom prst="rect">
+            <a:avLst/>
+          </a:prstGeom>
+          <a:noFill/>
+          <a:ln w="57150" cap="flat" cmpd="sng" algn="ctr">
+            <a:solidFill>
+              <a:srgbClr val="FF3300"/>
+            </a:solidFill>
+            <a:prstDash val="solid"/>
+            <a:round/>
+            <a:headEnd type="none" w="med" len="med"/>
+            <a:tailEnd type="none" w="med" len="med"/>
+          </a:ln>
+          <a:effectLst/>
+          <a:extLst/>
+        </p:spPr>
+        <p:txBody>
+          <a:bodyPr vert="horz" wrap="none" lIns="91440" tIns="45720" rIns="91440" bIns="45720" numCol="1" rtlCol="0" anchor="ctr" anchorCtr="0" compatLnSpc="1">
+            <a:prstTxWarp prst="textNoShape">
+              <a:avLst/>
+            </a:prstTxWarp>
+          </a:bodyPr>
+          <a:lstStyle/>
+          <a:p>
+            <a:pPr marL="0" marR="0" indent="0" algn="l" defTabSz="914400" rtl="0" eaLnBrk="0" fontAlgn="base" latinLnBrk="0" hangingPunct="0">
+              <a:lnSpc>
+                <a:spcPct val="100000"/>
+              </a:lnSpc>
+              <a:spcBef>
+                <a:spcPct val="0"/>
+              </a:spcBef>
+              <a:spcAft>
+                <a:spcPct val="0"/>
+              </a:spcAft>
+              <a:buClrTx/>
+              <a:buSzTx/>
+              <a:buFontTx/>
+              <a:buNone/>
+              <a:tabLst/>
+            </a:pPr>
+            <a:endParaRPr kumimoji="0" lang="ko-KR" altLang="en-US" sz="1800" b="0" i="0" u="none" strike="noStrike" cap="none" normalizeH="0" baseline="0" smtClean="0">
               <a:ln>
                 <a:noFill/>
               </a:ln>
@@ -12586,8 +13613,8 @@
         </p:nvSpPr>
         <p:spPr bwMode="auto">
           <a:xfrm>
-            <a:off x="8001024" y="714356"/>
-            <a:ext cx="2928958" cy="2143140"/>
+            <a:off x="6572264" y="1000108"/>
+            <a:ext cx="4500594" cy="2857520"/>
           </a:xfrm>
           <a:prstGeom prst="rect">
             <a:avLst/>
@@ -12642,12 +13669,17 @@
               <a:tabLst/>
             </a:pPr>
             <a:r>
-              <a:rPr lang="ko-KR" altLang="en-US" sz="8800" dirty="0" smtClean="0"/>
-              <a:t>완</a:t>
-            </a:r>
-            <a:r>
-              <a:rPr lang="ko-KR" altLang="en-US" sz="8800" dirty="0" smtClean="0"/>
-              <a:t>료</a:t>
+              <a:rPr kumimoji="0" lang="ko-KR" altLang="en-US" sz="8800" b="0" i="0" u="none" strike="noStrike" cap="none" normalizeH="0" baseline="0" dirty="0" smtClean="0">
+                <a:ln>
+                  <a:noFill/>
+                </a:ln>
+                <a:solidFill>
+                  <a:schemeClr val="tx1"/>
+                </a:solidFill>
+                <a:effectLst/>
+                <a:latin typeface="Arial" charset="0"/>
+              </a:rPr>
+              <a:t>완료</a:t>
             </a:r>
             <a:endParaRPr kumimoji="0" lang="ko-KR" altLang="en-US" sz="8800" b="0" i="0" u="none" strike="noStrike" cap="none" normalizeH="0" baseline="0" dirty="0" smtClean="0">
               <a:ln>
@@ -12663,14 +13695,9 @@
         </p:txBody>
       </p:sp>
     </p:spTree>
-    <p:controls>
-      <p:control spid="52226" name="DefaultOcx" r:id="rId2" imgW="257040" imgH="276120"/>
-      <p:control spid="52227" name="HTMLOption1" r:id="rId3" imgW="257040" imgH="276120"/>
-      <p:control spid="52228" name="HTMLOption2" r:id="rId4" imgW="257040" imgH="276120"/>
-    </p:controls>
     <p:extLst>
       <p:ext uri="{BB962C8B-B14F-4D97-AF65-F5344CB8AC3E}">
-        <p14:creationId xmlns:p14="http://schemas.microsoft.com/office/powerpoint/2010/main" xmlns="" val="2194393578"/>
+        <p14:creationId xmlns:p14="http://schemas.microsoft.com/office/powerpoint/2010/main" xmlns="" val="899654787"/>
       </p:ext>
     </p:extLst>
   </p:cSld>
@@ -13323,85 +14350,63 @@
             <a:r>
               <a:rPr lang="ko-KR" altLang="en-US" sz="1400" b="1" dirty="0" smtClean="0">
                 <a:solidFill>
-                  <a:srgbClr val="FF3300"/>
+                  <a:srgbClr val="FF0000"/>
                 </a:solidFill>
                 <a:latin typeface="맑은 고딕" panose="020B0503020000020004" pitchFamily="50" charset="-127"/>
                 <a:ea typeface="맑은 고딕" panose="020B0503020000020004" pitchFamily="50" charset="-127"/>
               </a:rPr>
-              <a:t>이전화면 입니다</a:t>
+              <a:t>공지사항조회 화면인데</a:t>
             </a:r>
             <a:r>
               <a:rPr lang="en-US" altLang="ko-KR" sz="1400" b="1" dirty="0" smtClean="0">
                 <a:solidFill>
-                  <a:srgbClr val="FF3300"/>
+                  <a:srgbClr val="FF0000"/>
                 </a:solidFill>
                 <a:latin typeface="맑은 고딕" panose="020B0503020000020004" pitchFamily="50" charset="-127"/>
                 <a:ea typeface="맑은 고딕" panose="020B0503020000020004" pitchFamily="50" charset="-127"/>
               </a:rPr>
-              <a:t>..  </a:t>
+              <a:t>……….</a:t>
+            </a:r>
+            <a:r>
+              <a:rPr lang="ko-KR" altLang="en-US" sz="1400" b="1" dirty="0" smtClean="0">
+                <a:solidFill>
+                  <a:srgbClr val="FF0000"/>
+                </a:solidFill>
+                <a:latin typeface="맑은 고딕" panose="020B0503020000020004" pitchFamily="50" charset="-127"/>
+                <a:ea typeface="맑은 고딕" panose="020B0503020000020004" pitchFamily="50" charset="-127"/>
+              </a:rPr>
+              <a:t>뭔가 다른 화면에 연결 </a:t>
+            </a:r>
+            <a:r>
+              <a:rPr lang="ko-KR" altLang="en-US" sz="1400" b="1" dirty="0" err="1" smtClean="0">
+                <a:solidFill>
+                  <a:srgbClr val="FF0000"/>
+                </a:solidFill>
+                <a:latin typeface="맑은 고딕" panose="020B0503020000020004" pitchFamily="50" charset="-127"/>
+                <a:ea typeface="맑은 고딕" panose="020B0503020000020004" pitchFamily="50" charset="-127"/>
+              </a:rPr>
+              <a:t>된거</a:t>
+            </a:r>
+            <a:r>
+              <a:rPr lang="ko-KR" altLang="en-US" sz="1400" b="1" dirty="0" smtClean="0">
+                <a:solidFill>
+                  <a:srgbClr val="FF0000"/>
+                </a:solidFill>
+                <a:latin typeface="맑은 고딕" panose="020B0503020000020004" pitchFamily="50" charset="-127"/>
+                <a:ea typeface="맑은 고딕" panose="020B0503020000020004" pitchFamily="50" charset="-127"/>
+              </a:rPr>
+              <a:t> 같은데</a:t>
             </a:r>
             <a:r>
               <a:rPr lang="en-US" altLang="ko-KR" sz="1400" b="1" dirty="0" smtClean="0">
                 <a:solidFill>
-                  <a:srgbClr val="FF3300"/>
+                  <a:srgbClr val="FF0000"/>
                 </a:solidFill>
                 <a:latin typeface="맑은 고딕" panose="020B0503020000020004" pitchFamily="50" charset="-127"/>
                 <a:ea typeface="맑은 고딕" panose="020B0503020000020004" pitchFamily="50" charset="-127"/>
-                <a:sym typeface="Wingdings" panose="05000000000000000000" pitchFamily="2" charset="2"/>
-              </a:rPr>
-              <a:t> </a:t>
-            </a:r>
-            <a:r>
-              <a:rPr lang="ko-KR" altLang="en-US" sz="1400" b="1" dirty="0" smtClean="0">
-                <a:solidFill>
-                  <a:srgbClr val="FF3300"/>
-                </a:solidFill>
-                <a:latin typeface="맑은 고딕" panose="020B0503020000020004" pitchFamily="50" charset="-127"/>
-                <a:ea typeface="맑은 고딕" panose="020B0503020000020004" pitchFamily="50" charset="-127"/>
-                <a:sym typeface="Wingdings" panose="05000000000000000000" pitchFamily="2" charset="2"/>
-              </a:rPr>
-              <a:t>위 화면으로 </a:t>
-            </a:r>
-            <a:r>
-              <a:rPr lang="ko-KR" altLang="en-US" sz="1400" b="1" dirty="0" err="1" smtClean="0">
-                <a:solidFill>
-                  <a:srgbClr val="FF3300"/>
-                </a:solidFill>
-                <a:latin typeface="맑은 고딕" panose="020B0503020000020004" pitchFamily="50" charset="-127"/>
-                <a:ea typeface="맑은 고딕" panose="020B0503020000020004" pitchFamily="50" charset="-127"/>
-                <a:sym typeface="Wingdings" panose="05000000000000000000" pitchFamily="2" charset="2"/>
-              </a:rPr>
-              <a:t>재작성</a:t>
-            </a:r>
-            <a:r>
-              <a:rPr lang="ko-KR" altLang="en-US" sz="1400" b="1" dirty="0" smtClean="0">
-                <a:solidFill>
-                  <a:srgbClr val="FF3300"/>
-                </a:solidFill>
-                <a:latin typeface="맑은 고딕" panose="020B0503020000020004" pitchFamily="50" charset="-127"/>
-                <a:ea typeface="맑은 고딕" panose="020B0503020000020004" pitchFamily="50" charset="-127"/>
-                <a:sym typeface="Wingdings" panose="05000000000000000000" pitchFamily="2" charset="2"/>
-              </a:rPr>
-              <a:t> 하여야 합니다</a:t>
-            </a:r>
-            <a:r>
-              <a:rPr lang="en-US" altLang="ko-KR" sz="1400" b="1" dirty="0" smtClean="0">
-                <a:solidFill>
-                  <a:srgbClr val="FF3300"/>
-                </a:solidFill>
-                <a:latin typeface="맑은 고딕" panose="020B0503020000020004" pitchFamily="50" charset="-127"/>
-                <a:ea typeface="맑은 고딕" panose="020B0503020000020004" pitchFamily="50" charset="-127"/>
-                <a:sym typeface="Wingdings" panose="05000000000000000000" pitchFamily="2" charset="2"/>
-              </a:rPr>
-              <a:t>.</a:t>
-            </a:r>
-            <a:endParaRPr lang="en-US" altLang="ko-KR" sz="1400" b="1" dirty="0" smtClean="0">
-              <a:solidFill>
-                <a:srgbClr val="FF3300"/>
-              </a:solidFill>
-              <a:latin typeface="맑은 고딕" panose="020B0503020000020004" pitchFamily="50" charset="-127"/>
-              <a:ea typeface="맑은 고딕" panose="020B0503020000020004" pitchFamily="50" charset="-127"/>
-            </a:endParaRPr>
+              </a:rPr>
+              <a:t>….</a:t>
+            </a:r>
           </a:p>
         </p:txBody>
       </p:sp>
@@ -13414,7 +14419,7 @@
         <p:spPr>
           <a:xfrm>
             <a:off x="3491880" y="1146907"/>
-            <a:ext cx="2223686" cy="369332"/>
+            <a:ext cx="2274982" cy="369332"/>
           </a:xfrm>
           <a:prstGeom prst="rect">
             <a:avLst/>
@@ -13427,14 +14432,8 @@
           <a:lstStyle/>
           <a:p>
             <a:r>
-              <a:rPr lang="en-US" altLang="ko-KR" dirty="0" smtClean="0"/>
-              <a:t>/</a:t>
-            </a:r>
-            <a:r>
-              <a:rPr lang="en-US" altLang="ko-KR" dirty="0">
-                <a:hlinkClick r:id="rId6"/>
-              </a:rPr>
-              <a:t>e_mat_mng_4.html</a:t>
+              <a:rPr lang="en-US" altLang="ko-KR" dirty="0"/>
+              <a:t>/h_cmm_pop_7.html</a:t>
             </a:r>
             <a:endParaRPr lang="ko-KR" altLang="en-US" dirty="0"/>
           </a:p>
@@ -13442,14 +14441,14 @@
       </p:sp>
       <p:pic>
         <p:nvPicPr>
-          <p:cNvPr id="53253" name="Picture 5"/>
+          <p:cNvPr id="51205" name="Picture 5"/>
           <p:cNvPicPr>
             <a:picLocks noChangeAspect="1" noChangeArrowheads="1"/>
           </p:cNvPicPr>
           <p:nvPr/>
         </p:nvPicPr>
         <p:blipFill>
-          <a:blip r:embed="rId7" cstate="print">
+          <a:blip r:embed="rId6" cstate="print">
             <a:extLst>
               <a:ext uri="{28A0092B-C50C-407E-A947-70E740481C1C}">
                 <a14:useLocalDpi xmlns:a14="http://schemas.microsoft.com/office/drawing/2010/main" xmlns="" val="0"/>
@@ -13463,8 +14462,8 @@
         </p:blipFill>
         <p:spPr bwMode="auto">
           <a:xfrm>
-            <a:off x="280988" y="2209800"/>
-            <a:ext cx="8582025" cy="2438400"/>
+            <a:off x="1524000" y="1828800"/>
+            <a:ext cx="6096000" cy="3657600"/>
           </a:xfrm>
           <a:prstGeom prst="rect">
             <a:avLst/>
@@ -13502,8 +14501,8 @@
         </p:nvSpPr>
         <p:spPr bwMode="auto">
           <a:xfrm>
-            <a:off x="8001024" y="714356"/>
-            <a:ext cx="2928958" cy="2143140"/>
+            <a:off x="6572264" y="1000108"/>
+            <a:ext cx="4500594" cy="2857520"/>
           </a:xfrm>
           <a:prstGeom prst="rect">
             <a:avLst/>
@@ -13558,12 +14557,17 @@
               <a:tabLst/>
             </a:pPr>
             <a:r>
-              <a:rPr lang="ko-KR" altLang="en-US" sz="8800" dirty="0" smtClean="0"/>
-              <a:t>완</a:t>
-            </a:r>
-            <a:r>
-              <a:rPr lang="ko-KR" altLang="en-US" sz="8800" dirty="0" smtClean="0"/>
-              <a:t>료</a:t>
+              <a:rPr kumimoji="0" lang="ko-KR" altLang="en-US" sz="8800" b="0" i="0" u="none" strike="noStrike" cap="none" normalizeH="0" baseline="0" dirty="0" smtClean="0">
+                <a:ln>
+                  <a:noFill/>
+                </a:ln>
+                <a:solidFill>
+                  <a:schemeClr val="tx1"/>
+                </a:solidFill>
+                <a:effectLst/>
+                <a:latin typeface="Arial" charset="0"/>
+              </a:rPr>
+              <a:t>확인요망</a:t>
             </a:r>
             <a:endParaRPr kumimoji="0" lang="ko-KR" altLang="en-US" sz="8800" b="0" i="0" u="none" strike="noStrike" cap="none" normalizeH="0" baseline="0" dirty="0" smtClean="0">
               <a:ln>
@@ -13580,13 +14584,13 @@
       </p:sp>
     </p:spTree>
     <p:controls>
-      <p:control spid="53250" name="DefaultOcx" r:id="rId2" imgW="257040" imgH="276120"/>
-      <p:control spid="53251" name="HTMLOption1" r:id="rId3" imgW="257040" imgH="276120"/>
-      <p:control spid="53252" name="HTMLOption2" r:id="rId4" imgW="257040" imgH="276120"/>
+      <p:control spid="51202" name="DefaultOcx" r:id="rId2" imgW="257040" imgH="276120"/>
+      <p:control spid="51203" name="HTMLOption1" r:id="rId3" imgW="257040" imgH="276120"/>
+      <p:control spid="51204" name="HTMLOption2" r:id="rId4" imgW="257040" imgH="276120"/>
     </p:controls>
     <p:extLst>
       <p:ext uri="{BB962C8B-B14F-4D97-AF65-F5344CB8AC3E}">
-        <p14:creationId xmlns:p14="http://schemas.microsoft.com/office/powerpoint/2010/main" xmlns="" val="4101203699"/>
+        <p14:creationId xmlns:p14="http://schemas.microsoft.com/office/powerpoint/2010/main" xmlns="" val="1805691756"/>
       </p:ext>
     </p:extLst>
   </p:cSld>
@@ -14223,7 +15227,7 @@
         <p:spPr>
           <a:xfrm>
             <a:off x="1357505" y="5805264"/>
-            <a:ext cx="7606983" cy="307777"/>
+            <a:ext cx="7606983" cy="738664"/>
           </a:xfrm>
           <a:prstGeom prst="rect">
             <a:avLst/>
@@ -14237,11 +15241,68 @@
           <a:lstStyle/>
           <a:p>
             <a:r>
+              <a:rPr lang="ko-KR" altLang="en-US" sz="1400" b="1" dirty="0" smtClean="0">
+                <a:latin typeface="맑은 고딕" panose="020B0503020000020004" pitchFamily="50" charset="-127"/>
+                <a:ea typeface="맑은 고딕" panose="020B0503020000020004" pitchFamily="50" charset="-127"/>
+              </a:rPr>
+              <a:t>조회버튼 삭제</a:t>
+            </a:r>
+            <a:endParaRPr lang="en-US" altLang="ko-KR" sz="1400" b="1" dirty="0" smtClean="0">
+              <a:latin typeface="맑은 고딕" panose="020B0503020000020004" pitchFamily="50" charset="-127"/>
+              <a:ea typeface="맑은 고딕" panose="020B0503020000020004" pitchFamily="50" charset="-127"/>
+            </a:endParaRPr>
+          </a:p>
+          <a:p>
+            <a:r>
+              <a:rPr lang="ko-KR" altLang="en-US" sz="1400" b="1" dirty="0" smtClean="0">
+                <a:latin typeface="맑은 고딕" panose="020B0503020000020004" pitchFamily="50" charset="-127"/>
+                <a:ea typeface="맑은 고딕" panose="020B0503020000020004" pitchFamily="50" charset="-127"/>
+              </a:rPr>
+              <a:t>발주단가</a:t>
+            </a:r>
+            <a:r>
+              <a:rPr lang="en-US" altLang="ko-KR" sz="1400" b="1" dirty="0" smtClean="0">
+                <a:latin typeface="맑은 고딕" panose="020B0503020000020004" pitchFamily="50" charset="-127"/>
+                <a:ea typeface="맑은 고딕" panose="020B0503020000020004" pitchFamily="50" charset="-127"/>
+              </a:rPr>
+              <a:t> </a:t>
+            </a:r>
+            <a:r>
+              <a:rPr lang="en-US" altLang="ko-KR" sz="1400" b="1" dirty="0" smtClean="0">
+                <a:latin typeface="맑은 고딕" panose="020B0503020000020004" pitchFamily="50" charset="-127"/>
+                <a:ea typeface="맑은 고딕" panose="020B0503020000020004" pitchFamily="50" charset="-127"/>
+                <a:sym typeface="Wingdings" panose="05000000000000000000" pitchFamily="2" charset="2"/>
+              </a:rPr>
+              <a:t> Grid</a:t>
+            </a:r>
+            <a:r>
+              <a:rPr lang="ko-KR" altLang="en-US" sz="1400" b="1" dirty="0" smtClean="0">
+                <a:latin typeface="맑은 고딕" panose="020B0503020000020004" pitchFamily="50" charset="-127"/>
+                <a:ea typeface="맑은 고딕" panose="020B0503020000020004" pitchFamily="50" charset="-127"/>
+                <a:sym typeface="Wingdings" panose="05000000000000000000" pitchFamily="2" charset="2"/>
+              </a:rPr>
+              <a:t>에 빠져있음</a:t>
+            </a:r>
+            <a:endParaRPr lang="en-US" altLang="ko-KR" sz="1400" b="1" dirty="0" smtClean="0">
+              <a:latin typeface="맑은 고딕" panose="020B0503020000020004" pitchFamily="50" charset="-127"/>
+              <a:ea typeface="맑은 고딕" panose="020B0503020000020004" pitchFamily="50" charset="-127"/>
+              <a:sym typeface="Wingdings" panose="05000000000000000000" pitchFamily="2" charset="2"/>
+            </a:endParaRPr>
+          </a:p>
+          <a:p>
+            <a:r>
+              <a:rPr lang="en-US" altLang="ko-KR" sz="1400" b="1" dirty="0" smtClean="0">
+                <a:latin typeface="맑은 고딕" panose="020B0503020000020004" pitchFamily="50" charset="-127"/>
+                <a:ea typeface="맑은 고딕" panose="020B0503020000020004" pitchFamily="50" charset="-127"/>
+              </a:rPr>
+              <a:t> </a:t>
+            </a:r>
+            <a:r>
               <a:rPr lang="ko-KR" altLang="en-US" sz="1400" b="1" dirty="0">
                 <a:latin typeface="맑은 고딕" panose="020B0503020000020004" pitchFamily="50" charset="-127"/>
                 <a:ea typeface="맑은 고딕" panose="020B0503020000020004" pitchFamily="50" charset="-127"/>
               </a:rPr>
-              <a:t>회계일자</a:t>
+              <a:t>발주수량</a:t>
             </a:r>
             <a:r>
               <a:rPr lang="en-US" altLang="ko-KR" sz="1400" b="1" dirty="0">
@@ -14251,11 +15312,39 @@
               <a:t>, </a:t>
             </a:r>
             <a:r>
+              <a:rPr lang="ko-KR" altLang="en-US" sz="1400" b="1" dirty="0">
+                <a:latin typeface="맑은 고딕" panose="020B0503020000020004" pitchFamily="50" charset="-127"/>
+                <a:ea typeface="맑은 고딕" panose="020B0503020000020004" pitchFamily="50" charset="-127"/>
+              </a:rPr>
+              <a:t>발주예정일</a:t>
+            </a:r>
+            <a:r>
+              <a:rPr lang="en-US" altLang="ko-KR" sz="1400" b="1" dirty="0">
+                <a:latin typeface="맑은 고딕" panose="020B0503020000020004" pitchFamily="50" charset="-127"/>
+                <a:ea typeface="맑은 고딕" panose="020B0503020000020004" pitchFamily="50" charset="-127"/>
+              </a:rPr>
+              <a:t>, </a:t>
+            </a:r>
+            <a:r>
+              <a:rPr lang="ko-KR" altLang="en-US" sz="1400" b="1" dirty="0">
+                <a:latin typeface="맑은 고딕" panose="020B0503020000020004" pitchFamily="50" charset="-127"/>
+                <a:ea typeface="맑은 고딕" panose="020B0503020000020004" pitchFamily="50" charset="-127"/>
+              </a:rPr>
+              <a:t>입고예정일</a:t>
+            </a:r>
+            <a:r>
+              <a:rPr lang="en-US" altLang="ko-KR" sz="1400" b="1" dirty="0">
+                <a:latin typeface="맑은 고딕" panose="020B0503020000020004" pitchFamily="50" charset="-127"/>
+                <a:ea typeface="맑은 고딕" panose="020B0503020000020004" pitchFamily="50" charset="-127"/>
+              </a:rPr>
+              <a:t>, </a:t>
+            </a:r>
+            <a:r>
               <a:rPr lang="ko-KR" altLang="en-US" sz="1400" b="1" dirty="0" smtClean="0">
                 <a:latin typeface="맑은 고딕" panose="020B0503020000020004" pitchFamily="50" charset="-127"/>
                 <a:ea typeface="맑은 고딕" panose="020B0503020000020004" pitchFamily="50" charset="-127"/>
               </a:rPr>
-              <a:t>입고수량 </a:t>
+              <a:t>발주거래처 </a:t>
             </a:r>
             <a:r>
               <a:rPr lang="en-US" altLang="ko-KR" sz="1400" b="1" dirty="0" smtClean="0">
@@ -14266,19 +15355,12 @@
               <a:t> edit </a:t>
             </a:r>
             <a:r>
-              <a:rPr lang="ko-KR" altLang="en-US" sz="1400" b="1" dirty="0">
+              <a:rPr lang="ko-KR" altLang="en-US" sz="1400" b="1" dirty="0" smtClean="0">
                 <a:latin typeface="맑은 고딕" panose="020B0503020000020004" pitchFamily="50" charset="-127"/>
                 <a:ea typeface="맑은 고딕" panose="020B0503020000020004" pitchFamily="50" charset="-127"/>
                 <a:sym typeface="Wingdings" panose="05000000000000000000" pitchFamily="2" charset="2"/>
               </a:rPr>
               <a:t>가능하게</a:t>
-            </a:r>
-            <a:r>
-              <a:rPr lang="ko-KR" altLang="en-US" sz="1400" b="1" dirty="0" smtClean="0">
-                <a:latin typeface="맑은 고딕" panose="020B0503020000020004" pitchFamily="50" charset="-127"/>
-                <a:ea typeface="맑은 고딕" panose="020B0503020000020004" pitchFamily="50" charset="-127"/>
-              </a:rPr>
-              <a:t> </a:t>
             </a:r>
             <a:endParaRPr lang="en-US" altLang="ko-KR" sz="1400" b="1" dirty="0" smtClean="0">
               <a:latin typeface="맑은 고딕" panose="020B0503020000020004" pitchFamily="50" charset="-127"/>
@@ -14296,7 +15378,7 @@
         <p:spPr>
           <a:xfrm>
             <a:off x="3491880" y="1146907"/>
-            <a:ext cx="2223686" cy="369332"/>
+            <a:ext cx="2274982" cy="369332"/>
           </a:xfrm>
           <a:prstGeom prst="rect">
             <a:avLst/>
@@ -14316,7 +15398,7 @@
               <a:rPr lang="en-US" altLang="ko-KR" dirty="0">
                 <a:hlinkClick r:id="rId6"/>
               </a:rPr>
-              <a:t>e_mat_mng_5.html</a:t>
+              <a:t>e_mat_mng_3.html</a:t>
             </a:r>
             <a:endParaRPr lang="ko-KR" altLang="en-US" dirty="0"/>
           </a:p>
@@ -14324,7 +15406,7 @@
       </p:sp>
       <p:pic>
         <p:nvPicPr>
-          <p:cNvPr id="54277" name="Picture 5"/>
+          <p:cNvPr id="52229" name="Picture 5"/>
           <p:cNvPicPr>
             <a:picLocks noChangeAspect="1" noChangeArrowheads="1"/>
           </p:cNvPicPr>
@@ -14345,8 +15427,8 @@
         </p:blipFill>
         <p:spPr bwMode="auto">
           <a:xfrm>
-            <a:off x="1026143" y="1700807"/>
-            <a:ext cx="7155160" cy="3923861"/>
+            <a:off x="1475656" y="1625352"/>
+            <a:ext cx="6486467" cy="3891880"/>
           </a:xfrm>
           <a:prstGeom prst="rect">
             <a:avLst/>
@@ -14384,8 +15466,8 @@
         </p:nvSpPr>
         <p:spPr bwMode="auto">
           <a:xfrm>
-            <a:off x="5796137" y="3482716"/>
-            <a:ext cx="864096" cy="1170419"/>
+            <a:off x="7020272" y="3248980"/>
+            <a:ext cx="789063" cy="360040"/>
           </a:xfrm>
           <a:prstGeom prst="rect">
             <a:avLst/>
@@ -14448,8 +15530,136 @@
         </p:nvSpPr>
         <p:spPr bwMode="auto">
           <a:xfrm>
-            <a:off x="8001024" y="714356"/>
-            <a:ext cx="2928958" cy="2143140"/>
+            <a:off x="3473549" y="3600450"/>
+            <a:ext cx="234355" cy="1124694"/>
+          </a:xfrm>
+          <a:prstGeom prst="rect">
+            <a:avLst/>
+          </a:prstGeom>
+          <a:noFill/>
+          <a:ln w="57150" cap="flat" cmpd="sng" algn="ctr">
+            <a:solidFill>
+              <a:srgbClr val="FF3300"/>
+            </a:solidFill>
+            <a:prstDash val="solid"/>
+            <a:round/>
+            <a:headEnd type="none" w="med" len="med"/>
+            <a:tailEnd type="none" w="med" len="med"/>
+          </a:ln>
+          <a:effectLst/>
+          <a:extLst/>
+        </p:spPr>
+        <p:txBody>
+          <a:bodyPr vert="horz" wrap="none" lIns="91440" tIns="45720" rIns="91440" bIns="45720" numCol="1" rtlCol="0" anchor="ctr" anchorCtr="0" compatLnSpc="1">
+            <a:prstTxWarp prst="textNoShape">
+              <a:avLst/>
+            </a:prstTxWarp>
+          </a:bodyPr>
+          <a:lstStyle/>
+          <a:p>
+            <a:pPr marL="0" marR="0" indent="0" algn="l" defTabSz="914400" rtl="0" eaLnBrk="0" fontAlgn="base" latinLnBrk="0" hangingPunct="0">
+              <a:lnSpc>
+                <a:spcPct val="100000"/>
+              </a:lnSpc>
+              <a:spcBef>
+                <a:spcPct val="0"/>
+              </a:spcBef>
+              <a:spcAft>
+                <a:spcPct val="0"/>
+              </a:spcAft>
+              <a:buClrTx/>
+              <a:buSzTx/>
+              <a:buFontTx/>
+              <a:buNone/>
+              <a:tabLst/>
+            </a:pPr>
+            <a:endParaRPr kumimoji="0" lang="ko-KR" altLang="en-US" sz="1800" b="0" i="0" u="none" strike="noStrike" cap="none" normalizeH="0" baseline="0" dirty="0" smtClean="0">
+              <a:ln>
+                <a:noFill/>
+              </a:ln>
+              <a:solidFill>
+                <a:schemeClr val="tx1"/>
+              </a:solidFill>
+              <a:effectLst/>
+              <a:latin typeface="Arial" charset="0"/>
+            </a:endParaRPr>
+          </a:p>
+        </p:txBody>
+      </p:sp>
+      <p:sp>
+        <p:nvSpPr>
+          <p:cNvPr id="24" name="직사각형 23"/>
+          <p:cNvSpPr/>
+          <p:nvPr/>
+        </p:nvSpPr>
+        <p:spPr bwMode="auto">
+          <a:xfrm>
+            <a:off x="3745805" y="3609020"/>
+            <a:ext cx="1834307" cy="1124694"/>
+          </a:xfrm>
+          <a:prstGeom prst="rect">
+            <a:avLst/>
+          </a:prstGeom>
+          <a:noFill/>
+          <a:ln w="57150" cap="flat" cmpd="sng" algn="ctr">
+            <a:solidFill>
+              <a:srgbClr val="FF3300"/>
+            </a:solidFill>
+            <a:prstDash val="solid"/>
+            <a:round/>
+            <a:headEnd type="none" w="med" len="med"/>
+            <a:tailEnd type="none" w="med" len="med"/>
+          </a:ln>
+          <a:effectLst/>
+          <a:extLst/>
+        </p:spPr>
+        <p:txBody>
+          <a:bodyPr vert="horz" wrap="none" lIns="91440" tIns="45720" rIns="91440" bIns="45720" numCol="1" rtlCol="0" anchor="ctr" anchorCtr="0" compatLnSpc="1">
+            <a:prstTxWarp prst="textNoShape">
+              <a:avLst/>
+            </a:prstTxWarp>
+          </a:bodyPr>
+          <a:lstStyle/>
+          <a:p>
+            <a:pPr marL="0" marR="0" indent="0" algn="l" defTabSz="914400" rtl="0" eaLnBrk="0" fontAlgn="base" latinLnBrk="0" hangingPunct="0">
+              <a:lnSpc>
+                <a:spcPct val="100000"/>
+              </a:lnSpc>
+              <a:spcBef>
+                <a:spcPct val="0"/>
+              </a:spcBef>
+              <a:spcAft>
+                <a:spcPct val="0"/>
+              </a:spcAft>
+              <a:buClrTx/>
+              <a:buSzTx/>
+              <a:buFontTx/>
+              <a:buNone/>
+              <a:tabLst/>
+            </a:pPr>
+            <a:endParaRPr kumimoji="0" lang="ko-KR" altLang="en-US" sz="1800" b="0" i="0" u="none" strike="noStrike" cap="none" normalizeH="0" baseline="0" dirty="0" smtClean="0">
+              <a:ln>
+                <a:noFill/>
+              </a:ln>
+              <a:solidFill>
+                <a:schemeClr val="tx1"/>
+              </a:solidFill>
+              <a:effectLst/>
+              <a:latin typeface="Arial" charset="0"/>
+            </a:endParaRPr>
+          </a:p>
+        </p:txBody>
+      </p:sp>
+      <p:sp>
+        <p:nvSpPr>
+          <p:cNvPr id="25" name="직사각형 24"/>
+          <p:cNvSpPr/>
+          <p:nvPr/>
+        </p:nvSpPr>
+        <p:spPr bwMode="auto">
+          <a:xfrm>
+            <a:off x="6572264" y="1000108"/>
+            <a:ext cx="4500594" cy="2857520"/>
           </a:xfrm>
           <a:prstGeom prst="rect">
             <a:avLst/>
@@ -14504,12 +15714,17 @@
               <a:tabLst/>
             </a:pPr>
             <a:r>
-              <a:rPr lang="ko-KR" altLang="en-US" sz="8800" dirty="0" smtClean="0"/>
-              <a:t>완</a:t>
-            </a:r>
-            <a:r>
-              <a:rPr lang="ko-KR" altLang="en-US" sz="8800" dirty="0" smtClean="0"/>
-              <a:t>료</a:t>
+              <a:rPr kumimoji="0" lang="ko-KR" altLang="en-US" sz="8800" b="0" i="0" u="none" strike="noStrike" cap="none" normalizeH="0" baseline="0" dirty="0" smtClean="0">
+                <a:ln>
+                  <a:noFill/>
+                </a:ln>
+                <a:solidFill>
+                  <a:schemeClr val="tx1"/>
+                </a:solidFill>
+                <a:effectLst/>
+                <a:latin typeface="Arial" charset="0"/>
+              </a:rPr>
+              <a:t>완료</a:t>
             </a:r>
             <a:endParaRPr kumimoji="0" lang="ko-KR" altLang="en-US" sz="8800" b="0" i="0" u="none" strike="noStrike" cap="none" normalizeH="0" baseline="0" dirty="0" smtClean="0">
               <a:ln>
@@ -14526,13 +15741,13 @@
       </p:sp>
     </p:spTree>
     <p:controls>
-      <p:control spid="54274" name="DefaultOcx" r:id="rId2" imgW="257040" imgH="276120"/>
-      <p:control spid="54275" name="HTMLOption1" r:id="rId3" imgW="257040" imgH="276120"/>
-      <p:control spid="54276" name="HTMLOption2" r:id="rId4" imgW="257040" imgH="276120"/>
+      <p:control spid="52226" name="DefaultOcx" r:id="rId2" imgW="257040" imgH="276120"/>
+      <p:control spid="52227" name="HTMLOption1" r:id="rId3" imgW="257040" imgH="276120"/>
+      <p:control spid="52228" name="HTMLOption2" r:id="rId4" imgW="257040" imgH="276120"/>
     </p:controls>
     <p:extLst>
       <p:ext uri="{BB962C8B-B14F-4D97-AF65-F5344CB8AC3E}">
-        <p14:creationId xmlns:p14="http://schemas.microsoft.com/office/powerpoint/2010/main" xmlns="" val="3110720618"/>
+        <p14:creationId xmlns:p14="http://schemas.microsoft.com/office/powerpoint/2010/main" xmlns="" val="2194393578"/>
       </p:ext>
     </p:extLst>
   </p:cSld>
@@ -15183,64 +16398,84 @@
           <a:lstStyle/>
           <a:p>
             <a:r>
-              <a:rPr lang="ko-KR" altLang="en-US" sz="1400" b="1" dirty="0" err="1">
-                <a:latin typeface="맑은 고딕" panose="020B0503020000020004" pitchFamily="50" charset="-127"/>
-                <a:ea typeface="맑은 고딕" panose="020B0503020000020004" pitchFamily="50" charset="-127"/>
-              </a:rPr>
-              <a:t>재고조정량</a:t>
-            </a:r>
-            <a:r>
-              <a:rPr lang="en-US" altLang="ko-KR" sz="1400" b="1" dirty="0">
-                <a:latin typeface="맑은 고딕" panose="020B0503020000020004" pitchFamily="50" charset="-127"/>
-                <a:ea typeface="맑은 고딕" panose="020B0503020000020004" pitchFamily="50" charset="-127"/>
-              </a:rPr>
-              <a:t>, </a:t>
-            </a:r>
-            <a:r>
-              <a:rPr lang="ko-KR" altLang="en-US" sz="1400" b="1" dirty="0">
-                <a:latin typeface="맑은 고딕" panose="020B0503020000020004" pitchFamily="50" charset="-127"/>
-                <a:ea typeface="맑은 고딕" panose="020B0503020000020004" pitchFamily="50" charset="-127"/>
-              </a:rPr>
-              <a:t>비고</a:t>
-            </a:r>
-            <a:r>
-              <a:rPr lang="en-US" altLang="ko-KR" sz="1400" b="1" dirty="0">
-                <a:latin typeface="맑은 고딕" panose="020B0503020000020004" pitchFamily="50" charset="-127"/>
-                <a:ea typeface="맑은 고딕" panose="020B0503020000020004" pitchFamily="50" charset="-127"/>
-              </a:rPr>
-              <a:t>, </a:t>
-            </a:r>
-            <a:r>
               <a:rPr lang="ko-KR" altLang="en-US" sz="1400" b="1" dirty="0" smtClean="0">
-                <a:latin typeface="맑은 고딕" panose="020B0503020000020004" pitchFamily="50" charset="-127"/>
-                <a:ea typeface="맑은 고딕" panose="020B0503020000020004" pitchFamily="50" charset="-127"/>
-              </a:rPr>
-              <a:t>자재불출수량 </a:t>
+                <a:solidFill>
+                  <a:srgbClr val="FF3300"/>
+                </a:solidFill>
+                <a:latin typeface="맑은 고딕" panose="020B0503020000020004" pitchFamily="50" charset="-127"/>
+                <a:ea typeface="맑은 고딕" panose="020B0503020000020004" pitchFamily="50" charset="-127"/>
+              </a:rPr>
+              <a:t>이전화면 입니다</a:t>
             </a:r>
             <a:r>
               <a:rPr lang="en-US" altLang="ko-KR" sz="1400" b="1" dirty="0" smtClean="0">
+                <a:solidFill>
+                  <a:srgbClr val="FF3300"/>
+                </a:solidFill>
+                <a:latin typeface="맑은 고딕" panose="020B0503020000020004" pitchFamily="50" charset="-127"/>
+                <a:ea typeface="맑은 고딕" panose="020B0503020000020004" pitchFamily="50" charset="-127"/>
+              </a:rPr>
+              <a:t>..  </a:t>
+            </a:r>
+            <a:r>
+              <a:rPr lang="en-US" altLang="ko-KR" sz="1400" b="1" dirty="0" smtClean="0">
+                <a:solidFill>
+                  <a:srgbClr val="FF3300"/>
+                </a:solidFill>
                 <a:latin typeface="맑은 고딕" panose="020B0503020000020004" pitchFamily="50" charset="-127"/>
                 <a:ea typeface="맑은 고딕" panose="020B0503020000020004" pitchFamily="50" charset="-127"/>
                 <a:sym typeface="Wingdings" panose="05000000000000000000" pitchFamily="2" charset="2"/>
               </a:rPr>
-              <a:t> edit </a:t>
-            </a:r>
-            <a:r>
-              <a:rPr lang="ko-KR" altLang="en-US" sz="1400" b="1" dirty="0">
+              <a:t> </a:t>
+            </a:r>
+            <a:r>
+              <a:rPr lang="ko-KR" altLang="en-US" sz="1400" b="1" dirty="0" smtClean="0">
+                <a:solidFill>
+                  <a:srgbClr val="FF3300"/>
+                </a:solidFill>
                 <a:latin typeface="맑은 고딕" panose="020B0503020000020004" pitchFamily="50" charset="-127"/>
                 <a:ea typeface="맑은 고딕" panose="020B0503020000020004" pitchFamily="50" charset="-127"/>
                 <a:sym typeface="Wingdings" panose="05000000000000000000" pitchFamily="2" charset="2"/>
               </a:rPr>
-              <a:t>가능하게</a:t>
+              <a:t>위 화면으로 </a:t>
+            </a:r>
+            <a:r>
+              <a:rPr lang="ko-KR" altLang="en-US" sz="1400" b="1" dirty="0" err="1" smtClean="0">
+                <a:solidFill>
+                  <a:srgbClr val="FF3300"/>
+                </a:solidFill>
+                <a:latin typeface="맑은 고딕" panose="020B0503020000020004" pitchFamily="50" charset="-127"/>
+                <a:ea typeface="맑은 고딕" panose="020B0503020000020004" pitchFamily="50" charset="-127"/>
+                <a:sym typeface="Wingdings" panose="05000000000000000000" pitchFamily="2" charset="2"/>
+              </a:rPr>
+              <a:t>재작성</a:t>
             </a:r>
             <a:r>
               <a:rPr lang="ko-KR" altLang="en-US" sz="1400" b="1" dirty="0" smtClean="0">
-                <a:latin typeface="맑은 고딕" panose="020B0503020000020004" pitchFamily="50" charset="-127"/>
-                <a:ea typeface="맑은 고딕" panose="020B0503020000020004" pitchFamily="50" charset="-127"/>
-              </a:rPr>
-              <a:t> </a:t>
+                <a:solidFill>
+                  <a:srgbClr val="FF3300"/>
+                </a:solidFill>
+                <a:latin typeface="맑은 고딕" panose="020B0503020000020004" pitchFamily="50" charset="-127"/>
+                <a:ea typeface="맑은 고딕" panose="020B0503020000020004" pitchFamily="50" charset="-127"/>
+                <a:sym typeface="Wingdings" panose="05000000000000000000" pitchFamily="2" charset="2"/>
+              </a:rPr>
+              <a:t> 하여야 합니다</a:t>
+            </a:r>
+            <a:r>
+              <a:rPr lang="en-US" altLang="ko-KR" sz="1400" b="1" dirty="0" smtClean="0">
+                <a:solidFill>
+                  <a:srgbClr val="FF3300"/>
+                </a:solidFill>
+                <a:latin typeface="맑은 고딕" panose="020B0503020000020004" pitchFamily="50" charset="-127"/>
+                <a:ea typeface="맑은 고딕" panose="020B0503020000020004" pitchFamily="50" charset="-127"/>
+                <a:sym typeface="Wingdings" panose="05000000000000000000" pitchFamily="2" charset="2"/>
+              </a:rPr>
+              <a:t>.</a:t>
             </a:r>
             <a:endParaRPr lang="en-US" altLang="ko-KR" sz="1400" b="1" dirty="0" smtClean="0">
+              <a:solidFill>
+                <a:srgbClr val="FF3300"/>
+              </a:solidFill>
               <a:latin typeface="맑은 고딕" panose="020B0503020000020004" pitchFamily="50" charset="-127"/>
               <a:ea typeface="맑은 고딕" panose="020B0503020000020004" pitchFamily="50" charset="-127"/>
             </a:endParaRPr>
@@ -15273,10 +16508,10 @@
               <a:t>/</a:t>
             </a:r>
             <a:r>
-              <a:rPr lang="en-US" altLang="ko-KR" dirty="0" smtClean="0">
+              <a:rPr lang="en-US" altLang="ko-KR" dirty="0">
                 <a:hlinkClick r:id="rId6"/>
               </a:rPr>
-              <a:t>e_mat_mng_6.html</a:t>
+              <a:t>e_mat_mng_4.html</a:t>
             </a:r>
             <a:endParaRPr lang="ko-KR" altLang="en-US" dirty="0"/>
           </a:p>
@@ -15284,7 +16519,7 @@
       </p:sp>
       <p:pic>
         <p:nvPicPr>
-          <p:cNvPr id="55301" name="Picture 5"/>
+          <p:cNvPr id="53253" name="Picture 5"/>
           <p:cNvPicPr>
             <a:picLocks noChangeAspect="1" noChangeArrowheads="1"/>
           </p:cNvPicPr>
@@ -15305,8 +16540,8 @@
         </p:blipFill>
         <p:spPr bwMode="auto">
           <a:xfrm>
-            <a:off x="697543" y="1753899"/>
-            <a:ext cx="7812360" cy="2827229"/>
+            <a:off x="280988" y="2209800"/>
+            <a:ext cx="8582025" cy="2438400"/>
           </a:xfrm>
           <a:prstGeom prst="rect">
             <a:avLst/>
@@ -15338,142 +16573,14 @@
       </p:pic>
       <p:sp>
         <p:nvSpPr>
-          <p:cNvPr id="23" name="직사각형 22"/>
-          <p:cNvSpPr/>
-          <p:nvPr/>
-        </p:nvSpPr>
-        <p:spPr bwMode="auto">
-          <a:xfrm>
-            <a:off x="1907704" y="2816080"/>
-            <a:ext cx="1224136" cy="1449306"/>
-          </a:xfrm>
-          <a:prstGeom prst="rect">
-            <a:avLst/>
-          </a:prstGeom>
-          <a:noFill/>
-          <a:ln w="57150" cap="flat" cmpd="sng" algn="ctr">
-            <a:solidFill>
-              <a:srgbClr val="FF3300"/>
-            </a:solidFill>
-            <a:prstDash val="solid"/>
-            <a:round/>
-            <a:headEnd type="none" w="med" len="med"/>
-            <a:tailEnd type="none" w="med" len="med"/>
-          </a:ln>
-          <a:effectLst/>
-          <a:extLst/>
-        </p:spPr>
-        <p:txBody>
-          <a:bodyPr vert="horz" wrap="none" lIns="91440" tIns="45720" rIns="91440" bIns="45720" numCol="1" rtlCol="0" anchor="ctr" anchorCtr="0" compatLnSpc="1">
-            <a:prstTxWarp prst="textNoShape">
-              <a:avLst/>
-            </a:prstTxWarp>
-          </a:bodyPr>
-          <a:lstStyle/>
-          <a:p>
-            <a:pPr marL="0" marR="0" indent="0" algn="l" defTabSz="914400" rtl="0" eaLnBrk="0" fontAlgn="base" latinLnBrk="0" hangingPunct="0">
-              <a:lnSpc>
-                <a:spcPct val="100000"/>
-              </a:lnSpc>
-              <a:spcBef>
-                <a:spcPct val="0"/>
-              </a:spcBef>
-              <a:spcAft>
-                <a:spcPct val="0"/>
-              </a:spcAft>
-              <a:buClrTx/>
-              <a:buSzTx/>
-              <a:buFontTx/>
-              <a:buNone/>
-              <a:tabLst/>
-            </a:pPr>
-            <a:endParaRPr kumimoji="0" lang="ko-KR" altLang="en-US" sz="1800" b="0" i="0" u="none" strike="noStrike" cap="none" normalizeH="0" baseline="0" dirty="0" smtClean="0">
-              <a:ln>
-                <a:noFill/>
-              </a:ln>
-              <a:solidFill>
-                <a:schemeClr val="tx1"/>
-              </a:solidFill>
-              <a:effectLst/>
-              <a:latin typeface="Arial" charset="0"/>
-            </a:endParaRPr>
-          </a:p>
-        </p:txBody>
-      </p:sp>
-      <p:sp>
-        <p:nvSpPr>
-          <p:cNvPr id="24" name="직사각형 23"/>
-          <p:cNvSpPr/>
-          <p:nvPr/>
-        </p:nvSpPr>
-        <p:spPr bwMode="auto">
-          <a:xfrm>
-            <a:off x="6372200" y="2442860"/>
-            <a:ext cx="720080" cy="1097873"/>
-          </a:xfrm>
-          <a:prstGeom prst="rect">
-            <a:avLst/>
-          </a:prstGeom>
-          <a:noFill/>
-          <a:ln w="57150" cap="flat" cmpd="sng" algn="ctr">
-            <a:solidFill>
-              <a:srgbClr val="FF3300"/>
-            </a:solidFill>
-            <a:prstDash val="solid"/>
-            <a:round/>
-            <a:headEnd type="none" w="med" len="med"/>
-            <a:tailEnd type="none" w="med" len="med"/>
-          </a:ln>
-          <a:effectLst/>
-          <a:extLst/>
-        </p:spPr>
-        <p:txBody>
-          <a:bodyPr vert="horz" wrap="none" lIns="91440" tIns="45720" rIns="91440" bIns="45720" numCol="1" rtlCol="0" anchor="ctr" anchorCtr="0" compatLnSpc="1">
-            <a:prstTxWarp prst="textNoShape">
-              <a:avLst/>
-            </a:prstTxWarp>
-          </a:bodyPr>
-          <a:lstStyle/>
-          <a:p>
-            <a:pPr marL="0" marR="0" indent="0" algn="l" defTabSz="914400" rtl="0" eaLnBrk="0" fontAlgn="base" latinLnBrk="0" hangingPunct="0">
-              <a:lnSpc>
-                <a:spcPct val="100000"/>
-              </a:lnSpc>
-              <a:spcBef>
-                <a:spcPct val="0"/>
-              </a:spcBef>
-              <a:spcAft>
-                <a:spcPct val="0"/>
-              </a:spcAft>
-              <a:buClrTx/>
-              <a:buSzTx/>
-              <a:buFontTx/>
-              <a:buNone/>
-              <a:tabLst/>
-            </a:pPr>
-            <a:endParaRPr kumimoji="0" lang="ko-KR" altLang="en-US" sz="1800" b="0" i="0" u="none" strike="noStrike" cap="none" normalizeH="0" baseline="0" dirty="0" smtClean="0">
-              <a:ln>
-                <a:noFill/>
-              </a:ln>
-              <a:solidFill>
-                <a:schemeClr val="tx1"/>
-              </a:solidFill>
-              <a:effectLst/>
-              <a:latin typeface="Arial" charset="0"/>
-            </a:endParaRPr>
-          </a:p>
-        </p:txBody>
-      </p:sp>
-      <p:sp>
-        <p:nvSpPr>
           <p:cNvPr id="22" name="직사각형 21"/>
           <p:cNvSpPr/>
           <p:nvPr/>
         </p:nvSpPr>
         <p:spPr bwMode="auto">
           <a:xfrm>
-            <a:off x="8001024" y="714356"/>
-            <a:ext cx="2928958" cy="2143140"/>
+            <a:off x="6572264" y="1000108"/>
+            <a:ext cx="4500594" cy="2857520"/>
           </a:xfrm>
           <a:prstGeom prst="rect">
             <a:avLst/>
@@ -15528,12 +16635,17 @@
               <a:tabLst/>
             </a:pPr>
             <a:r>
-              <a:rPr lang="ko-KR" altLang="en-US" sz="8800" dirty="0" smtClean="0"/>
-              <a:t>완</a:t>
-            </a:r>
-            <a:r>
-              <a:rPr lang="ko-KR" altLang="en-US" sz="8800" dirty="0" smtClean="0"/>
-              <a:t>료</a:t>
+              <a:rPr kumimoji="0" lang="ko-KR" altLang="en-US" sz="8800" b="0" i="0" u="none" strike="noStrike" cap="none" normalizeH="0" baseline="0" dirty="0" smtClean="0">
+                <a:ln>
+                  <a:noFill/>
+                </a:ln>
+                <a:solidFill>
+                  <a:schemeClr val="tx1"/>
+                </a:solidFill>
+                <a:effectLst/>
+                <a:latin typeface="Arial" charset="0"/>
+              </a:rPr>
+              <a:t>완료</a:t>
             </a:r>
             <a:endParaRPr kumimoji="0" lang="ko-KR" altLang="en-US" sz="8800" b="0" i="0" u="none" strike="noStrike" cap="none" normalizeH="0" baseline="0" dirty="0" smtClean="0">
               <a:ln>
@@ -15550,13 +16662,964 @@
       </p:sp>
     </p:spTree>
     <p:controls>
-      <p:control spid="55298" name="DefaultOcx" r:id="rId2" imgW="257040" imgH="276120"/>
-      <p:control spid="55299" name="HTMLOption1" r:id="rId3" imgW="257040" imgH="276120"/>
-      <p:control spid="55300" name="HTMLOption2" r:id="rId4" imgW="257040" imgH="276120"/>
+      <p:control spid="53250" name="DefaultOcx" r:id="rId2" imgW="257040" imgH="276120"/>
+      <p:control spid="53251" name="HTMLOption1" r:id="rId3" imgW="257040" imgH="276120"/>
+      <p:control spid="53252" name="HTMLOption2" r:id="rId4" imgW="257040" imgH="276120"/>
     </p:controls>
     <p:extLst>
       <p:ext uri="{BB962C8B-B14F-4D97-AF65-F5344CB8AC3E}">
-        <p14:creationId xmlns:p14="http://schemas.microsoft.com/office/powerpoint/2010/main" xmlns="" val="2672065129"/>
+        <p14:creationId xmlns:p14="http://schemas.microsoft.com/office/powerpoint/2010/main" xmlns="" val="4101203699"/>
+      </p:ext>
+    </p:extLst>
+  </p:cSld>
+  <p:clrMapOvr>
+    <a:masterClrMapping/>
+  </p:clrMapOvr>
+  <p:transition spd="med">
+    <p:blinds dir="vert"/>
+  </p:transition>
+</p:sld>
+</file>
+
+<file path=ppt/slides/slide9.xml><?xml version="1.0" encoding="utf-8"?>
+<p:sld xmlns:a="http://schemas.openxmlformats.org/drawingml/2006/main" xmlns:r="http://schemas.openxmlformats.org/officeDocument/2006/relationships" xmlns:p="http://schemas.openxmlformats.org/presentationml/2006/main">
+  <p:cSld>
+    <p:spTree>
+      <p:nvGrpSpPr>
+        <p:cNvPr id="1" name=""/>
+        <p:cNvGrpSpPr/>
+        <p:nvPr/>
+      </p:nvGrpSpPr>
+      <p:grpSpPr>
+        <a:xfrm>
+          <a:off x="0" y="0"/>
+          <a:ext cx="0" cy="0"/>
+          <a:chOff x="0" y="0"/>
+          <a:chExt cx="0" cy="0"/>
+        </a:xfrm>
+      </p:grpSpPr>
+      <p:grpSp>
+        <p:nvGrpSpPr>
+          <p:cNvPr id="16" name="그룹 15"/>
+          <p:cNvGrpSpPr/>
+          <p:nvPr/>
+        </p:nvGrpSpPr>
+        <p:grpSpPr>
+          <a:xfrm>
+            <a:off x="179512" y="692696"/>
+            <a:ext cx="8784976" cy="5912652"/>
+            <a:chOff x="179512" y="692696"/>
+            <a:chExt cx="8784976" cy="5912652"/>
+          </a:xfrm>
+        </p:grpSpPr>
+        <p:sp>
+          <p:nvSpPr>
+            <p:cNvPr id="3" name="직사각형 2"/>
+            <p:cNvSpPr/>
+            <p:nvPr/>
+          </p:nvSpPr>
+          <p:spPr bwMode="auto">
+            <a:xfrm>
+              <a:off x="179512" y="692696"/>
+              <a:ext cx="8784976" cy="432048"/>
+            </a:xfrm>
+            <a:prstGeom prst="rect">
+              <a:avLst/>
+            </a:prstGeom>
+            <a:noFill/>
+            <a:ln w="9525" cap="flat" cmpd="sng" algn="ctr">
+              <a:solidFill>
+                <a:schemeClr val="tx1"/>
+              </a:solidFill>
+              <a:prstDash val="solid"/>
+              <a:round/>
+              <a:headEnd type="none" w="med" len="med"/>
+              <a:tailEnd type="none" w="med" len="med"/>
+            </a:ln>
+            <a:effectLst/>
+            <a:extLst/>
+          </p:spPr>
+          <p:txBody>
+            <a:bodyPr vert="horz" wrap="none" lIns="91440" tIns="45720" rIns="91440" bIns="45720" numCol="1" rtlCol="0" anchor="ctr" anchorCtr="0" compatLnSpc="1">
+              <a:prstTxWarp prst="textNoShape">
+                <a:avLst/>
+              </a:prstTxWarp>
+            </a:bodyPr>
+            <a:lstStyle/>
+            <a:p>
+              <a:pPr marL="0" marR="0" indent="0" algn="l" defTabSz="914400" rtl="0" eaLnBrk="0" fontAlgn="base" latinLnBrk="0" hangingPunct="0">
+                <a:lnSpc>
+                  <a:spcPct val="100000"/>
+                </a:lnSpc>
+                <a:spcBef>
+                  <a:spcPct val="0"/>
+                </a:spcBef>
+                <a:spcAft>
+                  <a:spcPct val="0"/>
+                </a:spcAft>
+                <a:buClrTx/>
+                <a:buSzTx/>
+                <a:buFontTx/>
+                <a:buNone/>
+                <a:tabLst/>
+              </a:pPr>
+              <a:endParaRPr kumimoji="0" lang="ko-KR" altLang="en-US" sz="1800" b="0" i="0" u="none" strike="noStrike" cap="none" normalizeH="0" baseline="0" smtClean="0">
+                <a:ln>
+                  <a:noFill/>
+                </a:ln>
+                <a:solidFill>
+                  <a:schemeClr val="tx1"/>
+                </a:solidFill>
+                <a:effectLst/>
+                <a:latin typeface="Arial" charset="0"/>
+              </a:endParaRPr>
+            </a:p>
+          </p:txBody>
+        </p:sp>
+        <p:sp>
+          <p:nvSpPr>
+            <p:cNvPr id="5" name="직사각형 4"/>
+            <p:cNvSpPr/>
+            <p:nvPr/>
+          </p:nvSpPr>
+          <p:spPr bwMode="auto">
+            <a:xfrm>
+              <a:off x="179512" y="1124744"/>
+              <a:ext cx="8784976" cy="4608512"/>
+            </a:xfrm>
+            <a:prstGeom prst="rect">
+              <a:avLst/>
+            </a:prstGeom>
+            <a:noFill/>
+            <a:ln w="9525" cap="flat" cmpd="sng" algn="ctr">
+              <a:solidFill>
+                <a:schemeClr val="tx1"/>
+              </a:solidFill>
+              <a:prstDash val="solid"/>
+              <a:round/>
+              <a:headEnd type="none" w="med" len="med"/>
+              <a:tailEnd type="none" w="med" len="med"/>
+            </a:ln>
+            <a:effectLst/>
+            <a:extLst/>
+          </p:spPr>
+          <p:txBody>
+            <a:bodyPr vert="horz" wrap="none" lIns="91440" tIns="45720" rIns="91440" bIns="45720" numCol="1" rtlCol="0" anchor="ctr" anchorCtr="0" compatLnSpc="1">
+              <a:prstTxWarp prst="textNoShape">
+                <a:avLst/>
+              </a:prstTxWarp>
+            </a:bodyPr>
+            <a:lstStyle/>
+            <a:p>
+              <a:pPr marL="0" marR="0" indent="0" algn="l" defTabSz="914400" rtl="0" eaLnBrk="0" fontAlgn="base" latinLnBrk="0" hangingPunct="0">
+                <a:lnSpc>
+                  <a:spcPct val="100000"/>
+                </a:lnSpc>
+                <a:spcBef>
+                  <a:spcPct val="0"/>
+                </a:spcBef>
+                <a:spcAft>
+                  <a:spcPct val="0"/>
+                </a:spcAft>
+                <a:buClrTx/>
+                <a:buSzTx/>
+                <a:buFontTx/>
+                <a:buNone/>
+                <a:tabLst/>
+              </a:pPr>
+              <a:endParaRPr kumimoji="0" lang="ko-KR" altLang="en-US" sz="1800" b="0" i="0" u="none" strike="noStrike" cap="none" normalizeH="0" baseline="0" smtClean="0">
+                <a:ln>
+                  <a:noFill/>
+                </a:ln>
+                <a:solidFill>
+                  <a:schemeClr val="tx1"/>
+                </a:solidFill>
+                <a:effectLst/>
+                <a:latin typeface="Arial" charset="0"/>
+              </a:endParaRPr>
+            </a:p>
+          </p:txBody>
+        </p:sp>
+        <p:sp>
+          <p:nvSpPr>
+            <p:cNvPr id="6" name="직사각형 5"/>
+            <p:cNvSpPr/>
+            <p:nvPr/>
+          </p:nvSpPr>
+          <p:spPr bwMode="auto">
+            <a:xfrm>
+              <a:off x="179512" y="5749636"/>
+              <a:ext cx="8784976" cy="855712"/>
+            </a:xfrm>
+            <a:prstGeom prst="rect">
+              <a:avLst/>
+            </a:prstGeom>
+            <a:noFill/>
+            <a:ln w="9525" cap="flat" cmpd="sng" algn="ctr">
+              <a:solidFill>
+                <a:schemeClr val="tx1"/>
+              </a:solidFill>
+              <a:prstDash val="solid"/>
+              <a:round/>
+              <a:headEnd type="none" w="med" len="med"/>
+              <a:tailEnd type="none" w="med" len="med"/>
+            </a:ln>
+            <a:effectLst/>
+            <a:extLst/>
+          </p:spPr>
+          <p:txBody>
+            <a:bodyPr vert="horz" wrap="none" lIns="91440" tIns="45720" rIns="91440" bIns="45720" numCol="1" rtlCol="0" anchor="ctr" anchorCtr="0" compatLnSpc="1">
+              <a:prstTxWarp prst="textNoShape">
+                <a:avLst/>
+              </a:prstTxWarp>
+            </a:bodyPr>
+            <a:lstStyle/>
+            <a:p>
+              <a:pPr marL="0" marR="0" indent="0" algn="l" defTabSz="914400" rtl="0" eaLnBrk="0" fontAlgn="base" latinLnBrk="0" hangingPunct="0">
+                <a:lnSpc>
+                  <a:spcPct val="100000"/>
+                </a:lnSpc>
+                <a:spcBef>
+                  <a:spcPct val="0"/>
+                </a:spcBef>
+                <a:spcAft>
+                  <a:spcPct val="0"/>
+                </a:spcAft>
+                <a:buClrTx/>
+                <a:buSzTx/>
+                <a:buFontTx/>
+                <a:buNone/>
+                <a:tabLst/>
+              </a:pPr>
+              <a:endParaRPr kumimoji="0" lang="ko-KR" altLang="en-US" sz="1800" b="0" i="0" u="none" strike="noStrike" cap="none" normalizeH="0" baseline="0" smtClean="0">
+                <a:ln>
+                  <a:noFill/>
+                </a:ln>
+                <a:solidFill>
+                  <a:schemeClr val="tx1"/>
+                </a:solidFill>
+                <a:effectLst/>
+                <a:latin typeface="Arial" charset="0"/>
+              </a:endParaRPr>
+            </a:p>
+          </p:txBody>
+        </p:sp>
+        <p:cxnSp>
+          <p:nvCxnSpPr>
+            <p:cNvPr id="7" name="직선 연결선 6"/>
+            <p:cNvCxnSpPr/>
+            <p:nvPr/>
+          </p:nvCxnSpPr>
+          <p:spPr bwMode="auto">
+            <a:xfrm>
+              <a:off x="1331640" y="5749636"/>
+              <a:ext cx="0" cy="855712"/>
+            </a:xfrm>
+            <a:prstGeom prst="line">
+              <a:avLst/>
+            </a:prstGeom>
+            <a:solidFill>
+              <a:schemeClr val="accent1"/>
+            </a:solidFill>
+            <a:ln w="9525" cap="flat" cmpd="sng" algn="ctr">
+              <a:solidFill>
+                <a:schemeClr val="tx1"/>
+              </a:solidFill>
+              <a:prstDash val="solid"/>
+              <a:round/>
+              <a:headEnd type="none" w="med" len="med"/>
+              <a:tailEnd type="none" w="med" len="med"/>
+            </a:ln>
+            <a:effectLst/>
+            <a:extLst>
+              <a:ext uri="{AF507438-7753-43E0-B8FC-AC1667EBCBE1}">
+                <a14:hiddenEffects xmlns:a14="http://schemas.microsoft.com/office/drawing/2010/main" xmlns="">
+                  <a:effectLst>
+                    <a:outerShdw dist="35921" dir="2700000" algn="ctr" rotWithShape="0">
+                      <a:schemeClr val="bg2"/>
+                    </a:outerShdw>
+                  </a:effectLst>
+                </a14:hiddenEffects>
+              </a:ext>
+            </a:extLst>
+          </p:spPr>
+        </p:cxnSp>
+        <p:cxnSp>
+          <p:nvCxnSpPr>
+            <p:cNvPr id="9" name="직선 연결선 8"/>
+            <p:cNvCxnSpPr/>
+            <p:nvPr/>
+          </p:nvCxnSpPr>
+          <p:spPr bwMode="auto">
+            <a:xfrm>
+              <a:off x="1331640" y="692696"/>
+              <a:ext cx="0" cy="432048"/>
+            </a:xfrm>
+            <a:prstGeom prst="line">
+              <a:avLst/>
+            </a:prstGeom>
+            <a:solidFill>
+              <a:schemeClr val="accent1"/>
+            </a:solidFill>
+            <a:ln w="9525" cap="flat" cmpd="sng" algn="ctr">
+              <a:solidFill>
+                <a:schemeClr val="tx1"/>
+              </a:solidFill>
+              <a:prstDash val="solid"/>
+              <a:round/>
+              <a:headEnd type="none" w="med" len="med"/>
+              <a:tailEnd type="none" w="med" len="med"/>
+            </a:ln>
+            <a:effectLst/>
+            <a:extLst>
+              <a:ext uri="{AF507438-7753-43E0-B8FC-AC1667EBCBE1}">
+                <a14:hiddenEffects xmlns:a14="http://schemas.microsoft.com/office/drawing/2010/main" xmlns="">
+                  <a:effectLst>
+                    <a:outerShdw dist="35921" dir="2700000" algn="ctr" rotWithShape="0">
+                      <a:schemeClr val="bg2"/>
+                    </a:outerShdw>
+                  </a:effectLst>
+                </a14:hiddenEffects>
+              </a:ext>
+            </a:extLst>
+          </p:spPr>
+        </p:cxnSp>
+        <p:cxnSp>
+          <p:nvCxnSpPr>
+            <p:cNvPr id="11" name="직선 연결선 10"/>
+            <p:cNvCxnSpPr/>
+            <p:nvPr/>
+          </p:nvCxnSpPr>
+          <p:spPr bwMode="auto">
+            <a:xfrm>
+              <a:off x="3419872" y="692696"/>
+              <a:ext cx="0" cy="432048"/>
+            </a:xfrm>
+            <a:prstGeom prst="line">
+              <a:avLst/>
+            </a:prstGeom>
+            <a:solidFill>
+              <a:schemeClr val="accent1"/>
+            </a:solidFill>
+            <a:ln w="9525" cap="flat" cmpd="sng" algn="ctr">
+              <a:solidFill>
+                <a:schemeClr val="tx1"/>
+              </a:solidFill>
+              <a:prstDash val="solid"/>
+              <a:round/>
+              <a:headEnd type="none" w="med" len="med"/>
+              <a:tailEnd type="none" w="med" len="med"/>
+            </a:ln>
+            <a:effectLst/>
+            <a:extLst>
+              <a:ext uri="{AF507438-7753-43E0-B8FC-AC1667EBCBE1}">
+                <a14:hiddenEffects xmlns:a14="http://schemas.microsoft.com/office/drawing/2010/main" xmlns="">
+                  <a:effectLst>
+                    <a:outerShdw dist="35921" dir="2700000" algn="ctr" rotWithShape="0">
+                      <a:schemeClr val="bg2"/>
+                    </a:outerShdw>
+                  </a:effectLst>
+                </a14:hiddenEffects>
+              </a:ext>
+            </a:extLst>
+          </p:spPr>
+        </p:cxnSp>
+        <p:cxnSp>
+          <p:nvCxnSpPr>
+            <p:cNvPr id="13" name="직선 연결선 12"/>
+            <p:cNvCxnSpPr>
+              <a:stCxn id="3" idx="0"/>
+              <a:endCxn id="3" idx="2"/>
+            </p:cNvCxnSpPr>
+            <p:nvPr/>
+          </p:nvCxnSpPr>
+          <p:spPr bwMode="auto">
+            <a:xfrm>
+              <a:off x="4572000" y="692696"/>
+              <a:ext cx="0" cy="432048"/>
+            </a:xfrm>
+            <a:prstGeom prst="line">
+              <a:avLst/>
+            </a:prstGeom>
+            <a:solidFill>
+              <a:schemeClr val="accent1"/>
+            </a:solidFill>
+            <a:ln w="9525" cap="flat" cmpd="sng" algn="ctr">
+              <a:solidFill>
+                <a:schemeClr val="tx1"/>
+              </a:solidFill>
+              <a:prstDash val="solid"/>
+              <a:round/>
+              <a:headEnd type="none" w="med" len="med"/>
+              <a:tailEnd type="none" w="med" len="med"/>
+            </a:ln>
+            <a:effectLst/>
+            <a:extLst>
+              <a:ext uri="{AF507438-7753-43E0-B8FC-AC1667EBCBE1}">
+                <a14:hiddenEffects xmlns:a14="http://schemas.microsoft.com/office/drawing/2010/main" xmlns="">
+                  <a:effectLst>
+                    <a:outerShdw dist="35921" dir="2700000" algn="ctr" rotWithShape="0">
+                      <a:schemeClr val="bg2"/>
+                    </a:outerShdw>
+                  </a:effectLst>
+                </a14:hiddenEffects>
+              </a:ext>
+            </a:extLst>
+          </p:spPr>
+        </p:cxnSp>
+      </p:grpSp>
+      <p:sp>
+        <p:nvSpPr>
+          <p:cNvPr id="15" name="TextBox 14"/>
+          <p:cNvSpPr txBox="1"/>
+          <p:nvPr/>
+        </p:nvSpPr>
+        <p:spPr>
+          <a:xfrm>
+            <a:off x="223644" y="763586"/>
+            <a:ext cx="1027845" cy="307777"/>
+          </a:xfrm>
+          <a:prstGeom prst="rect">
+            <a:avLst/>
+          </a:prstGeom>
+          <a:noFill/>
+        </p:spPr>
+        <p:txBody>
+          <a:bodyPr wrap="none" rtlCol="0">
+            <a:spAutoFit/>
+          </a:bodyPr>
+          <a:lstStyle/>
+          <a:p>
+            <a:r>
+              <a:rPr lang="ko-KR" altLang="en-US" sz="1400" b="1" dirty="0" smtClean="0">
+                <a:latin typeface="맑은 고딕" panose="020B0503020000020004" pitchFamily="50" charset="-127"/>
+                <a:ea typeface="맑은 고딕" panose="020B0503020000020004" pitchFamily="50" charset="-127"/>
+              </a:rPr>
+              <a:t>요청 일자</a:t>
+            </a:r>
+            <a:r>
+              <a:rPr lang="en-US" altLang="ko-KR" sz="1400" b="1" dirty="0" smtClean="0">
+                <a:latin typeface="맑은 고딕" panose="020B0503020000020004" pitchFamily="50" charset="-127"/>
+                <a:ea typeface="맑은 고딕" panose="020B0503020000020004" pitchFamily="50" charset="-127"/>
+              </a:rPr>
+              <a:t> </a:t>
+            </a:r>
+            <a:endParaRPr lang="ko-KR" altLang="en-US" sz="1400" b="1" dirty="0">
+              <a:latin typeface="맑은 고딕" panose="020B0503020000020004" pitchFamily="50" charset="-127"/>
+              <a:ea typeface="맑은 고딕" panose="020B0503020000020004" pitchFamily="50" charset="-127"/>
+            </a:endParaRPr>
+          </a:p>
+        </p:txBody>
+      </p:sp>
+      <p:sp>
+        <p:nvSpPr>
+          <p:cNvPr id="17" name="TextBox 16"/>
+          <p:cNvSpPr txBox="1"/>
+          <p:nvPr/>
+        </p:nvSpPr>
+        <p:spPr>
+          <a:xfrm>
+            <a:off x="1450377" y="763586"/>
+            <a:ext cx="1969495" cy="307777"/>
+          </a:xfrm>
+          <a:prstGeom prst="rect">
+            <a:avLst/>
+          </a:prstGeom>
+          <a:noFill/>
+        </p:spPr>
+        <p:txBody>
+          <a:bodyPr wrap="square" rtlCol="0">
+            <a:spAutoFit/>
+          </a:bodyPr>
+          <a:lstStyle/>
+          <a:p>
+            <a:r>
+              <a:rPr lang="en-US" altLang="ko-KR" sz="1400" b="1" dirty="0" smtClean="0">
+                <a:latin typeface="맑은 고딕" panose="020B0503020000020004" pitchFamily="50" charset="-127"/>
+                <a:ea typeface="맑은 고딕" panose="020B0503020000020004" pitchFamily="50" charset="-127"/>
+              </a:rPr>
+              <a:t>2016 – 12 - 15</a:t>
+            </a:r>
+            <a:endParaRPr lang="ko-KR" altLang="en-US" sz="1400" b="1" dirty="0">
+              <a:latin typeface="맑은 고딕" panose="020B0503020000020004" pitchFamily="50" charset="-127"/>
+              <a:ea typeface="맑은 고딕" panose="020B0503020000020004" pitchFamily="50" charset="-127"/>
+            </a:endParaRPr>
+          </a:p>
+        </p:txBody>
+      </p:sp>
+      <p:sp>
+        <p:nvSpPr>
+          <p:cNvPr id="18" name="TextBox 17"/>
+          <p:cNvSpPr txBox="1"/>
+          <p:nvPr/>
+        </p:nvSpPr>
+        <p:spPr>
+          <a:xfrm>
+            <a:off x="3491880" y="744959"/>
+            <a:ext cx="965329" cy="307777"/>
+          </a:xfrm>
+          <a:prstGeom prst="rect">
+            <a:avLst/>
+          </a:prstGeom>
+          <a:noFill/>
+        </p:spPr>
+        <p:txBody>
+          <a:bodyPr wrap="none" rtlCol="0">
+            <a:spAutoFit/>
+          </a:bodyPr>
+          <a:lstStyle/>
+          <a:p>
+            <a:r>
+              <a:rPr lang="ko-KR" altLang="en-US" sz="1400" b="1" dirty="0" smtClean="0">
+                <a:latin typeface="맑은 고딕" panose="020B0503020000020004" pitchFamily="50" charset="-127"/>
+                <a:ea typeface="맑은 고딕" panose="020B0503020000020004" pitchFamily="50" charset="-127"/>
+              </a:rPr>
+              <a:t>요청 구분</a:t>
+            </a:r>
+            <a:endParaRPr lang="ko-KR" altLang="en-US" sz="1400" b="1" dirty="0">
+              <a:latin typeface="맑은 고딕" panose="020B0503020000020004" pitchFamily="50" charset="-127"/>
+              <a:ea typeface="맑은 고딕" panose="020B0503020000020004" pitchFamily="50" charset="-127"/>
+            </a:endParaRPr>
+          </a:p>
+        </p:txBody>
+      </p:sp>
+      <p:sp>
+        <p:nvSpPr>
+          <p:cNvPr id="19" name="TextBox 18"/>
+          <p:cNvSpPr txBox="1"/>
+          <p:nvPr/>
+        </p:nvSpPr>
+        <p:spPr>
+          <a:xfrm>
+            <a:off x="4572001" y="744959"/>
+            <a:ext cx="4248472" cy="307777"/>
+          </a:xfrm>
+          <a:prstGeom prst="rect">
+            <a:avLst/>
+          </a:prstGeom>
+          <a:noFill/>
+        </p:spPr>
+        <p:txBody>
+          <a:bodyPr wrap="square" rtlCol="0">
+            <a:spAutoFit/>
+          </a:bodyPr>
+          <a:lstStyle/>
+          <a:p>
+            <a:r>
+              <a:rPr lang="ko-KR" altLang="en-US" sz="1400" b="1" smtClean="0">
+                <a:latin typeface="맑은 고딕" panose="020B0503020000020004" pitchFamily="50" charset="-127"/>
+                <a:ea typeface="맑은 고딕" panose="020B0503020000020004" pitchFamily="50" charset="-127"/>
+              </a:rPr>
+              <a:t>화면</a:t>
+            </a:r>
+            <a:endParaRPr lang="ko-KR" altLang="en-US" sz="1400" b="1" dirty="0">
+              <a:latin typeface="맑은 고딕" panose="020B0503020000020004" pitchFamily="50" charset="-127"/>
+              <a:ea typeface="맑은 고딕" panose="020B0503020000020004" pitchFamily="50" charset="-127"/>
+            </a:endParaRPr>
+          </a:p>
+        </p:txBody>
+      </p:sp>
+      <p:sp>
+        <p:nvSpPr>
+          <p:cNvPr id="20" name="TextBox 19"/>
+          <p:cNvSpPr txBox="1"/>
+          <p:nvPr/>
+        </p:nvSpPr>
+        <p:spPr>
+          <a:xfrm>
+            <a:off x="223644" y="5912986"/>
+            <a:ext cx="1172116" cy="523220"/>
+          </a:xfrm>
+          <a:prstGeom prst="rect">
+            <a:avLst/>
+          </a:prstGeom>
+          <a:noFill/>
+        </p:spPr>
+        <p:txBody>
+          <a:bodyPr wrap="none" rtlCol="0">
+            <a:spAutoFit/>
+          </a:bodyPr>
+          <a:lstStyle/>
+          <a:p>
+            <a:r>
+              <a:rPr lang="ko-KR" altLang="en-US" sz="1400" b="1" dirty="0" smtClean="0">
+                <a:latin typeface="맑은 고딕" panose="020B0503020000020004" pitchFamily="50" charset="-127"/>
+                <a:ea typeface="맑은 고딕" panose="020B0503020000020004" pitchFamily="50" charset="-127"/>
+              </a:rPr>
+              <a:t>요청 내용</a:t>
+            </a:r>
+            <a:endParaRPr lang="en-US" altLang="ko-KR" sz="1400" b="1" dirty="0">
+              <a:latin typeface="맑은 고딕" panose="020B0503020000020004" pitchFamily="50" charset="-127"/>
+              <a:ea typeface="맑은 고딕" panose="020B0503020000020004" pitchFamily="50" charset="-127"/>
+            </a:endParaRPr>
+          </a:p>
+          <a:p>
+            <a:r>
+              <a:rPr lang="en-US" altLang="ko-KR" sz="1400" b="1" dirty="0" smtClean="0">
+                <a:latin typeface="맑은 고딕" panose="020B0503020000020004" pitchFamily="50" charset="-127"/>
+                <a:ea typeface="맑은 고딕" panose="020B0503020000020004" pitchFamily="50" charset="-127"/>
+              </a:rPr>
+              <a:t>[</a:t>
+            </a:r>
+            <a:r>
+              <a:rPr lang="ko-KR" altLang="en-US" sz="1400" b="1" dirty="0" smtClean="0">
+                <a:latin typeface="맑은 고딕" panose="020B0503020000020004" pitchFamily="50" charset="-127"/>
+                <a:ea typeface="맑은 고딕" panose="020B0503020000020004" pitchFamily="50" charset="-127"/>
+              </a:rPr>
+              <a:t>변경</a:t>
+            </a:r>
+            <a:r>
+              <a:rPr lang="en-US" altLang="ko-KR" sz="1400" b="1" dirty="0" smtClean="0">
+                <a:latin typeface="맑은 고딕" panose="020B0503020000020004" pitchFamily="50" charset="-127"/>
+                <a:ea typeface="맑은 고딕" panose="020B0503020000020004" pitchFamily="50" charset="-127"/>
+              </a:rPr>
+              <a:t>/</a:t>
+            </a:r>
+            <a:r>
+              <a:rPr lang="ko-KR" altLang="en-US" sz="1400" b="1" dirty="0" smtClean="0">
+                <a:latin typeface="맑은 고딕" panose="020B0503020000020004" pitchFamily="50" charset="-127"/>
+                <a:ea typeface="맑은 고딕" panose="020B0503020000020004" pitchFamily="50" charset="-127"/>
+              </a:rPr>
+              <a:t>신규</a:t>
+            </a:r>
+            <a:r>
+              <a:rPr lang="en-US" altLang="ko-KR" sz="1400" b="1" dirty="0" smtClean="0">
+                <a:latin typeface="맑은 고딕" panose="020B0503020000020004" pitchFamily="50" charset="-127"/>
+                <a:ea typeface="맑은 고딕" panose="020B0503020000020004" pitchFamily="50" charset="-127"/>
+              </a:rPr>
+              <a:t>] </a:t>
+            </a:r>
+            <a:endParaRPr lang="ko-KR" altLang="en-US" sz="1400" b="1" dirty="0">
+              <a:latin typeface="맑은 고딕" panose="020B0503020000020004" pitchFamily="50" charset="-127"/>
+              <a:ea typeface="맑은 고딕" panose="020B0503020000020004" pitchFamily="50" charset="-127"/>
+            </a:endParaRPr>
+          </a:p>
+        </p:txBody>
+      </p:sp>
+      <p:sp>
+        <p:nvSpPr>
+          <p:cNvPr id="21" name="TextBox 20"/>
+          <p:cNvSpPr txBox="1"/>
+          <p:nvPr/>
+        </p:nvSpPr>
+        <p:spPr>
+          <a:xfrm>
+            <a:off x="1357505" y="5805264"/>
+            <a:ext cx="7606983" cy="307777"/>
+          </a:xfrm>
+          <a:prstGeom prst="rect">
+            <a:avLst/>
+          </a:prstGeom>
+          <a:noFill/>
+        </p:spPr>
+        <p:txBody>
+          <a:bodyPr wrap="square" rtlCol="0">
+            <a:spAutoFit/>
+          </a:bodyPr>
+          <a:lstStyle/>
+          <a:p>
+            <a:r>
+              <a:rPr lang="ko-KR" altLang="en-US" sz="1400" b="1" dirty="0">
+                <a:latin typeface="맑은 고딕" panose="020B0503020000020004" pitchFamily="50" charset="-127"/>
+                <a:ea typeface="맑은 고딕" panose="020B0503020000020004" pitchFamily="50" charset="-127"/>
+              </a:rPr>
+              <a:t>회계일자</a:t>
+            </a:r>
+            <a:r>
+              <a:rPr lang="en-US" altLang="ko-KR" sz="1400" b="1" dirty="0">
+                <a:latin typeface="맑은 고딕" panose="020B0503020000020004" pitchFamily="50" charset="-127"/>
+                <a:ea typeface="맑은 고딕" panose="020B0503020000020004" pitchFamily="50" charset="-127"/>
+              </a:rPr>
+              <a:t>, </a:t>
+            </a:r>
+            <a:r>
+              <a:rPr lang="ko-KR" altLang="en-US" sz="1400" b="1" dirty="0" smtClean="0">
+                <a:latin typeface="맑은 고딕" panose="020B0503020000020004" pitchFamily="50" charset="-127"/>
+                <a:ea typeface="맑은 고딕" panose="020B0503020000020004" pitchFamily="50" charset="-127"/>
+              </a:rPr>
+              <a:t>입고수량 </a:t>
+            </a:r>
+            <a:r>
+              <a:rPr lang="en-US" altLang="ko-KR" sz="1400" b="1" dirty="0" smtClean="0">
+                <a:latin typeface="맑은 고딕" panose="020B0503020000020004" pitchFamily="50" charset="-127"/>
+                <a:ea typeface="맑은 고딕" panose="020B0503020000020004" pitchFamily="50" charset="-127"/>
+                <a:sym typeface="Wingdings" panose="05000000000000000000" pitchFamily="2" charset="2"/>
+              </a:rPr>
+              <a:t> edit </a:t>
+            </a:r>
+            <a:r>
+              <a:rPr lang="ko-KR" altLang="en-US" sz="1400" b="1" dirty="0">
+                <a:latin typeface="맑은 고딕" panose="020B0503020000020004" pitchFamily="50" charset="-127"/>
+                <a:ea typeface="맑은 고딕" panose="020B0503020000020004" pitchFamily="50" charset="-127"/>
+                <a:sym typeface="Wingdings" panose="05000000000000000000" pitchFamily="2" charset="2"/>
+              </a:rPr>
+              <a:t>가능하게</a:t>
+            </a:r>
+            <a:r>
+              <a:rPr lang="ko-KR" altLang="en-US" sz="1400" b="1" dirty="0" smtClean="0">
+                <a:latin typeface="맑은 고딕" panose="020B0503020000020004" pitchFamily="50" charset="-127"/>
+                <a:ea typeface="맑은 고딕" panose="020B0503020000020004" pitchFamily="50" charset="-127"/>
+              </a:rPr>
+              <a:t> </a:t>
+            </a:r>
+            <a:endParaRPr lang="en-US" altLang="ko-KR" sz="1400" b="1" dirty="0" smtClean="0">
+              <a:latin typeface="맑은 고딕" panose="020B0503020000020004" pitchFamily="50" charset="-127"/>
+              <a:ea typeface="맑은 고딕" panose="020B0503020000020004" pitchFamily="50" charset="-127"/>
+            </a:endParaRPr>
+          </a:p>
+        </p:txBody>
+      </p:sp>
+      <p:sp>
+        <p:nvSpPr>
+          <p:cNvPr id="2" name="직사각형 1"/>
+          <p:cNvSpPr/>
+          <p:nvPr/>
+        </p:nvSpPr>
+        <p:spPr>
+          <a:xfrm>
+            <a:off x="3491880" y="1146907"/>
+            <a:ext cx="2223686" cy="369332"/>
+          </a:xfrm>
+          <a:prstGeom prst="rect">
+            <a:avLst/>
+          </a:prstGeom>
+        </p:spPr>
+        <p:txBody>
+          <a:bodyPr wrap="none">
+            <a:spAutoFit/>
+          </a:bodyPr>
+          <a:lstStyle/>
+          <a:p>
+            <a:r>
+              <a:rPr lang="en-US" altLang="ko-KR" dirty="0" smtClean="0"/>
+              <a:t>/</a:t>
+            </a:r>
+            <a:r>
+              <a:rPr lang="en-US" altLang="ko-KR" dirty="0">
+                <a:hlinkClick r:id="rId6"/>
+              </a:rPr>
+              <a:t>e_mat_mng_5.html</a:t>
+            </a:r>
+            <a:endParaRPr lang="ko-KR" altLang="en-US" dirty="0"/>
+          </a:p>
+        </p:txBody>
+      </p:sp>
+      <p:pic>
+        <p:nvPicPr>
+          <p:cNvPr id="54277" name="Picture 5"/>
+          <p:cNvPicPr>
+            <a:picLocks noChangeAspect="1" noChangeArrowheads="1"/>
+          </p:cNvPicPr>
+          <p:nvPr/>
+        </p:nvPicPr>
+        <p:blipFill>
+          <a:blip r:embed="rId7" cstate="print">
+            <a:extLst>
+              <a:ext uri="{28A0092B-C50C-407E-A947-70E740481C1C}">
+                <a14:useLocalDpi xmlns:a14="http://schemas.microsoft.com/office/drawing/2010/main" xmlns="" val="0"/>
+              </a:ext>
+            </a:extLst>
+          </a:blip>
+          <a:srcRect/>
+          <a:stretch>
+            <a:fillRect/>
+          </a:stretch>
+        </p:blipFill>
+        <p:spPr bwMode="auto">
+          <a:xfrm>
+            <a:off x="1026143" y="1700807"/>
+            <a:ext cx="7155160" cy="3923861"/>
+          </a:xfrm>
+          <a:prstGeom prst="rect">
+            <a:avLst/>
+          </a:prstGeom>
+          <a:noFill/>
+          <a:ln>
+            <a:noFill/>
+          </a:ln>
+          <a:extLst>
+            <a:ext uri="{909E8E84-426E-40DD-AFC4-6F175D3DCCD1}">
+              <a14:hiddenFill xmlns:a14="http://schemas.microsoft.com/office/drawing/2010/main" xmlns="">
+                <a:solidFill>
+                  <a:schemeClr val="accent1"/>
+                </a:solidFill>
+              </a14:hiddenFill>
+            </a:ext>
+            <a:ext uri="{91240B29-F687-4F45-9708-019B960494DF}">
+              <a14:hiddenLine xmlns:a14="http://schemas.microsoft.com/office/drawing/2010/main" xmlns="" w="9525">
+                <a:solidFill>
+                  <a:schemeClr val="tx1"/>
+                </a:solidFill>
+                <a:miter lim="800000"/>
+                <a:headEnd/>
+                <a:tailEnd/>
+              </a14:hiddenLine>
+            </a:ext>
+          </a:extLst>
+        </p:spPr>
+      </p:pic>
+      <p:sp>
+        <p:nvSpPr>
+          <p:cNvPr id="22" name="직사각형 21"/>
+          <p:cNvSpPr/>
+          <p:nvPr/>
+        </p:nvSpPr>
+        <p:spPr bwMode="auto">
+          <a:xfrm>
+            <a:off x="5796137" y="3482716"/>
+            <a:ext cx="864096" cy="1170419"/>
+          </a:xfrm>
+          <a:prstGeom prst="rect">
+            <a:avLst/>
+          </a:prstGeom>
+          <a:noFill/>
+          <a:ln w="57150" cap="flat" cmpd="sng" algn="ctr">
+            <a:solidFill>
+              <a:srgbClr val="FF3300"/>
+            </a:solidFill>
+            <a:prstDash val="solid"/>
+            <a:round/>
+            <a:headEnd type="none" w="med" len="med"/>
+            <a:tailEnd type="none" w="med" len="med"/>
+          </a:ln>
+          <a:effectLst/>
+          <a:extLst/>
+        </p:spPr>
+        <p:txBody>
+          <a:bodyPr vert="horz" wrap="none" lIns="91440" tIns="45720" rIns="91440" bIns="45720" numCol="1" rtlCol="0" anchor="ctr" anchorCtr="0" compatLnSpc="1">
+            <a:prstTxWarp prst="textNoShape">
+              <a:avLst/>
+            </a:prstTxWarp>
+          </a:bodyPr>
+          <a:lstStyle/>
+          <a:p>
+            <a:pPr marL="0" marR="0" indent="0" algn="l" defTabSz="914400" rtl="0" eaLnBrk="0" fontAlgn="base" latinLnBrk="0" hangingPunct="0">
+              <a:lnSpc>
+                <a:spcPct val="100000"/>
+              </a:lnSpc>
+              <a:spcBef>
+                <a:spcPct val="0"/>
+              </a:spcBef>
+              <a:spcAft>
+                <a:spcPct val="0"/>
+              </a:spcAft>
+              <a:buClrTx/>
+              <a:buSzTx/>
+              <a:buFontTx/>
+              <a:buNone/>
+              <a:tabLst/>
+            </a:pPr>
+            <a:endParaRPr kumimoji="0" lang="ko-KR" altLang="en-US" sz="1800" b="0" i="0" u="none" strike="noStrike" cap="none" normalizeH="0" baseline="0" dirty="0" smtClean="0">
+              <a:ln>
+                <a:noFill/>
+              </a:ln>
+              <a:solidFill>
+                <a:schemeClr val="tx1"/>
+              </a:solidFill>
+              <a:effectLst/>
+              <a:latin typeface="Arial" charset="0"/>
+            </a:endParaRPr>
+          </a:p>
+        </p:txBody>
+      </p:sp>
+      <p:sp>
+        <p:nvSpPr>
+          <p:cNvPr id="23" name="직사각형 22"/>
+          <p:cNvSpPr/>
+          <p:nvPr/>
+        </p:nvSpPr>
+        <p:spPr bwMode="auto">
+          <a:xfrm>
+            <a:off x="6572264" y="1071546"/>
+            <a:ext cx="4500594" cy="2857520"/>
+          </a:xfrm>
+          <a:prstGeom prst="rect">
+            <a:avLst/>
+          </a:prstGeom>
+          <a:solidFill>
+            <a:schemeClr val="accent1"/>
+          </a:solidFill>
+          <a:ln w="9525" cap="flat" cmpd="sng" algn="ctr">
+            <a:solidFill>
+              <a:schemeClr val="tx1"/>
+            </a:solidFill>
+            <a:prstDash val="solid"/>
+            <a:round/>
+            <a:headEnd type="none" w="med" len="med"/>
+            <a:tailEnd type="none" w="med" len="med"/>
+          </a:ln>
+          <a:effectLst/>
+          <a:extLst>
+            <a:ext uri="{AF507438-7753-43E0-B8FC-AC1667EBCBE1}">
+              <a14:hiddenEffects xmlns:a14="http://schemas.microsoft.com/office/drawing/2010/main" xmlns="">
+                <a:effectLst>
+                  <a:outerShdw dist="35921" dir="2700000" algn="ctr" rotWithShape="0">
+                    <a:schemeClr val="bg2"/>
+                  </a:outerShdw>
+                </a:effectLst>
+              </a14:hiddenEffects>
+            </a:ext>
+          </a:extLst>
+        </p:spPr>
+        <p:txBody>
+          <a:bodyPr vert="horz" wrap="none" lIns="91440" tIns="45720" rIns="91440" bIns="45720" numCol="1" rtlCol="0" anchor="ctr" anchorCtr="0" compatLnSpc="1">
+            <a:prstTxWarp prst="textNoShape">
+              <a:avLst/>
+            </a:prstTxWarp>
+          </a:bodyPr>
+          <a:lstStyle/>
+          <a:p>
+            <a:pPr marL="0" marR="0" indent="0" algn="ctr" defTabSz="914400" rtl="0" eaLnBrk="0" fontAlgn="base" latinLnBrk="0" hangingPunct="0">
+              <a:lnSpc>
+                <a:spcPct val="100000"/>
+              </a:lnSpc>
+              <a:spcBef>
+                <a:spcPct val="0"/>
+              </a:spcBef>
+              <a:spcAft>
+                <a:spcPct val="0"/>
+              </a:spcAft>
+              <a:buClrTx/>
+              <a:buSzTx/>
+              <a:buFontTx/>
+              <a:buNone/>
+              <a:tabLst/>
+            </a:pPr>
+            <a:r>
+              <a:rPr kumimoji="0" lang="ko-KR" altLang="en-US" sz="8800" b="0" i="0" u="none" strike="noStrike" cap="none" normalizeH="0" baseline="0" dirty="0" smtClean="0">
+                <a:ln>
+                  <a:noFill/>
+                </a:ln>
+                <a:solidFill>
+                  <a:schemeClr val="tx1"/>
+                </a:solidFill>
+                <a:effectLst/>
+                <a:latin typeface="Arial" charset="0"/>
+              </a:rPr>
+              <a:t>완료</a:t>
+            </a:r>
+            <a:endParaRPr kumimoji="0" lang="ko-KR" altLang="en-US" sz="8800" b="0" i="0" u="none" strike="noStrike" cap="none" normalizeH="0" baseline="0" dirty="0" smtClean="0">
+              <a:ln>
+                <a:noFill/>
+              </a:ln>
+              <a:solidFill>
+                <a:schemeClr val="tx1"/>
+              </a:solidFill>
+              <a:effectLst/>
+              <a:latin typeface="Arial" charset="0"/>
+            </a:endParaRPr>
+          </a:p>
+        </p:txBody>
+      </p:sp>
+    </p:spTree>
+    <p:controls>
+      <p:control spid="54274" name="DefaultOcx" r:id="rId2" imgW="257040" imgH="276120"/>
+      <p:control spid="54275" name="HTMLOption1" r:id="rId3" imgW="257040" imgH="276120"/>
+      <p:control spid="54276" name="HTMLOption2" r:id="rId4" imgW="257040" imgH="276120"/>
+    </p:controls>
+    <p:extLst>
+      <p:ext uri="{BB962C8B-B14F-4D97-AF65-F5344CB8AC3E}">
+        <p14:creationId xmlns:p14="http://schemas.microsoft.com/office/powerpoint/2010/main" xmlns="" val="3110720618"/>
       </p:ext>
     </p:extLst>
   </p:cSld>
